--- a/Cousera_Big_Data_Specialization/Introduction_to_Big_Data/Assignments/MapReduce/map-reduce assignment.pptx
+++ b/Cousera_Big_Data_Specialization/Introduction_to_Big_Data/Assignments/MapReduce/map-reduce assignment.pptx
@@ -3548,492 +3548,6 @@
           <a:chExt cx="0" cy="0"/>
         </a:xfrm>
       </p:grpSpPr>
-      <p:pic>
-        <p:nvPicPr>
-          <p:cNvPr id="7" name="Picture 6"/>
-          <p:cNvPicPr>
-            <a:picLocks noChangeAspect="1"/>
-          </p:cNvPicPr>
-          <p:nvPr/>
-        </p:nvPicPr>
-        <p:blipFill>
-          <a:blip r:embed="rId3"/>
-          <a:stretch>
-            <a:fillRect/>
-          </a:stretch>
-        </p:blipFill>
-        <p:spPr>
-          <a:xfrm>
-            <a:off x="25170" y="1803728"/>
-            <a:ext cx="534702" cy="508632"/>
-          </a:xfrm>
-          <a:prstGeom prst="rect">
-            <a:avLst/>
-          </a:prstGeom>
-        </p:spPr>
-      </p:pic>
-      <p:sp>
-        <p:nvSpPr>
-          <p:cNvPr id="9" name="Rectangle 8"/>
-          <p:cNvSpPr/>
-          <p:nvPr/>
-        </p:nvSpPr>
-        <p:spPr>
-          <a:xfrm>
-            <a:off x="47009" y="2422316"/>
-            <a:ext cx="430933" cy="450600"/>
-          </a:xfrm>
-          <a:prstGeom prst="rect">
-            <a:avLst/>
-          </a:prstGeom>
-          <a:solidFill>
-            <a:srgbClr val="800000"/>
-          </a:solidFill>
-          <a:ln>
-            <a:solidFill>
-              <a:srgbClr val="000000"/>
-            </a:solidFill>
-          </a:ln>
-        </p:spPr>
-        <p:style>
-          <a:lnRef idx="1">
-            <a:schemeClr val="accent1"/>
-          </a:lnRef>
-          <a:fillRef idx="3">
-            <a:schemeClr val="accent1"/>
-          </a:fillRef>
-          <a:effectRef idx="2">
-            <a:schemeClr val="accent1"/>
-          </a:effectRef>
-          <a:fontRef idx="minor">
-            <a:schemeClr val="lt1"/>
-          </a:fontRef>
-        </p:style>
-        <p:txBody>
-          <a:bodyPr rtlCol="0" anchor="ctr"/>
-          <a:lstStyle/>
-          <a:p>
-            <a:pPr algn="ctr"/>
-            <a:endParaRPr lang="en-US"/>
-          </a:p>
-        </p:txBody>
-      </p:sp>
-      <p:sp>
-        <p:nvSpPr>
-          <p:cNvPr id="10" name="Oval 9"/>
-          <p:cNvSpPr/>
-          <p:nvPr/>
-        </p:nvSpPr>
-        <p:spPr>
-          <a:xfrm>
-            <a:off x="25170" y="3036771"/>
-            <a:ext cx="505252" cy="491107"/>
-          </a:xfrm>
-          <a:prstGeom prst="ellipse">
-            <a:avLst/>
-          </a:prstGeom>
-          <a:solidFill>
-            <a:srgbClr val="0000FF"/>
-          </a:solidFill>
-          <a:ln>
-            <a:solidFill>
-              <a:schemeClr val="tx1"/>
-            </a:solidFill>
-          </a:ln>
-        </p:spPr>
-        <p:style>
-          <a:lnRef idx="1">
-            <a:schemeClr val="accent1"/>
-          </a:lnRef>
-          <a:fillRef idx="3">
-            <a:schemeClr val="accent1"/>
-          </a:fillRef>
-          <a:effectRef idx="2">
-            <a:schemeClr val="accent1"/>
-          </a:effectRef>
-          <a:fontRef idx="minor">
-            <a:schemeClr val="lt1"/>
-          </a:fontRef>
-        </p:style>
-        <p:txBody>
-          <a:bodyPr rtlCol="0" anchor="ctr"/>
-          <a:lstStyle/>
-          <a:p>
-            <a:pPr algn="ctr"/>
-            <a:endParaRPr lang="en-US"/>
-          </a:p>
-        </p:txBody>
-      </p:sp>
-      <p:sp>
-        <p:nvSpPr>
-          <p:cNvPr id="11" name="Heart 10"/>
-          <p:cNvSpPr/>
-          <p:nvPr/>
-        </p:nvSpPr>
-        <p:spPr>
-          <a:xfrm>
-            <a:off x="25170" y="3664878"/>
-            <a:ext cx="505252" cy="463800"/>
-          </a:xfrm>
-          <a:prstGeom prst="heart">
-            <a:avLst/>
-          </a:prstGeom>
-          <a:solidFill>
-            <a:srgbClr val="008000"/>
-          </a:solidFill>
-          <a:ln>
-            <a:solidFill>
-              <a:srgbClr val="000000"/>
-            </a:solidFill>
-          </a:ln>
-        </p:spPr>
-        <p:style>
-          <a:lnRef idx="1">
-            <a:schemeClr val="accent1"/>
-          </a:lnRef>
-          <a:fillRef idx="3">
-            <a:schemeClr val="accent1"/>
-          </a:fillRef>
-          <a:effectRef idx="2">
-            <a:schemeClr val="accent1"/>
-          </a:effectRef>
-          <a:fontRef idx="minor">
-            <a:schemeClr val="lt1"/>
-          </a:fontRef>
-        </p:style>
-        <p:txBody>
-          <a:bodyPr rtlCol="0" anchor="ctr"/>
-          <a:lstStyle/>
-          <a:p>
-            <a:pPr algn="ctr"/>
-            <a:endParaRPr lang="en-US"/>
-          </a:p>
-        </p:txBody>
-      </p:sp>
-      <p:sp>
-        <p:nvSpPr>
-          <p:cNvPr id="13" name="Isosceles Triangle 12"/>
-          <p:cNvSpPr/>
-          <p:nvPr/>
-        </p:nvSpPr>
-        <p:spPr>
-          <a:xfrm>
-            <a:off x="0" y="4238366"/>
-            <a:ext cx="559872" cy="409181"/>
-          </a:xfrm>
-          <a:prstGeom prst="triangle">
-            <a:avLst/>
-          </a:prstGeom>
-          <a:solidFill>
-            <a:schemeClr val="accent6">
-              <a:lumMod val="75000"/>
-            </a:schemeClr>
-          </a:solidFill>
-          <a:ln>
-            <a:solidFill>
-              <a:srgbClr val="000000"/>
-            </a:solidFill>
-          </a:ln>
-        </p:spPr>
-        <p:style>
-          <a:lnRef idx="1">
-            <a:schemeClr val="accent1"/>
-          </a:lnRef>
-          <a:fillRef idx="3">
-            <a:schemeClr val="accent1"/>
-          </a:fillRef>
-          <a:effectRef idx="2">
-            <a:schemeClr val="accent1"/>
-          </a:effectRef>
-          <a:fontRef idx="minor">
-            <a:schemeClr val="lt1"/>
-          </a:fontRef>
-        </p:style>
-        <p:txBody>
-          <a:bodyPr rtlCol="0" anchor="ctr"/>
-          <a:lstStyle/>
-          <a:p>
-            <a:pPr algn="ctr"/>
-            <a:endParaRPr lang="en-US"/>
-          </a:p>
-        </p:txBody>
-      </p:sp>
-      <p:sp>
-        <p:nvSpPr>
-          <p:cNvPr id="14" name="Oval 13"/>
-          <p:cNvSpPr/>
-          <p:nvPr/>
-        </p:nvSpPr>
-        <p:spPr>
-          <a:xfrm>
-            <a:off x="634770" y="1821253"/>
-            <a:ext cx="505252" cy="491107"/>
-          </a:xfrm>
-          <a:prstGeom prst="ellipse">
-            <a:avLst/>
-          </a:prstGeom>
-          <a:solidFill>
-            <a:srgbClr val="0000FF"/>
-          </a:solidFill>
-          <a:ln>
-            <a:solidFill>
-              <a:schemeClr val="tx1"/>
-            </a:solidFill>
-          </a:ln>
-        </p:spPr>
-        <p:style>
-          <a:lnRef idx="1">
-            <a:schemeClr val="accent1"/>
-          </a:lnRef>
-          <a:fillRef idx="3">
-            <a:schemeClr val="accent1"/>
-          </a:fillRef>
-          <a:effectRef idx="2">
-            <a:schemeClr val="accent1"/>
-          </a:effectRef>
-          <a:fontRef idx="minor">
-            <a:schemeClr val="lt1"/>
-          </a:fontRef>
-        </p:style>
-        <p:txBody>
-          <a:bodyPr rtlCol="0" anchor="ctr"/>
-          <a:lstStyle/>
-          <a:p>
-            <a:pPr algn="ctr"/>
-            <a:endParaRPr lang="en-US"/>
-          </a:p>
-        </p:txBody>
-      </p:sp>
-      <p:sp>
-        <p:nvSpPr>
-          <p:cNvPr id="15" name="Oval 14"/>
-          <p:cNvSpPr/>
-          <p:nvPr/>
-        </p:nvSpPr>
-        <p:spPr>
-          <a:xfrm>
-            <a:off x="602555" y="4156440"/>
-            <a:ext cx="505252" cy="491107"/>
-          </a:xfrm>
-          <a:prstGeom prst="ellipse">
-            <a:avLst/>
-          </a:prstGeom>
-          <a:solidFill>
-            <a:srgbClr val="0000FF"/>
-          </a:solidFill>
-          <a:ln>
-            <a:solidFill>
-              <a:schemeClr val="tx1"/>
-            </a:solidFill>
-          </a:ln>
-        </p:spPr>
-        <p:style>
-          <a:lnRef idx="1">
-            <a:schemeClr val="accent1"/>
-          </a:lnRef>
-          <a:fillRef idx="3">
-            <a:schemeClr val="accent1"/>
-          </a:fillRef>
-          <a:effectRef idx="2">
-            <a:schemeClr val="accent1"/>
-          </a:effectRef>
-          <a:fontRef idx="minor">
-            <a:schemeClr val="lt1"/>
-          </a:fontRef>
-        </p:style>
-        <p:txBody>
-          <a:bodyPr rtlCol="0" anchor="ctr"/>
-          <a:lstStyle/>
-          <a:p>
-            <a:pPr algn="ctr"/>
-            <a:endParaRPr lang="en-US"/>
-          </a:p>
-        </p:txBody>
-      </p:sp>
-      <p:sp>
-        <p:nvSpPr>
-          <p:cNvPr id="16" name="Oval 15"/>
-          <p:cNvSpPr/>
-          <p:nvPr/>
-        </p:nvSpPr>
-        <p:spPr>
-          <a:xfrm>
-            <a:off x="1187551" y="3587124"/>
-            <a:ext cx="505252" cy="491107"/>
-          </a:xfrm>
-          <a:prstGeom prst="ellipse">
-            <a:avLst/>
-          </a:prstGeom>
-          <a:solidFill>
-            <a:srgbClr val="0000FF"/>
-          </a:solidFill>
-          <a:ln>
-            <a:solidFill>
-              <a:schemeClr val="tx1"/>
-            </a:solidFill>
-          </a:ln>
-        </p:spPr>
-        <p:style>
-          <a:lnRef idx="1">
-            <a:schemeClr val="accent1"/>
-          </a:lnRef>
-          <a:fillRef idx="3">
-            <a:schemeClr val="accent1"/>
-          </a:fillRef>
-          <a:effectRef idx="2">
-            <a:schemeClr val="accent1"/>
-          </a:effectRef>
-          <a:fontRef idx="minor">
-            <a:schemeClr val="lt1"/>
-          </a:fontRef>
-        </p:style>
-        <p:txBody>
-          <a:bodyPr rtlCol="0" anchor="ctr"/>
-          <a:lstStyle/>
-          <a:p>
-            <a:pPr algn="ctr"/>
-            <a:endParaRPr lang="en-US"/>
-          </a:p>
-        </p:txBody>
-      </p:sp>
-      <p:sp>
-        <p:nvSpPr>
-          <p:cNvPr id="17" name="Oval 16"/>
-          <p:cNvSpPr/>
-          <p:nvPr/>
-        </p:nvSpPr>
-        <p:spPr>
-          <a:xfrm>
-            <a:off x="634770" y="2415259"/>
-            <a:ext cx="505252" cy="491107"/>
-          </a:xfrm>
-          <a:prstGeom prst="ellipse">
-            <a:avLst/>
-          </a:prstGeom>
-          <a:solidFill>
-            <a:srgbClr val="0000FF"/>
-          </a:solidFill>
-          <a:ln>
-            <a:solidFill>
-              <a:schemeClr val="tx1"/>
-            </a:solidFill>
-          </a:ln>
-        </p:spPr>
-        <p:style>
-          <a:lnRef idx="1">
-            <a:schemeClr val="accent1"/>
-          </a:lnRef>
-          <a:fillRef idx="3">
-            <a:schemeClr val="accent1"/>
-          </a:fillRef>
-          <a:effectRef idx="2">
-            <a:schemeClr val="accent1"/>
-          </a:effectRef>
-          <a:fontRef idx="minor">
-            <a:schemeClr val="lt1"/>
-          </a:fontRef>
-        </p:style>
-        <p:txBody>
-          <a:bodyPr rtlCol="0" anchor="ctr"/>
-          <a:lstStyle/>
-          <a:p>
-            <a:pPr algn="ctr"/>
-            <a:endParaRPr lang="en-US"/>
-          </a:p>
-        </p:txBody>
-      </p:sp>
-      <p:sp>
-        <p:nvSpPr>
-          <p:cNvPr id="18" name="Heart 17"/>
-          <p:cNvSpPr/>
-          <p:nvPr/>
-        </p:nvSpPr>
-        <p:spPr>
-          <a:xfrm>
-            <a:off x="1228516" y="1865928"/>
-            <a:ext cx="505252" cy="463800"/>
-          </a:xfrm>
-          <a:prstGeom prst="heart">
-            <a:avLst/>
-          </a:prstGeom>
-          <a:solidFill>
-            <a:srgbClr val="008000"/>
-          </a:solidFill>
-          <a:ln>
-            <a:solidFill>
-              <a:srgbClr val="000000"/>
-            </a:solidFill>
-          </a:ln>
-        </p:spPr>
-        <p:style>
-          <a:lnRef idx="1">
-            <a:schemeClr val="accent1"/>
-          </a:lnRef>
-          <a:fillRef idx="3">
-            <a:schemeClr val="accent1"/>
-          </a:fillRef>
-          <a:effectRef idx="2">
-            <a:schemeClr val="accent1"/>
-          </a:effectRef>
-          <a:fontRef idx="minor">
-            <a:schemeClr val="lt1"/>
-          </a:fontRef>
-        </p:style>
-        <p:txBody>
-          <a:bodyPr rtlCol="0" anchor="ctr"/>
-          <a:lstStyle/>
-          <a:p>
-            <a:pPr algn="ctr"/>
-            <a:endParaRPr lang="en-US"/>
-          </a:p>
-        </p:txBody>
-      </p:sp>
-      <p:sp>
-        <p:nvSpPr>
-          <p:cNvPr id="19" name="Heart 18"/>
-          <p:cNvSpPr/>
-          <p:nvPr/>
-        </p:nvSpPr>
-        <p:spPr>
-          <a:xfrm>
-            <a:off x="1228516" y="4224711"/>
-            <a:ext cx="505252" cy="463800"/>
-          </a:xfrm>
-          <a:prstGeom prst="heart">
-            <a:avLst/>
-          </a:prstGeom>
-          <a:solidFill>
-            <a:srgbClr val="008000"/>
-          </a:solidFill>
-          <a:ln>
-            <a:solidFill>
-              <a:srgbClr val="000000"/>
-            </a:solidFill>
-          </a:ln>
-        </p:spPr>
-        <p:style>
-          <a:lnRef idx="1">
-            <a:schemeClr val="accent1"/>
-          </a:lnRef>
-          <a:fillRef idx="3">
-            <a:schemeClr val="accent1"/>
-          </a:fillRef>
-          <a:effectRef idx="2">
-            <a:schemeClr val="accent1"/>
-          </a:effectRef>
-          <a:fontRef idx="minor">
-            <a:schemeClr val="lt1"/>
-          </a:fontRef>
-        </p:style>
-        <p:txBody>
-          <a:bodyPr rtlCol="0" anchor="ctr"/>
-          <a:lstStyle/>
-          <a:p>
-            <a:pPr algn="ctr"/>
-            <a:endParaRPr lang="en-US"/>
-          </a:p>
-        </p:txBody>
-      </p:sp>
       <p:sp>
         <p:nvSpPr>
           <p:cNvPr id="20" name="Heart 19"/>
@@ -4080,236 +3594,299 @@
           </a:p>
         </p:txBody>
       </p:sp>
-      <p:sp>
-        <p:nvSpPr>
-          <p:cNvPr id="21" name="Rectangle 20"/>
-          <p:cNvSpPr/>
+      <p:grpSp>
+        <p:nvGrpSpPr>
+          <p:cNvPr id="2" name="Group 1"/>
+          <p:cNvGrpSpPr/>
           <p:nvPr/>
-        </p:nvSpPr>
-        <p:spPr>
+        </p:nvGrpSpPr>
+        <p:grpSpPr>
           <a:xfrm>
-            <a:off x="630342" y="3036771"/>
-            <a:ext cx="430933" cy="450600"/>
+            <a:off x="0" y="3587124"/>
+            <a:ext cx="1733768" cy="1101387"/>
+            <a:chOff x="0" y="3587124"/>
+            <a:chExt cx="1733768" cy="1101387"/>
           </a:xfrm>
-          <a:prstGeom prst="rect">
-            <a:avLst/>
-          </a:prstGeom>
-          <a:solidFill>
-            <a:srgbClr val="800000"/>
-          </a:solidFill>
-          <a:ln>
+        </p:grpSpPr>
+        <p:sp>
+          <p:nvSpPr>
+            <p:cNvPr id="11" name="Heart 10"/>
+            <p:cNvSpPr/>
+            <p:nvPr/>
+          </p:nvSpPr>
+          <p:spPr>
+            <a:xfrm>
+              <a:off x="25170" y="3664878"/>
+              <a:ext cx="505252" cy="463800"/>
+            </a:xfrm>
+            <a:prstGeom prst="heart">
+              <a:avLst/>
+            </a:prstGeom>
             <a:solidFill>
-              <a:srgbClr val="000000"/>
+              <a:srgbClr val="008000"/>
             </a:solidFill>
-          </a:ln>
-        </p:spPr>
-        <p:style>
-          <a:lnRef idx="1">
-            <a:schemeClr val="accent1"/>
-          </a:lnRef>
-          <a:fillRef idx="3">
-            <a:schemeClr val="accent1"/>
-          </a:fillRef>
-          <a:effectRef idx="2">
-            <a:schemeClr val="accent1"/>
-          </a:effectRef>
-          <a:fontRef idx="minor">
-            <a:schemeClr val="lt1"/>
-          </a:fontRef>
-        </p:style>
-        <p:txBody>
-          <a:bodyPr rtlCol="0" anchor="ctr"/>
-          <a:lstStyle/>
-          <a:p>
-            <a:pPr algn="ctr"/>
-            <a:endParaRPr lang="en-US"/>
-          </a:p>
-        </p:txBody>
-      </p:sp>
-      <p:sp>
-        <p:nvSpPr>
-          <p:cNvPr id="22" name="Rectangle 21"/>
-          <p:cNvSpPr/>
-          <p:nvPr/>
-        </p:nvSpPr>
-        <p:spPr>
-          <a:xfrm>
-            <a:off x="634770" y="3630056"/>
-            <a:ext cx="430933" cy="450600"/>
-          </a:xfrm>
-          <a:prstGeom prst="rect">
-            <a:avLst/>
-          </a:prstGeom>
-          <a:solidFill>
-            <a:srgbClr val="800000"/>
-          </a:solidFill>
-          <a:ln>
+            <a:ln>
+              <a:solidFill>
+                <a:srgbClr val="000000"/>
+              </a:solidFill>
+            </a:ln>
+          </p:spPr>
+          <p:style>
+            <a:lnRef idx="1">
+              <a:schemeClr val="accent1"/>
+            </a:lnRef>
+            <a:fillRef idx="3">
+              <a:schemeClr val="accent1"/>
+            </a:fillRef>
+            <a:effectRef idx="2">
+              <a:schemeClr val="accent1"/>
+            </a:effectRef>
+            <a:fontRef idx="minor">
+              <a:schemeClr val="lt1"/>
+            </a:fontRef>
+          </p:style>
+          <p:txBody>
+            <a:bodyPr rtlCol="0" anchor="ctr"/>
+            <a:lstStyle/>
+            <a:p>
+              <a:pPr algn="ctr"/>
+              <a:endParaRPr lang="en-US"/>
+            </a:p>
+          </p:txBody>
+        </p:sp>
+        <p:sp>
+          <p:nvSpPr>
+            <p:cNvPr id="13" name="Isosceles Triangle 12"/>
+            <p:cNvSpPr/>
+            <p:nvPr/>
+          </p:nvSpPr>
+          <p:spPr>
+            <a:xfrm>
+              <a:off x="0" y="4238366"/>
+              <a:ext cx="559872" cy="409181"/>
+            </a:xfrm>
+            <a:prstGeom prst="triangle">
+              <a:avLst/>
+            </a:prstGeom>
             <a:solidFill>
-              <a:srgbClr val="000000"/>
+              <a:schemeClr val="accent6">
+                <a:lumMod val="75000"/>
+              </a:schemeClr>
             </a:solidFill>
-          </a:ln>
-        </p:spPr>
-        <p:style>
-          <a:lnRef idx="1">
-            <a:schemeClr val="accent1"/>
-          </a:lnRef>
-          <a:fillRef idx="3">
-            <a:schemeClr val="accent1"/>
-          </a:fillRef>
-          <a:effectRef idx="2">
-            <a:schemeClr val="accent1"/>
-          </a:effectRef>
-          <a:fontRef idx="minor">
-            <a:schemeClr val="lt1"/>
-          </a:fontRef>
-        </p:style>
-        <p:txBody>
-          <a:bodyPr rtlCol="0" anchor="ctr"/>
-          <a:lstStyle/>
-          <a:p>
-            <a:pPr algn="ctr"/>
-            <a:endParaRPr lang="en-US"/>
-          </a:p>
-        </p:txBody>
-      </p:sp>
-      <p:sp>
-        <p:nvSpPr>
-          <p:cNvPr id="24" name="Rectangle 23"/>
-          <p:cNvSpPr/>
-          <p:nvPr/>
-        </p:nvSpPr>
-        <p:spPr>
-          <a:xfrm>
-            <a:off x="1216531" y="2435515"/>
-            <a:ext cx="430933" cy="450600"/>
-          </a:xfrm>
-          <a:prstGeom prst="rect">
-            <a:avLst/>
-          </a:prstGeom>
-          <a:solidFill>
-            <a:srgbClr val="800000"/>
-          </a:solidFill>
-          <a:ln>
+            <a:ln>
+              <a:solidFill>
+                <a:srgbClr val="000000"/>
+              </a:solidFill>
+            </a:ln>
+          </p:spPr>
+          <p:style>
+            <a:lnRef idx="1">
+              <a:schemeClr val="accent1"/>
+            </a:lnRef>
+            <a:fillRef idx="3">
+              <a:schemeClr val="accent1"/>
+            </a:fillRef>
+            <a:effectRef idx="2">
+              <a:schemeClr val="accent1"/>
+            </a:effectRef>
+            <a:fontRef idx="minor">
+              <a:schemeClr val="lt1"/>
+            </a:fontRef>
+          </p:style>
+          <p:txBody>
+            <a:bodyPr rtlCol="0" anchor="ctr"/>
+            <a:lstStyle/>
+            <a:p>
+              <a:pPr algn="ctr"/>
+              <a:endParaRPr lang="en-US"/>
+            </a:p>
+          </p:txBody>
+        </p:sp>
+        <p:sp>
+          <p:nvSpPr>
+            <p:cNvPr id="15" name="Oval 14"/>
+            <p:cNvSpPr/>
+            <p:nvPr/>
+          </p:nvSpPr>
+          <p:spPr>
+            <a:xfrm>
+              <a:off x="602555" y="4156440"/>
+              <a:ext cx="505252" cy="491107"/>
+            </a:xfrm>
+            <a:prstGeom prst="ellipse">
+              <a:avLst/>
+            </a:prstGeom>
             <a:solidFill>
-              <a:srgbClr val="000000"/>
+              <a:srgbClr val="0000FF"/>
             </a:solidFill>
-          </a:ln>
-        </p:spPr>
-        <p:style>
-          <a:lnRef idx="1">
-            <a:schemeClr val="accent1"/>
-          </a:lnRef>
-          <a:fillRef idx="3">
-            <a:schemeClr val="accent1"/>
-          </a:fillRef>
-          <a:effectRef idx="2">
-            <a:schemeClr val="accent1"/>
-          </a:effectRef>
-          <a:fontRef idx="minor">
-            <a:schemeClr val="lt1"/>
-          </a:fontRef>
-        </p:style>
-        <p:txBody>
-          <a:bodyPr rtlCol="0" anchor="ctr"/>
-          <a:lstStyle/>
-          <a:p>
-            <a:pPr algn="ctr"/>
-            <a:endParaRPr lang="en-US"/>
-          </a:p>
-        </p:txBody>
-      </p:sp>
-      <p:sp>
-        <p:nvSpPr>
-          <p:cNvPr id="25" name="Rectangle 24"/>
-          <p:cNvSpPr/>
-          <p:nvPr/>
-        </p:nvSpPr>
-        <p:spPr>
-          <a:xfrm>
-            <a:off x="47009" y="1339473"/>
-            <a:ext cx="430933" cy="450600"/>
-          </a:xfrm>
-          <a:prstGeom prst="rect">
-            <a:avLst/>
-          </a:prstGeom>
-          <a:solidFill>
-            <a:srgbClr val="800000"/>
-          </a:solidFill>
-          <a:ln>
+            <a:ln>
+              <a:solidFill>
+                <a:schemeClr val="tx1"/>
+              </a:solidFill>
+            </a:ln>
+          </p:spPr>
+          <p:style>
+            <a:lnRef idx="1">
+              <a:schemeClr val="accent1"/>
+            </a:lnRef>
+            <a:fillRef idx="3">
+              <a:schemeClr val="accent1"/>
+            </a:fillRef>
+            <a:effectRef idx="2">
+              <a:schemeClr val="accent1"/>
+            </a:effectRef>
+            <a:fontRef idx="minor">
+              <a:schemeClr val="lt1"/>
+            </a:fontRef>
+          </p:style>
+          <p:txBody>
+            <a:bodyPr rtlCol="0" anchor="ctr"/>
+            <a:lstStyle/>
+            <a:p>
+              <a:pPr algn="ctr"/>
+              <a:endParaRPr lang="en-US"/>
+            </a:p>
+          </p:txBody>
+        </p:sp>
+        <p:sp>
+          <p:nvSpPr>
+            <p:cNvPr id="16" name="Oval 15"/>
+            <p:cNvSpPr/>
+            <p:nvPr/>
+          </p:nvSpPr>
+          <p:spPr>
+            <a:xfrm>
+              <a:off x="1187551" y="3587124"/>
+              <a:ext cx="505252" cy="491107"/>
+            </a:xfrm>
+            <a:prstGeom prst="ellipse">
+              <a:avLst/>
+            </a:prstGeom>
             <a:solidFill>
-              <a:srgbClr val="000000"/>
+              <a:srgbClr val="0000FF"/>
             </a:solidFill>
-          </a:ln>
-        </p:spPr>
-        <p:style>
-          <a:lnRef idx="1">
-            <a:schemeClr val="accent1"/>
-          </a:lnRef>
-          <a:fillRef idx="3">
-            <a:schemeClr val="accent1"/>
-          </a:fillRef>
-          <a:effectRef idx="2">
-            <a:schemeClr val="accent1"/>
-          </a:effectRef>
-          <a:fontRef idx="minor">
-            <a:schemeClr val="lt1"/>
-          </a:fontRef>
-        </p:style>
-        <p:txBody>
-          <a:bodyPr rtlCol="0" anchor="ctr"/>
-          <a:lstStyle/>
-          <a:p>
-            <a:pPr algn="ctr"/>
-            <a:endParaRPr lang="en-US"/>
-          </a:p>
-        </p:txBody>
-      </p:sp>
-      <p:sp>
-        <p:nvSpPr>
-          <p:cNvPr id="26" name="Rectangle 25"/>
-          <p:cNvSpPr/>
-          <p:nvPr/>
-        </p:nvSpPr>
-        <p:spPr>
-          <a:xfrm>
-            <a:off x="1216531" y="1339473"/>
-            <a:ext cx="430933" cy="450600"/>
-          </a:xfrm>
-          <a:prstGeom prst="rect">
-            <a:avLst/>
-          </a:prstGeom>
-          <a:solidFill>
-            <a:srgbClr val="800000"/>
-          </a:solidFill>
-          <a:ln>
+            <a:ln>
+              <a:solidFill>
+                <a:schemeClr val="tx1"/>
+              </a:solidFill>
+            </a:ln>
+          </p:spPr>
+          <p:style>
+            <a:lnRef idx="1">
+              <a:schemeClr val="accent1"/>
+            </a:lnRef>
+            <a:fillRef idx="3">
+              <a:schemeClr val="accent1"/>
+            </a:fillRef>
+            <a:effectRef idx="2">
+              <a:schemeClr val="accent1"/>
+            </a:effectRef>
+            <a:fontRef idx="minor">
+              <a:schemeClr val="lt1"/>
+            </a:fontRef>
+          </p:style>
+          <p:txBody>
+            <a:bodyPr rtlCol="0" anchor="ctr"/>
+            <a:lstStyle/>
+            <a:p>
+              <a:pPr algn="ctr"/>
+              <a:endParaRPr lang="en-US"/>
+            </a:p>
+          </p:txBody>
+        </p:sp>
+        <p:sp>
+          <p:nvSpPr>
+            <p:cNvPr id="19" name="Heart 18"/>
+            <p:cNvSpPr/>
+            <p:nvPr/>
+          </p:nvSpPr>
+          <p:spPr>
+            <a:xfrm>
+              <a:off x="1228516" y="4224711"/>
+              <a:ext cx="505252" cy="463800"/>
+            </a:xfrm>
+            <a:prstGeom prst="heart">
+              <a:avLst/>
+            </a:prstGeom>
             <a:solidFill>
-              <a:srgbClr val="000000"/>
+              <a:srgbClr val="008000"/>
             </a:solidFill>
-          </a:ln>
-        </p:spPr>
-        <p:style>
-          <a:lnRef idx="1">
-            <a:schemeClr val="accent1"/>
-          </a:lnRef>
-          <a:fillRef idx="3">
-            <a:schemeClr val="accent1"/>
-          </a:fillRef>
-          <a:effectRef idx="2">
-            <a:schemeClr val="accent1"/>
-          </a:effectRef>
-          <a:fontRef idx="minor">
-            <a:schemeClr val="lt1"/>
-          </a:fontRef>
-        </p:style>
-        <p:txBody>
-          <a:bodyPr rtlCol="0" anchor="ctr"/>
-          <a:lstStyle/>
-          <a:p>
-            <a:pPr algn="ctr"/>
-            <a:endParaRPr lang="en-US"/>
-          </a:p>
-        </p:txBody>
-      </p:sp>
+            <a:ln>
+              <a:solidFill>
+                <a:srgbClr val="000000"/>
+              </a:solidFill>
+            </a:ln>
+          </p:spPr>
+          <p:style>
+            <a:lnRef idx="1">
+              <a:schemeClr val="accent1"/>
+            </a:lnRef>
+            <a:fillRef idx="3">
+              <a:schemeClr val="accent1"/>
+            </a:fillRef>
+            <a:effectRef idx="2">
+              <a:schemeClr val="accent1"/>
+            </a:effectRef>
+            <a:fontRef idx="minor">
+              <a:schemeClr val="lt1"/>
+            </a:fontRef>
+          </p:style>
+          <p:txBody>
+            <a:bodyPr rtlCol="0" anchor="ctr"/>
+            <a:lstStyle/>
+            <a:p>
+              <a:pPr algn="ctr"/>
+              <a:endParaRPr lang="en-US"/>
+            </a:p>
+          </p:txBody>
+        </p:sp>
+        <p:sp>
+          <p:nvSpPr>
+            <p:cNvPr id="22" name="Rectangle 21"/>
+            <p:cNvSpPr/>
+            <p:nvPr/>
+          </p:nvSpPr>
+          <p:spPr>
+            <a:xfrm>
+              <a:off x="634770" y="3630056"/>
+              <a:ext cx="430933" cy="450600"/>
+            </a:xfrm>
+            <a:prstGeom prst="rect">
+              <a:avLst/>
+            </a:prstGeom>
+            <a:solidFill>
+              <a:srgbClr val="800000"/>
+            </a:solidFill>
+            <a:ln>
+              <a:solidFill>
+                <a:srgbClr val="000000"/>
+              </a:solidFill>
+            </a:ln>
+          </p:spPr>
+          <p:style>
+            <a:lnRef idx="1">
+              <a:schemeClr val="accent1"/>
+            </a:lnRef>
+            <a:fillRef idx="3">
+              <a:schemeClr val="accent1"/>
+            </a:fillRef>
+            <a:effectRef idx="2">
+              <a:schemeClr val="accent1"/>
+            </a:effectRef>
+            <a:fontRef idx="minor">
+              <a:schemeClr val="lt1"/>
+            </a:fontRef>
+          </p:style>
+          <p:txBody>
+            <a:bodyPr rtlCol="0" anchor="ctr"/>
+            <a:lstStyle/>
+            <a:p>
+              <a:pPr algn="ctr"/>
+              <a:endParaRPr lang="en-US"/>
+            </a:p>
+          </p:txBody>
+        </p:sp>
+      </p:grpSp>
       <p:sp>
         <p:nvSpPr>
           <p:cNvPr id="27" name="Rectangle 26"/>
@@ -4356,30 +3933,253 @@
           </a:p>
         </p:txBody>
       </p:sp>
-      <p:pic>
-        <p:nvPicPr>
-          <p:cNvPr id="28" name="Picture 27"/>
-          <p:cNvPicPr>
-            <a:picLocks noChangeAspect="1"/>
-          </p:cNvPicPr>
+      <p:grpSp>
+        <p:nvGrpSpPr>
+          <p:cNvPr id="4" name="Group 3"/>
+          <p:cNvGrpSpPr/>
           <p:nvPr/>
-        </p:nvPicPr>
-        <p:blipFill>
-          <a:blip r:embed="rId3"/>
-          <a:stretch>
-            <a:fillRect/>
-          </a:stretch>
-        </p:blipFill>
-        <p:spPr>
+        </p:nvGrpSpPr>
+        <p:grpSpPr>
           <a:xfrm>
-            <a:off x="573105" y="1281441"/>
-            <a:ext cx="534702" cy="508632"/>
+            <a:off x="25170" y="1281441"/>
+            <a:ext cx="1708598" cy="1048287"/>
+            <a:chOff x="25170" y="1281441"/>
+            <a:chExt cx="1708598" cy="1048287"/>
           </a:xfrm>
-          <a:prstGeom prst="rect">
-            <a:avLst/>
-          </a:prstGeom>
-        </p:spPr>
-      </p:pic>
+        </p:grpSpPr>
+        <p:pic>
+          <p:nvPicPr>
+            <p:cNvPr id="7" name="Picture 6"/>
+            <p:cNvPicPr>
+              <a:picLocks noChangeAspect="1"/>
+            </p:cNvPicPr>
+            <p:nvPr/>
+          </p:nvPicPr>
+          <p:blipFill>
+            <a:blip r:embed="rId3"/>
+            <a:stretch>
+              <a:fillRect/>
+            </a:stretch>
+          </p:blipFill>
+          <p:spPr>
+            <a:xfrm>
+              <a:off x="25170" y="1803728"/>
+              <a:ext cx="534702" cy="508632"/>
+            </a:xfrm>
+            <a:prstGeom prst="rect">
+              <a:avLst/>
+            </a:prstGeom>
+          </p:spPr>
+        </p:pic>
+        <p:sp>
+          <p:nvSpPr>
+            <p:cNvPr id="14" name="Oval 13"/>
+            <p:cNvSpPr/>
+            <p:nvPr/>
+          </p:nvSpPr>
+          <p:spPr>
+            <a:xfrm>
+              <a:off x="634770" y="1821253"/>
+              <a:ext cx="505252" cy="491107"/>
+            </a:xfrm>
+            <a:prstGeom prst="ellipse">
+              <a:avLst/>
+            </a:prstGeom>
+            <a:solidFill>
+              <a:srgbClr val="0000FF"/>
+            </a:solidFill>
+            <a:ln>
+              <a:solidFill>
+                <a:schemeClr val="tx1"/>
+              </a:solidFill>
+            </a:ln>
+          </p:spPr>
+          <p:style>
+            <a:lnRef idx="1">
+              <a:schemeClr val="accent1"/>
+            </a:lnRef>
+            <a:fillRef idx="3">
+              <a:schemeClr val="accent1"/>
+            </a:fillRef>
+            <a:effectRef idx="2">
+              <a:schemeClr val="accent1"/>
+            </a:effectRef>
+            <a:fontRef idx="minor">
+              <a:schemeClr val="lt1"/>
+            </a:fontRef>
+          </p:style>
+          <p:txBody>
+            <a:bodyPr rtlCol="0" anchor="ctr"/>
+            <a:lstStyle/>
+            <a:p>
+              <a:pPr algn="ctr"/>
+              <a:endParaRPr lang="en-US"/>
+            </a:p>
+          </p:txBody>
+        </p:sp>
+        <p:sp>
+          <p:nvSpPr>
+            <p:cNvPr id="18" name="Heart 17"/>
+            <p:cNvSpPr/>
+            <p:nvPr/>
+          </p:nvSpPr>
+          <p:spPr>
+            <a:xfrm>
+              <a:off x="1228516" y="1865928"/>
+              <a:ext cx="505252" cy="463800"/>
+            </a:xfrm>
+            <a:prstGeom prst="heart">
+              <a:avLst/>
+            </a:prstGeom>
+            <a:solidFill>
+              <a:srgbClr val="008000"/>
+            </a:solidFill>
+            <a:ln>
+              <a:solidFill>
+                <a:srgbClr val="000000"/>
+              </a:solidFill>
+            </a:ln>
+          </p:spPr>
+          <p:style>
+            <a:lnRef idx="1">
+              <a:schemeClr val="accent1"/>
+            </a:lnRef>
+            <a:fillRef idx="3">
+              <a:schemeClr val="accent1"/>
+            </a:fillRef>
+            <a:effectRef idx="2">
+              <a:schemeClr val="accent1"/>
+            </a:effectRef>
+            <a:fontRef idx="minor">
+              <a:schemeClr val="lt1"/>
+            </a:fontRef>
+          </p:style>
+          <p:txBody>
+            <a:bodyPr rtlCol="0" anchor="ctr"/>
+            <a:lstStyle/>
+            <a:p>
+              <a:pPr algn="ctr"/>
+              <a:endParaRPr lang="en-US"/>
+            </a:p>
+          </p:txBody>
+        </p:sp>
+        <p:sp>
+          <p:nvSpPr>
+            <p:cNvPr id="25" name="Rectangle 24"/>
+            <p:cNvSpPr/>
+            <p:nvPr/>
+          </p:nvSpPr>
+          <p:spPr>
+            <a:xfrm>
+              <a:off x="47009" y="1339473"/>
+              <a:ext cx="430933" cy="450600"/>
+            </a:xfrm>
+            <a:prstGeom prst="rect">
+              <a:avLst/>
+            </a:prstGeom>
+            <a:solidFill>
+              <a:srgbClr val="800000"/>
+            </a:solidFill>
+            <a:ln>
+              <a:solidFill>
+                <a:srgbClr val="000000"/>
+              </a:solidFill>
+            </a:ln>
+          </p:spPr>
+          <p:style>
+            <a:lnRef idx="1">
+              <a:schemeClr val="accent1"/>
+            </a:lnRef>
+            <a:fillRef idx="3">
+              <a:schemeClr val="accent1"/>
+            </a:fillRef>
+            <a:effectRef idx="2">
+              <a:schemeClr val="accent1"/>
+            </a:effectRef>
+            <a:fontRef idx="minor">
+              <a:schemeClr val="lt1"/>
+            </a:fontRef>
+          </p:style>
+          <p:txBody>
+            <a:bodyPr rtlCol="0" anchor="ctr"/>
+            <a:lstStyle/>
+            <a:p>
+              <a:pPr algn="ctr"/>
+              <a:endParaRPr lang="en-US"/>
+            </a:p>
+          </p:txBody>
+        </p:sp>
+        <p:sp>
+          <p:nvSpPr>
+            <p:cNvPr id="26" name="Rectangle 25"/>
+            <p:cNvSpPr/>
+            <p:nvPr/>
+          </p:nvSpPr>
+          <p:spPr>
+            <a:xfrm>
+              <a:off x="1216531" y="1339473"/>
+              <a:ext cx="430933" cy="450600"/>
+            </a:xfrm>
+            <a:prstGeom prst="rect">
+              <a:avLst/>
+            </a:prstGeom>
+            <a:solidFill>
+              <a:srgbClr val="800000"/>
+            </a:solidFill>
+            <a:ln>
+              <a:solidFill>
+                <a:srgbClr val="000000"/>
+              </a:solidFill>
+            </a:ln>
+          </p:spPr>
+          <p:style>
+            <a:lnRef idx="1">
+              <a:schemeClr val="accent1"/>
+            </a:lnRef>
+            <a:fillRef idx="3">
+              <a:schemeClr val="accent1"/>
+            </a:fillRef>
+            <a:effectRef idx="2">
+              <a:schemeClr val="accent1"/>
+            </a:effectRef>
+            <a:fontRef idx="minor">
+              <a:schemeClr val="lt1"/>
+            </a:fontRef>
+          </p:style>
+          <p:txBody>
+            <a:bodyPr rtlCol="0" anchor="ctr"/>
+            <a:lstStyle/>
+            <a:p>
+              <a:pPr algn="ctr"/>
+              <a:endParaRPr lang="en-US"/>
+            </a:p>
+          </p:txBody>
+        </p:sp>
+        <p:pic>
+          <p:nvPicPr>
+            <p:cNvPr id="28" name="Picture 27"/>
+            <p:cNvPicPr>
+              <a:picLocks noChangeAspect="1"/>
+            </p:cNvPicPr>
+            <p:nvPr/>
+          </p:nvPicPr>
+          <p:blipFill>
+            <a:blip r:embed="rId3"/>
+            <a:stretch>
+              <a:fillRect/>
+            </a:stretch>
+          </p:blipFill>
+          <p:spPr>
+            <a:xfrm>
+              <a:off x="573105" y="1281441"/>
+              <a:ext cx="534702" cy="508632"/>
+            </a:xfrm>
+            <a:prstGeom prst="rect">
+              <a:avLst/>
+            </a:prstGeom>
+          </p:spPr>
+        </p:pic>
+      </p:grpSp>
       <p:sp>
         <p:nvSpPr>
           <p:cNvPr id="29" name="Rectangle 28"/>
@@ -4498,54 +4298,299 @@
           </a:p>
         </p:txBody>
       </p:sp>
-      <p:sp>
-        <p:nvSpPr>
-          <p:cNvPr id="34" name="Isosceles Triangle 33"/>
-          <p:cNvSpPr/>
+      <p:grpSp>
+        <p:nvGrpSpPr>
+          <p:cNvPr id="3" name="Group 2"/>
+          <p:cNvGrpSpPr/>
           <p:nvPr/>
-        </p:nvSpPr>
-        <p:spPr>
+        </p:nvGrpSpPr>
+        <p:grpSpPr>
           <a:xfrm>
-            <a:off x="1132931" y="3078190"/>
-            <a:ext cx="559872" cy="409181"/>
+            <a:off x="25170" y="2415259"/>
+            <a:ext cx="1667633" cy="1112619"/>
+            <a:chOff x="25170" y="2415259"/>
+            <a:chExt cx="1667633" cy="1112619"/>
           </a:xfrm>
-          <a:prstGeom prst="triangle">
-            <a:avLst/>
-          </a:prstGeom>
-          <a:solidFill>
-            <a:schemeClr val="accent6">
-              <a:lumMod val="75000"/>
-            </a:schemeClr>
-          </a:solidFill>
-          <a:ln>
+        </p:grpSpPr>
+        <p:sp>
+          <p:nvSpPr>
+            <p:cNvPr id="9" name="Rectangle 8"/>
+            <p:cNvSpPr/>
+            <p:nvPr/>
+          </p:nvSpPr>
+          <p:spPr>
+            <a:xfrm>
+              <a:off x="47009" y="2422316"/>
+              <a:ext cx="430933" cy="450600"/>
+            </a:xfrm>
+            <a:prstGeom prst="rect">
+              <a:avLst/>
+            </a:prstGeom>
             <a:solidFill>
-              <a:srgbClr val="000000"/>
+              <a:srgbClr val="800000"/>
             </a:solidFill>
-          </a:ln>
-        </p:spPr>
-        <p:style>
-          <a:lnRef idx="1">
-            <a:schemeClr val="accent1"/>
-          </a:lnRef>
-          <a:fillRef idx="3">
-            <a:schemeClr val="accent1"/>
-          </a:fillRef>
-          <a:effectRef idx="2">
-            <a:schemeClr val="accent1"/>
-          </a:effectRef>
-          <a:fontRef idx="minor">
-            <a:schemeClr val="lt1"/>
-          </a:fontRef>
-        </p:style>
-        <p:txBody>
-          <a:bodyPr rtlCol="0" anchor="ctr"/>
-          <a:lstStyle/>
-          <a:p>
-            <a:pPr algn="ctr"/>
-            <a:endParaRPr lang="en-US"/>
-          </a:p>
-        </p:txBody>
-      </p:sp>
+            <a:ln>
+              <a:solidFill>
+                <a:srgbClr val="000000"/>
+              </a:solidFill>
+            </a:ln>
+          </p:spPr>
+          <p:style>
+            <a:lnRef idx="1">
+              <a:schemeClr val="accent1"/>
+            </a:lnRef>
+            <a:fillRef idx="3">
+              <a:schemeClr val="accent1"/>
+            </a:fillRef>
+            <a:effectRef idx="2">
+              <a:schemeClr val="accent1"/>
+            </a:effectRef>
+            <a:fontRef idx="minor">
+              <a:schemeClr val="lt1"/>
+            </a:fontRef>
+          </p:style>
+          <p:txBody>
+            <a:bodyPr rtlCol="0" anchor="ctr"/>
+            <a:lstStyle/>
+            <a:p>
+              <a:pPr algn="ctr"/>
+              <a:endParaRPr lang="en-US"/>
+            </a:p>
+          </p:txBody>
+        </p:sp>
+        <p:sp>
+          <p:nvSpPr>
+            <p:cNvPr id="10" name="Oval 9"/>
+            <p:cNvSpPr/>
+            <p:nvPr/>
+          </p:nvSpPr>
+          <p:spPr>
+            <a:xfrm>
+              <a:off x="25170" y="3036771"/>
+              <a:ext cx="505252" cy="491107"/>
+            </a:xfrm>
+            <a:prstGeom prst="ellipse">
+              <a:avLst/>
+            </a:prstGeom>
+            <a:solidFill>
+              <a:srgbClr val="0000FF"/>
+            </a:solidFill>
+            <a:ln>
+              <a:solidFill>
+                <a:schemeClr val="tx1"/>
+              </a:solidFill>
+            </a:ln>
+          </p:spPr>
+          <p:style>
+            <a:lnRef idx="1">
+              <a:schemeClr val="accent1"/>
+            </a:lnRef>
+            <a:fillRef idx="3">
+              <a:schemeClr val="accent1"/>
+            </a:fillRef>
+            <a:effectRef idx="2">
+              <a:schemeClr val="accent1"/>
+            </a:effectRef>
+            <a:fontRef idx="minor">
+              <a:schemeClr val="lt1"/>
+            </a:fontRef>
+          </p:style>
+          <p:txBody>
+            <a:bodyPr rtlCol="0" anchor="ctr"/>
+            <a:lstStyle/>
+            <a:p>
+              <a:pPr algn="ctr"/>
+              <a:endParaRPr lang="en-US"/>
+            </a:p>
+          </p:txBody>
+        </p:sp>
+        <p:sp>
+          <p:nvSpPr>
+            <p:cNvPr id="17" name="Oval 16"/>
+            <p:cNvSpPr/>
+            <p:nvPr/>
+          </p:nvSpPr>
+          <p:spPr>
+            <a:xfrm>
+              <a:off x="634770" y="2415259"/>
+              <a:ext cx="505252" cy="491107"/>
+            </a:xfrm>
+            <a:prstGeom prst="ellipse">
+              <a:avLst/>
+            </a:prstGeom>
+            <a:solidFill>
+              <a:srgbClr val="0000FF"/>
+            </a:solidFill>
+            <a:ln>
+              <a:solidFill>
+                <a:schemeClr val="tx1"/>
+              </a:solidFill>
+            </a:ln>
+          </p:spPr>
+          <p:style>
+            <a:lnRef idx="1">
+              <a:schemeClr val="accent1"/>
+            </a:lnRef>
+            <a:fillRef idx="3">
+              <a:schemeClr val="accent1"/>
+            </a:fillRef>
+            <a:effectRef idx="2">
+              <a:schemeClr val="accent1"/>
+            </a:effectRef>
+            <a:fontRef idx="minor">
+              <a:schemeClr val="lt1"/>
+            </a:fontRef>
+          </p:style>
+          <p:txBody>
+            <a:bodyPr rtlCol="0" anchor="ctr"/>
+            <a:lstStyle/>
+            <a:p>
+              <a:pPr algn="ctr"/>
+              <a:endParaRPr lang="en-US"/>
+            </a:p>
+          </p:txBody>
+        </p:sp>
+        <p:sp>
+          <p:nvSpPr>
+            <p:cNvPr id="21" name="Rectangle 20"/>
+            <p:cNvSpPr/>
+            <p:nvPr/>
+          </p:nvSpPr>
+          <p:spPr>
+            <a:xfrm>
+              <a:off x="630342" y="3036771"/>
+              <a:ext cx="430933" cy="450600"/>
+            </a:xfrm>
+            <a:prstGeom prst="rect">
+              <a:avLst/>
+            </a:prstGeom>
+            <a:solidFill>
+              <a:srgbClr val="800000"/>
+            </a:solidFill>
+            <a:ln>
+              <a:solidFill>
+                <a:srgbClr val="000000"/>
+              </a:solidFill>
+            </a:ln>
+          </p:spPr>
+          <p:style>
+            <a:lnRef idx="1">
+              <a:schemeClr val="accent1"/>
+            </a:lnRef>
+            <a:fillRef idx="3">
+              <a:schemeClr val="accent1"/>
+            </a:fillRef>
+            <a:effectRef idx="2">
+              <a:schemeClr val="accent1"/>
+            </a:effectRef>
+            <a:fontRef idx="minor">
+              <a:schemeClr val="lt1"/>
+            </a:fontRef>
+          </p:style>
+          <p:txBody>
+            <a:bodyPr rtlCol="0" anchor="ctr"/>
+            <a:lstStyle/>
+            <a:p>
+              <a:pPr algn="ctr"/>
+              <a:endParaRPr lang="en-US"/>
+            </a:p>
+          </p:txBody>
+        </p:sp>
+        <p:sp>
+          <p:nvSpPr>
+            <p:cNvPr id="24" name="Rectangle 23"/>
+            <p:cNvSpPr/>
+            <p:nvPr/>
+          </p:nvSpPr>
+          <p:spPr>
+            <a:xfrm>
+              <a:off x="1216531" y="2435515"/>
+              <a:ext cx="430933" cy="450600"/>
+            </a:xfrm>
+            <a:prstGeom prst="rect">
+              <a:avLst/>
+            </a:prstGeom>
+            <a:solidFill>
+              <a:srgbClr val="800000"/>
+            </a:solidFill>
+            <a:ln>
+              <a:solidFill>
+                <a:srgbClr val="000000"/>
+              </a:solidFill>
+            </a:ln>
+          </p:spPr>
+          <p:style>
+            <a:lnRef idx="1">
+              <a:schemeClr val="accent1"/>
+            </a:lnRef>
+            <a:fillRef idx="3">
+              <a:schemeClr val="accent1"/>
+            </a:fillRef>
+            <a:effectRef idx="2">
+              <a:schemeClr val="accent1"/>
+            </a:effectRef>
+            <a:fontRef idx="minor">
+              <a:schemeClr val="lt1"/>
+            </a:fontRef>
+          </p:style>
+          <p:txBody>
+            <a:bodyPr rtlCol="0" anchor="ctr"/>
+            <a:lstStyle/>
+            <a:p>
+              <a:pPr algn="ctr"/>
+              <a:endParaRPr lang="en-US"/>
+            </a:p>
+          </p:txBody>
+        </p:sp>
+        <p:sp>
+          <p:nvSpPr>
+            <p:cNvPr id="34" name="Isosceles Triangle 33"/>
+            <p:cNvSpPr/>
+            <p:nvPr/>
+          </p:nvSpPr>
+          <p:spPr>
+            <a:xfrm>
+              <a:off x="1132931" y="3078190"/>
+              <a:ext cx="559872" cy="409181"/>
+            </a:xfrm>
+            <a:prstGeom prst="triangle">
+              <a:avLst/>
+            </a:prstGeom>
+            <a:solidFill>
+              <a:schemeClr val="accent6">
+                <a:lumMod val="75000"/>
+              </a:schemeClr>
+            </a:solidFill>
+            <a:ln>
+              <a:solidFill>
+                <a:srgbClr val="000000"/>
+              </a:solidFill>
+            </a:ln>
+          </p:spPr>
+          <p:style>
+            <a:lnRef idx="1">
+              <a:schemeClr val="accent1"/>
+            </a:lnRef>
+            <a:fillRef idx="3">
+              <a:schemeClr val="accent1"/>
+            </a:fillRef>
+            <a:effectRef idx="2">
+              <a:schemeClr val="accent1"/>
+            </a:effectRef>
+            <a:fontRef idx="minor">
+              <a:schemeClr val="lt1"/>
+            </a:fontRef>
+          </p:style>
+          <p:txBody>
+            <a:bodyPr rtlCol="0" anchor="ctr"/>
+            <a:lstStyle/>
+            <a:p>
+              <a:pPr algn="ctr"/>
+              <a:endParaRPr lang="en-US"/>
+            </a:p>
+          </p:txBody>
+        </p:sp>
+      </p:grpSp>
       <p:cxnSp>
         <p:nvCxnSpPr>
           <p:cNvPr id="36" name="Straight Connector 35"/>
@@ -5232,255 +5277,108 @@
           </a:p>
         </p:txBody>
       </p:sp>
-      <p:sp>
-        <p:nvSpPr>
-          <p:cNvPr id="125" name="Rectangle 124"/>
-          <p:cNvSpPr>
-            <a:spLocks noChangeAspect="1"/>
-          </p:cNvSpPr>
+      <p:grpSp>
+        <p:nvGrpSpPr>
+          <p:cNvPr id="5" name="Group 4"/>
+          <p:cNvGrpSpPr/>
           <p:nvPr/>
-        </p:nvSpPr>
-        <p:spPr>
+        </p:nvGrpSpPr>
+        <p:grpSpPr>
           <a:xfrm>
-            <a:off x="7740173" y="1649613"/>
-            <a:ext cx="215467" cy="225300"/>
+            <a:off x="4052067" y="670742"/>
+            <a:ext cx="1765415" cy="461665"/>
+            <a:chOff x="7349671" y="1496230"/>
+            <a:chExt cx="1765415" cy="461665"/>
           </a:xfrm>
-          <a:prstGeom prst="rect">
-            <a:avLst/>
-          </a:prstGeom>
-          <a:solidFill>
-            <a:srgbClr val="800000"/>
-          </a:solidFill>
-          <a:ln>
+        </p:grpSpPr>
+        <p:sp>
+          <p:nvSpPr>
+            <p:cNvPr id="125" name="Rectangle 124"/>
+            <p:cNvSpPr>
+              <a:spLocks noChangeAspect="1"/>
+            </p:cNvSpPr>
+            <p:nvPr/>
+          </p:nvSpPr>
+          <p:spPr>
+            <a:xfrm>
+              <a:off x="7740173" y="1649613"/>
+              <a:ext cx="215467" cy="225300"/>
+            </a:xfrm>
+            <a:prstGeom prst="rect">
+              <a:avLst/>
+            </a:prstGeom>
             <a:solidFill>
-              <a:srgbClr val="000000"/>
+              <a:srgbClr val="800000"/>
             </a:solidFill>
-          </a:ln>
-        </p:spPr>
-        <p:style>
-          <a:lnRef idx="1">
-            <a:schemeClr val="accent1"/>
-          </a:lnRef>
-          <a:fillRef idx="3">
-            <a:schemeClr val="accent1"/>
-          </a:fillRef>
-          <a:effectRef idx="2">
-            <a:schemeClr val="accent1"/>
-          </a:effectRef>
-          <a:fontRef idx="minor">
-            <a:schemeClr val="lt1"/>
-          </a:fontRef>
-        </p:style>
-        <p:txBody>
-          <a:bodyPr rtlCol="0" anchor="ctr"/>
-          <a:lstStyle/>
-          <a:p>
-            <a:pPr algn="ctr"/>
-            <a:endParaRPr lang="en-US"/>
-          </a:p>
-        </p:txBody>
-      </p:sp>
-      <p:pic>
-        <p:nvPicPr>
-          <p:cNvPr id="126" name="Picture 125"/>
-          <p:cNvPicPr>
-            <a:picLocks noChangeAspect="1"/>
-          </p:cNvPicPr>
-          <p:nvPr/>
-        </p:nvPicPr>
-        <p:blipFill>
-          <a:blip r:embed="rId3"/>
-          <a:stretch>
-            <a:fillRect/>
-          </a:stretch>
-        </p:blipFill>
-        <p:spPr>
-          <a:xfrm>
-            <a:off x="7701944" y="2066470"/>
-            <a:ext cx="267351" cy="254316"/>
-          </a:xfrm>
-          <a:prstGeom prst="rect">
-            <a:avLst/>
-          </a:prstGeom>
-        </p:spPr>
-      </p:pic>
-      <p:sp>
-        <p:nvSpPr>
-          <p:cNvPr id="127" name="Oval 126"/>
-          <p:cNvSpPr>
-            <a:spLocks noChangeAspect="1"/>
-          </p:cNvSpPr>
-          <p:nvPr/>
-        </p:nvSpPr>
-        <p:spPr>
-          <a:xfrm>
-            <a:off x="7740173" y="2481278"/>
-            <a:ext cx="252626" cy="245554"/>
-          </a:xfrm>
-          <a:prstGeom prst="ellipse">
-            <a:avLst/>
-          </a:prstGeom>
-          <a:solidFill>
-            <a:srgbClr val="0000FF"/>
-          </a:solidFill>
-          <a:ln>
-            <a:solidFill>
-              <a:schemeClr val="tx1"/>
-            </a:solidFill>
-          </a:ln>
-        </p:spPr>
-        <p:style>
-          <a:lnRef idx="1">
-            <a:schemeClr val="accent1"/>
-          </a:lnRef>
-          <a:fillRef idx="3">
-            <a:schemeClr val="accent1"/>
-          </a:fillRef>
-          <a:effectRef idx="2">
-            <a:schemeClr val="accent1"/>
-          </a:effectRef>
-          <a:fontRef idx="minor">
-            <a:schemeClr val="lt1"/>
-          </a:fontRef>
-        </p:style>
-        <p:txBody>
-          <a:bodyPr rtlCol="0" anchor="ctr"/>
-          <a:lstStyle/>
-          <a:p>
-            <a:pPr algn="ctr"/>
-            <a:endParaRPr lang="en-US"/>
-          </a:p>
-        </p:txBody>
-      </p:sp>
-      <p:sp>
-        <p:nvSpPr>
-          <p:cNvPr id="128" name="Heart 127"/>
-          <p:cNvSpPr>
-            <a:spLocks noChangeAspect="1"/>
-          </p:cNvSpPr>
-          <p:nvPr/>
-        </p:nvSpPr>
-        <p:spPr>
-          <a:xfrm>
-            <a:off x="7729144" y="2917574"/>
-            <a:ext cx="252626" cy="231900"/>
-          </a:xfrm>
-          <a:prstGeom prst="heart">
-            <a:avLst/>
-          </a:prstGeom>
-          <a:solidFill>
-            <a:srgbClr val="008000"/>
-          </a:solidFill>
-          <a:ln>
-            <a:solidFill>
-              <a:srgbClr val="000000"/>
-            </a:solidFill>
-          </a:ln>
-        </p:spPr>
-        <p:style>
-          <a:lnRef idx="1">
-            <a:schemeClr val="accent1"/>
-          </a:lnRef>
-          <a:fillRef idx="3">
-            <a:schemeClr val="accent1"/>
-          </a:fillRef>
-          <a:effectRef idx="2">
-            <a:schemeClr val="accent1"/>
-          </a:effectRef>
-          <a:fontRef idx="minor">
-            <a:schemeClr val="lt1"/>
-          </a:fontRef>
-        </p:style>
-        <p:txBody>
-          <a:bodyPr rtlCol="0" anchor="ctr"/>
-          <a:lstStyle/>
-          <a:p>
-            <a:pPr algn="ctr"/>
-            <a:endParaRPr lang="en-US"/>
-          </a:p>
-        </p:txBody>
-      </p:sp>
-      <p:sp>
-        <p:nvSpPr>
-          <p:cNvPr id="129" name="Isosceles Triangle 128"/>
-          <p:cNvSpPr>
-            <a:spLocks noChangeAspect="1"/>
-          </p:cNvSpPr>
-          <p:nvPr/>
-        </p:nvSpPr>
-        <p:spPr>
-          <a:xfrm>
-            <a:off x="7740173" y="3322030"/>
-            <a:ext cx="279936" cy="204591"/>
-          </a:xfrm>
-          <a:prstGeom prst="triangle">
-            <a:avLst/>
-          </a:prstGeom>
-          <a:solidFill>
-            <a:schemeClr val="accent6">
-              <a:lumMod val="75000"/>
-            </a:schemeClr>
-          </a:solidFill>
-          <a:ln>
-            <a:solidFill>
-              <a:srgbClr val="000000"/>
-            </a:solidFill>
-          </a:ln>
-        </p:spPr>
-        <p:style>
-          <a:lnRef idx="1">
-            <a:schemeClr val="accent1"/>
-          </a:lnRef>
-          <a:fillRef idx="3">
-            <a:schemeClr val="accent1"/>
-          </a:fillRef>
-          <a:effectRef idx="2">
-            <a:schemeClr val="accent1"/>
-          </a:effectRef>
-          <a:fontRef idx="minor">
-            <a:schemeClr val="lt1"/>
-          </a:fontRef>
-        </p:style>
-        <p:txBody>
-          <a:bodyPr rtlCol="0" anchor="ctr"/>
-          <a:lstStyle/>
-          <a:p>
-            <a:pPr algn="ctr"/>
-            <a:endParaRPr lang="en-US"/>
-          </a:p>
-        </p:txBody>
-      </p:sp>
-      <p:sp>
-        <p:nvSpPr>
-          <p:cNvPr id="130" name="TextBox 129"/>
-          <p:cNvSpPr txBox="1"/>
-          <p:nvPr/>
-        </p:nvSpPr>
-        <p:spPr>
-          <a:xfrm>
-            <a:off x="7317277" y="1508754"/>
-            <a:ext cx="1681579" cy="461665"/>
-          </a:xfrm>
-          <a:prstGeom prst="rect">
-            <a:avLst/>
-          </a:prstGeom>
-          <a:noFill/>
-        </p:spPr>
-        <p:txBody>
-          <a:bodyPr wrap="square" rtlCol="0">
-            <a:spAutoFit/>
-          </a:bodyPr>
-          <a:lstStyle/>
-          <a:p>
-            <a:pPr algn="ctr"/>
-            <a:r>
-              <a:rPr lang="en-US" sz="2400" dirty="0" smtClean="0"/>
-              <a:t>(        ,  __  )</a:t>
-            </a:r>
-            <a:endParaRPr lang="en-US" sz="2400" dirty="0"/>
-          </a:p>
-        </p:txBody>
-      </p:sp>
+            <a:ln>
+              <a:solidFill>
+                <a:srgbClr val="000000"/>
+              </a:solidFill>
+            </a:ln>
+          </p:spPr>
+          <p:style>
+            <a:lnRef idx="1">
+              <a:schemeClr val="accent1"/>
+            </a:lnRef>
+            <a:fillRef idx="3">
+              <a:schemeClr val="accent1"/>
+            </a:fillRef>
+            <a:effectRef idx="2">
+              <a:schemeClr val="accent1"/>
+            </a:effectRef>
+            <a:fontRef idx="minor">
+              <a:schemeClr val="lt1"/>
+            </a:fontRef>
+          </p:style>
+          <p:txBody>
+            <a:bodyPr rtlCol="0" anchor="ctr"/>
+            <a:lstStyle/>
+            <a:p>
+              <a:pPr algn="ctr"/>
+              <a:endParaRPr lang="en-US"/>
+            </a:p>
+          </p:txBody>
+        </p:sp>
+        <p:sp>
+          <p:nvSpPr>
+            <p:cNvPr id="130" name="TextBox 129"/>
+            <p:cNvSpPr txBox="1"/>
+            <p:nvPr/>
+          </p:nvSpPr>
+          <p:spPr>
+            <a:xfrm>
+              <a:off x="7349671" y="1496230"/>
+              <a:ext cx="1765415" cy="461665"/>
+            </a:xfrm>
+            <a:prstGeom prst="rect">
+              <a:avLst/>
+            </a:prstGeom>
+            <a:noFill/>
+          </p:spPr>
+          <p:txBody>
+            <a:bodyPr wrap="square" rtlCol="0">
+              <a:spAutoFit/>
+            </a:bodyPr>
+            <a:lstStyle/>
+            <a:p>
+              <a:pPr algn="ctr"/>
+              <a:r>
+                <a:rPr lang="en-US" sz="2400" dirty="0" smtClean="0"/>
+                <a:t>(        ,  </a:t>
+              </a:r>
+              <a:r>
+                <a:rPr lang="en-US" sz="2400" dirty="0" smtClean="0"/>
+                <a:t>1  </a:t>
+              </a:r>
+              <a:r>
+                <a:rPr lang="en-US" sz="2400" dirty="0" smtClean="0"/>
+                <a:t>)</a:t>
+              </a:r>
+              <a:endParaRPr lang="en-US" sz="2400" dirty="0"/>
+            </a:p>
+          </p:txBody>
+        </p:sp>
+      </p:grpSp>
       <p:sp>
         <p:nvSpPr>
           <p:cNvPr id="53" name="Heart 52"/>
@@ -5850,130 +5748,6037 @@
           </a:p>
         </p:txBody>
       </p:sp>
-      <p:sp>
-        <p:nvSpPr>
-          <p:cNvPr id="73" name="TextBox 72"/>
-          <p:cNvSpPr txBox="1"/>
+      <p:grpSp>
+        <p:nvGrpSpPr>
+          <p:cNvPr id="6" name="Group 5"/>
+          <p:cNvGrpSpPr/>
           <p:nvPr/>
-        </p:nvSpPr>
-        <p:spPr>
+        </p:nvGrpSpPr>
+        <p:grpSpPr>
           <a:xfrm>
             <a:off x="7317277" y="1953594"/>
             <a:ext cx="1681579" cy="461665"/>
+            <a:chOff x="7317277" y="1953594"/>
+            <a:chExt cx="1681579" cy="461665"/>
           </a:xfrm>
-          <a:prstGeom prst="rect">
-            <a:avLst/>
-          </a:prstGeom>
-          <a:noFill/>
-        </p:spPr>
-        <p:txBody>
-          <a:bodyPr wrap="square" rtlCol="0">
-            <a:spAutoFit/>
-          </a:bodyPr>
-          <a:lstStyle/>
-          <a:p>
-            <a:pPr algn="ctr"/>
-            <a:r>
-              <a:rPr lang="en-US" sz="2400" dirty="0" smtClean="0"/>
-              <a:t>(        ,  __  )</a:t>
-            </a:r>
-            <a:endParaRPr lang="en-US" sz="2400" dirty="0"/>
-          </a:p>
-        </p:txBody>
-      </p:sp>
-      <p:sp>
-        <p:nvSpPr>
-          <p:cNvPr id="74" name="TextBox 73"/>
-          <p:cNvSpPr txBox="1"/>
+        </p:grpSpPr>
+        <p:pic>
+          <p:nvPicPr>
+            <p:cNvPr id="126" name="Picture 125"/>
+            <p:cNvPicPr>
+              <a:picLocks noChangeAspect="1"/>
+            </p:cNvPicPr>
+            <p:nvPr/>
+          </p:nvPicPr>
+          <p:blipFill>
+            <a:blip r:embed="rId3"/>
+            <a:stretch>
+              <a:fillRect/>
+            </a:stretch>
+          </p:blipFill>
+          <p:spPr>
+            <a:xfrm>
+              <a:off x="7701944" y="2066470"/>
+              <a:ext cx="267351" cy="254316"/>
+            </a:xfrm>
+            <a:prstGeom prst="rect">
+              <a:avLst/>
+            </a:prstGeom>
+          </p:spPr>
+        </p:pic>
+        <p:sp>
+          <p:nvSpPr>
+            <p:cNvPr id="73" name="TextBox 72"/>
+            <p:cNvSpPr txBox="1"/>
+            <p:nvPr/>
+          </p:nvSpPr>
+          <p:spPr>
+            <a:xfrm>
+              <a:off x="7317277" y="1953594"/>
+              <a:ext cx="1681579" cy="461665"/>
+            </a:xfrm>
+            <a:prstGeom prst="rect">
+              <a:avLst/>
+            </a:prstGeom>
+            <a:noFill/>
+          </p:spPr>
+          <p:txBody>
+            <a:bodyPr wrap="square" rtlCol="0">
+              <a:spAutoFit/>
+            </a:bodyPr>
+            <a:lstStyle/>
+            <a:p>
+              <a:pPr algn="ctr"/>
+              <a:r>
+                <a:rPr lang="en-US" sz="2400" dirty="0" smtClean="0"/>
+                <a:t>(        ,  </a:t>
+              </a:r>
+              <a:r>
+                <a:rPr lang="en-US" sz="2400" dirty="0"/>
+                <a:t>4</a:t>
+              </a:r>
+              <a:r>
+                <a:rPr lang="en-US" sz="2400" dirty="0" smtClean="0"/>
+                <a:t>  </a:t>
+              </a:r>
+              <a:r>
+                <a:rPr lang="en-US" sz="2400" dirty="0" smtClean="0"/>
+                <a:t>)</a:t>
+              </a:r>
+              <a:endParaRPr lang="en-US" sz="2400" dirty="0"/>
+            </a:p>
+          </p:txBody>
+        </p:sp>
+      </p:grpSp>
+      <p:grpSp>
+        <p:nvGrpSpPr>
+          <p:cNvPr id="8" name="Group 7"/>
+          <p:cNvGrpSpPr/>
           <p:nvPr/>
-        </p:nvSpPr>
-        <p:spPr>
+        </p:nvGrpSpPr>
+        <p:grpSpPr>
           <a:xfrm>
             <a:off x="7317277" y="2347334"/>
             <a:ext cx="1681579" cy="461665"/>
+            <a:chOff x="7317277" y="2347334"/>
+            <a:chExt cx="1681579" cy="461665"/>
           </a:xfrm>
-          <a:prstGeom prst="rect">
-            <a:avLst/>
-          </a:prstGeom>
-          <a:noFill/>
-        </p:spPr>
-        <p:txBody>
-          <a:bodyPr wrap="square" rtlCol="0">
-            <a:spAutoFit/>
-          </a:bodyPr>
-          <a:lstStyle/>
-          <a:p>
-            <a:pPr algn="ctr"/>
-            <a:r>
-              <a:rPr lang="en-US" sz="2400" dirty="0" smtClean="0"/>
-              <a:t>(        ,  __  )</a:t>
-            </a:r>
-            <a:endParaRPr lang="en-US" sz="2400" dirty="0"/>
-          </a:p>
-        </p:txBody>
-      </p:sp>
-      <p:sp>
-        <p:nvSpPr>
-          <p:cNvPr id="75" name="TextBox 74"/>
-          <p:cNvSpPr txBox="1"/>
+        </p:grpSpPr>
+        <p:sp>
+          <p:nvSpPr>
+            <p:cNvPr id="127" name="Oval 126"/>
+            <p:cNvSpPr>
+              <a:spLocks noChangeAspect="1"/>
+            </p:cNvSpPr>
+            <p:nvPr/>
+          </p:nvSpPr>
+          <p:spPr>
+            <a:xfrm>
+              <a:off x="7740173" y="2481278"/>
+              <a:ext cx="252626" cy="245554"/>
+            </a:xfrm>
+            <a:prstGeom prst="ellipse">
+              <a:avLst/>
+            </a:prstGeom>
+            <a:solidFill>
+              <a:srgbClr val="0000FF"/>
+            </a:solidFill>
+            <a:ln>
+              <a:solidFill>
+                <a:schemeClr val="tx1"/>
+              </a:solidFill>
+            </a:ln>
+          </p:spPr>
+          <p:style>
+            <a:lnRef idx="1">
+              <a:schemeClr val="accent1"/>
+            </a:lnRef>
+            <a:fillRef idx="3">
+              <a:schemeClr val="accent1"/>
+            </a:fillRef>
+            <a:effectRef idx="2">
+              <a:schemeClr val="accent1"/>
+            </a:effectRef>
+            <a:fontRef idx="minor">
+              <a:schemeClr val="lt1"/>
+            </a:fontRef>
+          </p:style>
+          <p:txBody>
+            <a:bodyPr rtlCol="0" anchor="ctr"/>
+            <a:lstStyle/>
+            <a:p>
+              <a:pPr algn="ctr"/>
+              <a:endParaRPr lang="en-US"/>
+            </a:p>
+          </p:txBody>
+        </p:sp>
+        <p:sp>
+          <p:nvSpPr>
+            <p:cNvPr id="74" name="TextBox 73"/>
+            <p:cNvSpPr txBox="1"/>
+            <p:nvPr/>
+          </p:nvSpPr>
+          <p:spPr>
+            <a:xfrm>
+              <a:off x="7317277" y="2347334"/>
+              <a:ext cx="1681579" cy="461665"/>
+            </a:xfrm>
+            <a:prstGeom prst="rect">
+              <a:avLst/>
+            </a:prstGeom>
+            <a:noFill/>
+          </p:spPr>
+          <p:txBody>
+            <a:bodyPr wrap="square" rtlCol="0">
+              <a:spAutoFit/>
+            </a:bodyPr>
+            <a:lstStyle/>
+            <a:p>
+              <a:pPr algn="ctr"/>
+              <a:r>
+                <a:rPr lang="en-US" sz="2400" dirty="0" smtClean="0"/>
+                <a:t>(        ,  </a:t>
+              </a:r>
+              <a:r>
+                <a:rPr lang="en-US" sz="2400" dirty="0"/>
+                <a:t>5</a:t>
+              </a:r>
+              <a:r>
+                <a:rPr lang="en-US" sz="2400" dirty="0" smtClean="0"/>
+                <a:t> </a:t>
+              </a:r>
+              <a:r>
+                <a:rPr lang="en-US" sz="2400" dirty="0" smtClean="0"/>
+                <a:t>)</a:t>
+              </a:r>
+              <a:endParaRPr lang="en-US" sz="2400" dirty="0"/>
+            </a:p>
+          </p:txBody>
+        </p:sp>
+      </p:grpSp>
+      <p:grpSp>
+        <p:nvGrpSpPr>
+          <p:cNvPr id="12" name="Group 11"/>
+          <p:cNvGrpSpPr/>
           <p:nvPr/>
-        </p:nvSpPr>
-        <p:spPr>
+        </p:nvGrpSpPr>
+        <p:grpSpPr>
           <a:xfrm>
             <a:off x="7317277" y="2805938"/>
             <a:ext cx="1681579" cy="461665"/>
+            <a:chOff x="7317277" y="2805938"/>
+            <a:chExt cx="1681579" cy="461665"/>
           </a:xfrm>
-          <a:prstGeom prst="rect">
-            <a:avLst/>
-          </a:prstGeom>
-          <a:noFill/>
-        </p:spPr>
-        <p:txBody>
-          <a:bodyPr wrap="square" rtlCol="0">
-            <a:spAutoFit/>
-          </a:bodyPr>
-          <a:lstStyle/>
-          <a:p>
-            <a:pPr algn="ctr"/>
-            <a:r>
-              <a:rPr lang="en-US" sz="2400" dirty="0" smtClean="0"/>
-              <a:t>(        ,  __  )</a:t>
-            </a:r>
-            <a:endParaRPr lang="en-US" sz="2400" dirty="0"/>
-          </a:p>
-        </p:txBody>
-      </p:sp>
-      <p:sp>
-        <p:nvSpPr>
-          <p:cNvPr id="76" name="TextBox 75"/>
-          <p:cNvSpPr txBox="1"/>
+        </p:grpSpPr>
+        <p:sp>
+          <p:nvSpPr>
+            <p:cNvPr id="128" name="Heart 127"/>
+            <p:cNvSpPr>
+              <a:spLocks noChangeAspect="1"/>
+            </p:cNvSpPr>
+            <p:nvPr/>
+          </p:nvSpPr>
+          <p:spPr>
+            <a:xfrm>
+              <a:off x="7729144" y="2917574"/>
+              <a:ext cx="252626" cy="231900"/>
+            </a:xfrm>
+            <a:prstGeom prst="heart">
+              <a:avLst/>
+            </a:prstGeom>
+            <a:solidFill>
+              <a:srgbClr val="008000"/>
+            </a:solidFill>
+            <a:ln>
+              <a:solidFill>
+                <a:srgbClr val="000000"/>
+              </a:solidFill>
+            </a:ln>
+          </p:spPr>
+          <p:style>
+            <a:lnRef idx="1">
+              <a:schemeClr val="accent1"/>
+            </a:lnRef>
+            <a:fillRef idx="3">
+              <a:schemeClr val="accent1"/>
+            </a:fillRef>
+            <a:effectRef idx="2">
+              <a:schemeClr val="accent1"/>
+            </a:effectRef>
+            <a:fontRef idx="minor">
+              <a:schemeClr val="lt1"/>
+            </a:fontRef>
+          </p:style>
+          <p:txBody>
+            <a:bodyPr rtlCol="0" anchor="ctr"/>
+            <a:lstStyle/>
+            <a:p>
+              <a:pPr algn="ctr"/>
+              <a:endParaRPr lang="en-US"/>
+            </a:p>
+          </p:txBody>
+        </p:sp>
+        <p:sp>
+          <p:nvSpPr>
+            <p:cNvPr id="75" name="TextBox 74"/>
+            <p:cNvSpPr txBox="1"/>
+            <p:nvPr/>
+          </p:nvSpPr>
+          <p:spPr>
+            <a:xfrm>
+              <a:off x="7317277" y="2805938"/>
+              <a:ext cx="1681579" cy="461665"/>
+            </a:xfrm>
+            <a:prstGeom prst="rect">
+              <a:avLst/>
+            </a:prstGeom>
+            <a:noFill/>
+          </p:spPr>
+          <p:txBody>
+            <a:bodyPr wrap="square" rtlCol="0">
+              <a:spAutoFit/>
+            </a:bodyPr>
+            <a:lstStyle/>
+            <a:p>
+              <a:pPr algn="ctr"/>
+              <a:r>
+                <a:rPr lang="en-US" sz="2400" dirty="0" smtClean="0"/>
+                <a:t>(        , </a:t>
+              </a:r>
+              <a:r>
+                <a:rPr lang="en-US" sz="2400" dirty="0" smtClean="0"/>
+                <a:t> 4  </a:t>
+              </a:r>
+              <a:r>
+                <a:rPr lang="en-US" sz="2400" dirty="0" smtClean="0"/>
+                <a:t>)</a:t>
+              </a:r>
+              <a:endParaRPr lang="en-US" sz="2400" dirty="0"/>
+            </a:p>
+          </p:txBody>
+        </p:sp>
+      </p:grpSp>
+      <p:grpSp>
+        <p:nvGrpSpPr>
+          <p:cNvPr id="30" name="Group 29"/>
+          <p:cNvGrpSpPr/>
           <p:nvPr/>
-        </p:nvSpPr>
-        <p:spPr>
+        </p:nvGrpSpPr>
+        <p:grpSpPr>
           <a:xfrm>
             <a:off x="7317277" y="3203213"/>
             <a:ext cx="1681579" cy="461665"/>
+            <a:chOff x="7317277" y="3203213"/>
+            <a:chExt cx="1681579" cy="461665"/>
           </a:xfrm>
-          <a:prstGeom prst="rect">
-            <a:avLst/>
-          </a:prstGeom>
-          <a:noFill/>
-        </p:spPr>
-        <p:txBody>
-          <a:bodyPr wrap="square" rtlCol="0">
-            <a:spAutoFit/>
-          </a:bodyPr>
-          <a:lstStyle/>
-          <a:p>
-            <a:pPr algn="ctr"/>
-            <a:r>
-              <a:rPr lang="en-US" sz="2400" dirty="0" smtClean="0"/>
-              <a:t>(        ,  __  )</a:t>
-            </a:r>
-            <a:endParaRPr lang="en-US" sz="2400" dirty="0"/>
-          </a:p>
-        </p:txBody>
-      </p:sp>
+        </p:grpSpPr>
+        <p:sp>
+          <p:nvSpPr>
+            <p:cNvPr id="129" name="Isosceles Triangle 128"/>
+            <p:cNvSpPr>
+              <a:spLocks noChangeAspect="1"/>
+            </p:cNvSpPr>
+            <p:nvPr/>
+          </p:nvSpPr>
+          <p:spPr>
+            <a:xfrm>
+              <a:off x="7740173" y="3322030"/>
+              <a:ext cx="279936" cy="204591"/>
+            </a:xfrm>
+            <a:prstGeom prst="triangle">
+              <a:avLst/>
+            </a:prstGeom>
+            <a:solidFill>
+              <a:schemeClr val="accent6">
+                <a:lumMod val="75000"/>
+              </a:schemeClr>
+            </a:solidFill>
+            <a:ln>
+              <a:solidFill>
+                <a:srgbClr val="000000"/>
+              </a:solidFill>
+            </a:ln>
+          </p:spPr>
+          <p:style>
+            <a:lnRef idx="1">
+              <a:schemeClr val="accent1"/>
+            </a:lnRef>
+            <a:fillRef idx="3">
+              <a:schemeClr val="accent1"/>
+            </a:fillRef>
+            <a:effectRef idx="2">
+              <a:schemeClr val="accent1"/>
+            </a:effectRef>
+            <a:fontRef idx="minor">
+              <a:schemeClr val="lt1"/>
+            </a:fontRef>
+          </p:style>
+          <p:txBody>
+            <a:bodyPr rtlCol="0" anchor="ctr"/>
+            <a:lstStyle/>
+            <a:p>
+              <a:pPr algn="ctr"/>
+              <a:endParaRPr lang="en-US"/>
+            </a:p>
+          </p:txBody>
+        </p:sp>
+        <p:sp>
+          <p:nvSpPr>
+            <p:cNvPr id="76" name="TextBox 75"/>
+            <p:cNvSpPr txBox="1"/>
+            <p:nvPr/>
+          </p:nvSpPr>
+          <p:spPr>
+            <a:xfrm>
+              <a:off x="7317277" y="3203213"/>
+              <a:ext cx="1681579" cy="461665"/>
+            </a:xfrm>
+            <a:prstGeom prst="rect">
+              <a:avLst/>
+            </a:prstGeom>
+            <a:noFill/>
+          </p:spPr>
+          <p:txBody>
+            <a:bodyPr wrap="square" rtlCol="0">
+              <a:spAutoFit/>
+            </a:bodyPr>
+            <a:lstStyle/>
+            <a:p>
+              <a:pPr algn="ctr"/>
+              <a:r>
+                <a:rPr lang="en-US" sz="2400" dirty="0" smtClean="0"/>
+                <a:t>(        ,  </a:t>
+              </a:r>
+              <a:r>
+                <a:rPr lang="en-US" sz="2400" dirty="0" smtClean="0"/>
+                <a:t>3  </a:t>
+              </a:r>
+              <a:r>
+                <a:rPr lang="en-US" sz="2400" dirty="0" smtClean="0"/>
+                <a:t>)</a:t>
+              </a:r>
+              <a:endParaRPr lang="en-US" sz="2400" dirty="0"/>
+            </a:p>
+          </p:txBody>
+        </p:sp>
+      </p:grpSp>
+      <p:grpSp>
+        <p:nvGrpSpPr>
+          <p:cNvPr id="63" name="Group 62"/>
+          <p:cNvGrpSpPr/>
+          <p:nvPr/>
+        </p:nvGrpSpPr>
+        <p:grpSpPr>
+          <a:xfrm>
+            <a:off x="2204201" y="4296283"/>
+            <a:ext cx="1733768" cy="1101387"/>
+            <a:chOff x="0" y="3587124"/>
+            <a:chExt cx="1733768" cy="1101387"/>
+          </a:xfrm>
+        </p:grpSpPr>
+        <p:sp>
+          <p:nvSpPr>
+            <p:cNvPr id="64" name="Heart 63"/>
+            <p:cNvSpPr/>
+            <p:nvPr/>
+          </p:nvSpPr>
+          <p:spPr>
+            <a:xfrm>
+              <a:off x="25170" y="3664878"/>
+              <a:ext cx="505252" cy="463800"/>
+            </a:xfrm>
+            <a:prstGeom prst="heart">
+              <a:avLst/>
+            </a:prstGeom>
+            <a:solidFill>
+              <a:srgbClr val="008000"/>
+            </a:solidFill>
+            <a:ln>
+              <a:solidFill>
+                <a:srgbClr val="000000"/>
+              </a:solidFill>
+            </a:ln>
+          </p:spPr>
+          <p:style>
+            <a:lnRef idx="1">
+              <a:schemeClr val="accent1"/>
+            </a:lnRef>
+            <a:fillRef idx="3">
+              <a:schemeClr val="accent1"/>
+            </a:fillRef>
+            <a:effectRef idx="2">
+              <a:schemeClr val="accent1"/>
+            </a:effectRef>
+            <a:fontRef idx="minor">
+              <a:schemeClr val="lt1"/>
+            </a:fontRef>
+          </p:style>
+          <p:txBody>
+            <a:bodyPr rtlCol="0" anchor="ctr"/>
+            <a:lstStyle/>
+            <a:p>
+              <a:pPr algn="ctr"/>
+              <a:endParaRPr lang="en-US"/>
+            </a:p>
+          </p:txBody>
+        </p:sp>
+        <p:sp>
+          <p:nvSpPr>
+            <p:cNvPr id="72" name="Isosceles Triangle 12"/>
+            <p:cNvSpPr/>
+            <p:nvPr/>
+          </p:nvSpPr>
+          <p:spPr>
+            <a:xfrm>
+              <a:off x="0" y="4238366"/>
+              <a:ext cx="559872" cy="409181"/>
+            </a:xfrm>
+            <a:prstGeom prst="triangle">
+              <a:avLst/>
+            </a:prstGeom>
+            <a:solidFill>
+              <a:schemeClr val="accent6">
+                <a:lumMod val="75000"/>
+              </a:schemeClr>
+            </a:solidFill>
+            <a:ln>
+              <a:solidFill>
+                <a:srgbClr val="000000"/>
+              </a:solidFill>
+            </a:ln>
+          </p:spPr>
+          <p:style>
+            <a:lnRef idx="1">
+              <a:schemeClr val="accent1"/>
+            </a:lnRef>
+            <a:fillRef idx="3">
+              <a:schemeClr val="accent1"/>
+            </a:fillRef>
+            <a:effectRef idx="2">
+              <a:schemeClr val="accent1"/>
+            </a:effectRef>
+            <a:fontRef idx="minor">
+              <a:schemeClr val="lt1"/>
+            </a:fontRef>
+          </p:style>
+          <p:txBody>
+            <a:bodyPr rtlCol="0" anchor="ctr"/>
+            <a:lstStyle/>
+            <a:p>
+              <a:pPr algn="ctr"/>
+              <a:endParaRPr lang="en-US"/>
+            </a:p>
+          </p:txBody>
+        </p:sp>
+        <p:sp>
+          <p:nvSpPr>
+            <p:cNvPr id="81" name="Oval 80"/>
+            <p:cNvSpPr/>
+            <p:nvPr/>
+          </p:nvSpPr>
+          <p:spPr>
+            <a:xfrm>
+              <a:off x="602555" y="4156440"/>
+              <a:ext cx="505252" cy="491107"/>
+            </a:xfrm>
+            <a:prstGeom prst="ellipse">
+              <a:avLst/>
+            </a:prstGeom>
+            <a:solidFill>
+              <a:srgbClr val="0000FF"/>
+            </a:solidFill>
+            <a:ln>
+              <a:solidFill>
+                <a:schemeClr val="tx1"/>
+              </a:solidFill>
+            </a:ln>
+          </p:spPr>
+          <p:style>
+            <a:lnRef idx="1">
+              <a:schemeClr val="accent1"/>
+            </a:lnRef>
+            <a:fillRef idx="3">
+              <a:schemeClr val="accent1"/>
+            </a:fillRef>
+            <a:effectRef idx="2">
+              <a:schemeClr val="accent1"/>
+            </a:effectRef>
+            <a:fontRef idx="minor">
+              <a:schemeClr val="lt1"/>
+            </a:fontRef>
+          </p:style>
+          <p:txBody>
+            <a:bodyPr rtlCol="0" anchor="ctr"/>
+            <a:lstStyle/>
+            <a:p>
+              <a:pPr algn="ctr"/>
+              <a:endParaRPr lang="en-US"/>
+            </a:p>
+          </p:txBody>
+        </p:sp>
+        <p:sp>
+          <p:nvSpPr>
+            <p:cNvPr id="82" name="Oval 81"/>
+            <p:cNvSpPr/>
+            <p:nvPr/>
+          </p:nvSpPr>
+          <p:spPr>
+            <a:xfrm>
+              <a:off x="1187551" y="3587124"/>
+              <a:ext cx="505252" cy="491107"/>
+            </a:xfrm>
+            <a:prstGeom prst="ellipse">
+              <a:avLst/>
+            </a:prstGeom>
+            <a:solidFill>
+              <a:srgbClr val="0000FF"/>
+            </a:solidFill>
+            <a:ln>
+              <a:solidFill>
+                <a:schemeClr val="tx1"/>
+              </a:solidFill>
+            </a:ln>
+          </p:spPr>
+          <p:style>
+            <a:lnRef idx="1">
+              <a:schemeClr val="accent1"/>
+            </a:lnRef>
+            <a:fillRef idx="3">
+              <a:schemeClr val="accent1"/>
+            </a:fillRef>
+            <a:effectRef idx="2">
+              <a:schemeClr val="accent1"/>
+            </a:effectRef>
+            <a:fontRef idx="minor">
+              <a:schemeClr val="lt1"/>
+            </a:fontRef>
+          </p:style>
+          <p:txBody>
+            <a:bodyPr rtlCol="0" anchor="ctr"/>
+            <a:lstStyle/>
+            <a:p>
+              <a:pPr algn="ctr"/>
+              <a:endParaRPr lang="en-US"/>
+            </a:p>
+          </p:txBody>
+        </p:sp>
+        <p:sp>
+          <p:nvSpPr>
+            <p:cNvPr id="83" name="Heart 82"/>
+            <p:cNvSpPr/>
+            <p:nvPr/>
+          </p:nvSpPr>
+          <p:spPr>
+            <a:xfrm>
+              <a:off x="1228516" y="4224711"/>
+              <a:ext cx="505252" cy="463800"/>
+            </a:xfrm>
+            <a:prstGeom prst="heart">
+              <a:avLst/>
+            </a:prstGeom>
+            <a:solidFill>
+              <a:srgbClr val="008000"/>
+            </a:solidFill>
+            <a:ln>
+              <a:solidFill>
+                <a:srgbClr val="000000"/>
+              </a:solidFill>
+            </a:ln>
+          </p:spPr>
+          <p:style>
+            <a:lnRef idx="1">
+              <a:schemeClr val="accent1"/>
+            </a:lnRef>
+            <a:fillRef idx="3">
+              <a:schemeClr val="accent1"/>
+            </a:fillRef>
+            <a:effectRef idx="2">
+              <a:schemeClr val="accent1"/>
+            </a:effectRef>
+            <a:fontRef idx="minor">
+              <a:schemeClr val="lt1"/>
+            </a:fontRef>
+          </p:style>
+          <p:txBody>
+            <a:bodyPr rtlCol="0" anchor="ctr"/>
+            <a:lstStyle/>
+            <a:p>
+              <a:pPr algn="ctr"/>
+              <a:endParaRPr lang="en-US"/>
+            </a:p>
+          </p:txBody>
+        </p:sp>
+        <p:sp>
+          <p:nvSpPr>
+            <p:cNvPr id="84" name="Rectangle 83"/>
+            <p:cNvSpPr/>
+            <p:nvPr/>
+          </p:nvSpPr>
+          <p:spPr>
+            <a:xfrm>
+              <a:off x="634770" y="3630056"/>
+              <a:ext cx="430933" cy="450600"/>
+            </a:xfrm>
+            <a:prstGeom prst="rect">
+              <a:avLst/>
+            </a:prstGeom>
+            <a:solidFill>
+              <a:srgbClr val="800000"/>
+            </a:solidFill>
+            <a:ln>
+              <a:solidFill>
+                <a:srgbClr val="000000"/>
+              </a:solidFill>
+            </a:ln>
+          </p:spPr>
+          <p:style>
+            <a:lnRef idx="1">
+              <a:schemeClr val="accent1"/>
+            </a:lnRef>
+            <a:fillRef idx="3">
+              <a:schemeClr val="accent1"/>
+            </a:fillRef>
+            <a:effectRef idx="2">
+              <a:schemeClr val="accent1"/>
+            </a:effectRef>
+            <a:fontRef idx="minor">
+              <a:schemeClr val="lt1"/>
+            </a:fontRef>
+          </p:style>
+          <p:txBody>
+            <a:bodyPr rtlCol="0" anchor="ctr"/>
+            <a:lstStyle/>
+            <a:p>
+              <a:pPr algn="ctr"/>
+              <a:endParaRPr lang="en-US"/>
+            </a:p>
+          </p:txBody>
+        </p:sp>
+      </p:grpSp>
+      <p:grpSp>
+        <p:nvGrpSpPr>
+          <p:cNvPr id="85" name="Group 84"/>
+          <p:cNvGrpSpPr/>
+          <p:nvPr/>
+        </p:nvGrpSpPr>
+        <p:grpSpPr>
+          <a:xfrm>
+            <a:off x="2257317" y="2927639"/>
+            <a:ext cx="1667633" cy="1112619"/>
+            <a:chOff x="25170" y="2415259"/>
+            <a:chExt cx="1667633" cy="1112619"/>
+          </a:xfrm>
+        </p:grpSpPr>
+        <p:sp>
+          <p:nvSpPr>
+            <p:cNvPr id="86" name="Rectangle 85"/>
+            <p:cNvSpPr/>
+            <p:nvPr/>
+          </p:nvSpPr>
+          <p:spPr>
+            <a:xfrm>
+              <a:off x="47009" y="2422316"/>
+              <a:ext cx="430933" cy="450600"/>
+            </a:xfrm>
+            <a:prstGeom prst="rect">
+              <a:avLst/>
+            </a:prstGeom>
+            <a:solidFill>
+              <a:srgbClr val="800000"/>
+            </a:solidFill>
+            <a:ln>
+              <a:solidFill>
+                <a:srgbClr val="000000"/>
+              </a:solidFill>
+            </a:ln>
+          </p:spPr>
+          <p:style>
+            <a:lnRef idx="1">
+              <a:schemeClr val="accent1"/>
+            </a:lnRef>
+            <a:fillRef idx="3">
+              <a:schemeClr val="accent1"/>
+            </a:fillRef>
+            <a:effectRef idx="2">
+              <a:schemeClr val="accent1"/>
+            </a:effectRef>
+            <a:fontRef idx="minor">
+              <a:schemeClr val="lt1"/>
+            </a:fontRef>
+          </p:style>
+          <p:txBody>
+            <a:bodyPr rtlCol="0" anchor="ctr"/>
+            <a:lstStyle/>
+            <a:p>
+              <a:pPr algn="ctr"/>
+              <a:endParaRPr lang="en-US"/>
+            </a:p>
+          </p:txBody>
+        </p:sp>
+        <p:sp>
+          <p:nvSpPr>
+            <p:cNvPr id="87" name="Oval 86"/>
+            <p:cNvSpPr/>
+            <p:nvPr/>
+          </p:nvSpPr>
+          <p:spPr>
+            <a:xfrm>
+              <a:off x="25170" y="3036771"/>
+              <a:ext cx="505252" cy="491107"/>
+            </a:xfrm>
+            <a:prstGeom prst="ellipse">
+              <a:avLst/>
+            </a:prstGeom>
+            <a:solidFill>
+              <a:srgbClr val="0000FF"/>
+            </a:solidFill>
+            <a:ln>
+              <a:solidFill>
+                <a:schemeClr val="tx1"/>
+              </a:solidFill>
+            </a:ln>
+          </p:spPr>
+          <p:style>
+            <a:lnRef idx="1">
+              <a:schemeClr val="accent1"/>
+            </a:lnRef>
+            <a:fillRef idx="3">
+              <a:schemeClr val="accent1"/>
+            </a:fillRef>
+            <a:effectRef idx="2">
+              <a:schemeClr val="accent1"/>
+            </a:effectRef>
+            <a:fontRef idx="minor">
+              <a:schemeClr val="lt1"/>
+            </a:fontRef>
+          </p:style>
+          <p:txBody>
+            <a:bodyPr rtlCol="0" anchor="ctr"/>
+            <a:lstStyle/>
+            <a:p>
+              <a:pPr algn="ctr"/>
+              <a:endParaRPr lang="en-US"/>
+            </a:p>
+          </p:txBody>
+        </p:sp>
+        <p:sp>
+          <p:nvSpPr>
+            <p:cNvPr id="88" name="Oval 87"/>
+            <p:cNvSpPr/>
+            <p:nvPr/>
+          </p:nvSpPr>
+          <p:spPr>
+            <a:xfrm>
+              <a:off x="634770" y="2415259"/>
+              <a:ext cx="505252" cy="491107"/>
+            </a:xfrm>
+            <a:prstGeom prst="ellipse">
+              <a:avLst/>
+            </a:prstGeom>
+            <a:solidFill>
+              <a:srgbClr val="0000FF"/>
+            </a:solidFill>
+            <a:ln>
+              <a:solidFill>
+                <a:schemeClr val="tx1"/>
+              </a:solidFill>
+            </a:ln>
+          </p:spPr>
+          <p:style>
+            <a:lnRef idx="1">
+              <a:schemeClr val="accent1"/>
+            </a:lnRef>
+            <a:fillRef idx="3">
+              <a:schemeClr val="accent1"/>
+            </a:fillRef>
+            <a:effectRef idx="2">
+              <a:schemeClr val="accent1"/>
+            </a:effectRef>
+            <a:fontRef idx="minor">
+              <a:schemeClr val="lt1"/>
+            </a:fontRef>
+          </p:style>
+          <p:txBody>
+            <a:bodyPr rtlCol="0" anchor="ctr"/>
+            <a:lstStyle/>
+            <a:p>
+              <a:pPr algn="ctr"/>
+              <a:endParaRPr lang="en-US"/>
+            </a:p>
+          </p:txBody>
+        </p:sp>
+        <p:sp>
+          <p:nvSpPr>
+            <p:cNvPr id="89" name="Rectangle 88"/>
+            <p:cNvSpPr/>
+            <p:nvPr/>
+          </p:nvSpPr>
+          <p:spPr>
+            <a:xfrm>
+              <a:off x="630342" y="3036771"/>
+              <a:ext cx="430933" cy="450600"/>
+            </a:xfrm>
+            <a:prstGeom prst="rect">
+              <a:avLst/>
+            </a:prstGeom>
+            <a:solidFill>
+              <a:srgbClr val="800000"/>
+            </a:solidFill>
+            <a:ln>
+              <a:solidFill>
+                <a:srgbClr val="000000"/>
+              </a:solidFill>
+            </a:ln>
+          </p:spPr>
+          <p:style>
+            <a:lnRef idx="1">
+              <a:schemeClr val="accent1"/>
+            </a:lnRef>
+            <a:fillRef idx="3">
+              <a:schemeClr val="accent1"/>
+            </a:fillRef>
+            <a:effectRef idx="2">
+              <a:schemeClr val="accent1"/>
+            </a:effectRef>
+            <a:fontRef idx="minor">
+              <a:schemeClr val="lt1"/>
+            </a:fontRef>
+          </p:style>
+          <p:txBody>
+            <a:bodyPr rtlCol="0" anchor="ctr"/>
+            <a:lstStyle/>
+            <a:p>
+              <a:pPr algn="ctr"/>
+              <a:endParaRPr lang="en-US"/>
+            </a:p>
+          </p:txBody>
+        </p:sp>
+        <p:sp>
+          <p:nvSpPr>
+            <p:cNvPr id="90" name="Rectangle 89"/>
+            <p:cNvSpPr/>
+            <p:nvPr/>
+          </p:nvSpPr>
+          <p:spPr>
+            <a:xfrm>
+              <a:off x="1216531" y="2435515"/>
+              <a:ext cx="430933" cy="450600"/>
+            </a:xfrm>
+            <a:prstGeom prst="rect">
+              <a:avLst/>
+            </a:prstGeom>
+            <a:solidFill>
+              <a:srgbClr val="800000"/>
+            </a:solidFill>
+            <a:ln>
+              <a:solidFill>
+                <a:srgbClr val="000000"/>
+              </a:solidFill>
+            </a:ln>
+          </p:spPr>
+          <p:style>
+            <a:lnRef idx="1">
+              <a:schemeClr val="accent1"/>
+            </a:lnRef>
+            <a:fillRef idx="3">
+              <a:schemeClr val="accent1"/>
+            </a:fillRef>
+            <a:effectRef idx="2">
+              <a:schemeClr val="accent1"/>
+            </a:effectRef>
+            <a:fontRef idx="minor">
+              <a:schemeClr val="lt1"/>
+            </a:fontRef>
+          </p:style>
+          <p:txBody>
+            <a:bodyPr rtlCol="0" anchor="ctr"/>
+            <a:lstStyle/>
+            <a:p>
+              <a:pPr algn="ctr"/>
+              <a:endParaRPr lang="en-US"/>
+            </a:p>
+          </p:txBody>
+        </p:sp>
+        <p:sp>
+          <p:nvSpPr>
+            <p:cNvPr id="91" name="Isosceles Triangle 33"/>
+            <p:cNvSpPr/>
+            <p:nvPr/>
+          </p:nvSpPr>
+          <p:spPr>
+            <a:xfrm>
+              <a:off x="1132931" y="3078190"/>
+              <a:ext cx="559872" cy="409181"/>
+            </a:xfrm>
+            <a:prstGeom prst="triangle">
+              <a:avLst/>
+            </a:prstGeom>
+            <a:solidFill>
+              <a:schemeClr val="accent6">
+                <a:lumMod val="75000"/>
+              </a:schemeClr>
+            </a:solidFill>
+            <a:ln>
+              <a:solidFill>
+                <a:srgbClr val="000000"/>
+              </a:solidFill>
+            </a:ln>
+          </p:spPr>
+          <p:style>
+            <a:lnRef idx="1">
+              <a:schemeClr val="accent1"/>
+            </a:lnRef>
+            <a:fillRef idx="3">
+              <a:schemeClr val="accent1"/>
+            </a:fillRef>
+            <a:effectRef idx="2">
+              <a:schemeClr val="accent1"/>
+            </a:effectRef>
+            <a:fontRef idx="minor">
+              <a:schemeClr val="lt1"/>
+            </a:fontRef>
+          </p:style>
+          <p:txBody>
+            <a:bodyPr rtlCol="0" anchor="ctr"/>
+            <a:lstStyle/>
+            <a:p>
+              <a:pPr algn="ctr"/>
+              <a:endParaRPr lang="en-US"/>
+            </a:p>
+          </p:txBody>
+        </p:sp>
+      </p:grpSp>
+      <p:grpSp>
+        <p:nvGrpSpPr>
+          <p:cNvPr id="92" name="Group 91"/>
+          <p:cNvGrpSpPr/>
+          <p:nvPr/>
+        </p:nvGrpSpPr>
+        <p:grpSpPr>
+          <a:xfrm>
+            <a:off x="2257317" y="1599329"/>
+            <a:ext cx="1708598" cy="1048287"/>
+            <a:chOff x="25170" y="1281441"/>
+            <a:chExt cx="1708598" cy="1048287"/>
+          </a:xfrm>
+        </p:grpSpPr>
+        <p:pic>
+          <p:nvPicPr>
+            <p:cNvPr id="93" name="Picture 92"/>
+            <p:cNvPicPr>
+              <a:picLocks noChangeAspect="1"/>
+            </p:cNvPicPr>
+            <p:nvPr/>
+          </p:nvPicPr>
+          <p:blipFill>
+            <a:blip r:embed="rId3"/>
+            <a:stretch>
+              <a:fillRect/>
+            </a:stretch>
+          </p:blipFill>
+          <p:spPr>
+            <a:xfrm>
+              <a:off x="25170" y="1803728"/>
+              <a:ext cx="534702" cy="508632"/>
+            </a:xfrm>
+            <a:prstGeom prst="rect">
+              <a:avLst/>
+            </a:prstGeom>
+          </p:spPr>
+        </p:pic>
+        <p:sp>
+          <p:nvSpPr>
+            <p:cNvPr id="94" name="Oval 93"/>
+            <p:cNvSpPr/>
+            <p:nvPr/>
+          </p:nvSpPr>
+          <p:spPr>
+            <a:xfrm>
+              <a:off x="634770" y="1821253"/>
+              <a:ext cx="505252" cy="491107"/>
+            </a:xfrm>
+            <a:prstGeom prst="ellipse">
+              <a:avLst/>
+            </a:prstGeom>
+            <a:solidFill>
+              <a:srgbClr val="0000FF"/>
+            </a:solidFill>
+            <a:ln>
+              <a:solidFill>
+                <a:schemeClr val="tx1"/>
+              </a:solidFill>
+            </a:ln>
+          </p:spPr>
+          <p:style>
+            <a:lnRef idx="1">
+              <a:schemeClr val="accent1"/>
+            </a:lnRef>
+            <a:fillRef idx="3">
+              <a:schemeClr val="accent1"/>
+            </a:fillRef>
+            <a:effectRef idx="2">
+              <a:schemeClr val="accent1"/>
+            </a:effectRef>
+            <a:fontRef idx="minor">
+              <a:schemeClr val="lt1"/>
+            </a:fontRef>
+          </p:style>
+          <p:txBody>
+            <a:bodyPr rtlCol="0" anchor="ctr"/>
+            <a:lstStyle/>
+            <a:p>
+              <a:pPr algn="ctr"/>
+              <a:endParaRPr lang="en-US"/>
+            </a:p>
+          </p:txBody>
+        </p:sp>
+        <p:sp>
+          <p:nvSpPr>
+            <p:cNvPr id="95" name="Heart 94"/>
+            <p:cNvSpPr/>
+            <p:nvPr/>
+          </p:nvSpPr>
+          <p:spPr>
+            <a:xfrm>
+              <a:off x="1228516" y="1865928"/>
+              <a:ext cx="505252" cy="463800"/>
+            </a:xfrm>
+            <a:prstGeom prst="heart">
+              <a:avLst/>
+            </a:prstGeom>
+            <a:solidFill>
+              <a:srgbClr val="008000"/>
+            </a:solidFill>
+            <a:ln>
+              <a:solidFill>
+                <a:srgbClr val="000000"/>
+              </a:solidFill>
+            </a:ln>
+          </p:spPr>
+          <p:style>
+            <a:lnRef idx="1">
+              <a:schemeClr val="accent1"/>
+            </a:lnRef>
+            <a:fillRef idx="3">
+              <a:schemeClr val="accent1"/>
+            </a:fillRef>
+            <a:effectRef idx="2">
+              <a:schemeClr val="accent1"/>
+            </a:effectRef>
+            <a:fontRef idx="minor">
+              <a:schemeClr val="lt1"/>
+            </a:fontRef>
+          </p:style>
+          <p:txBody>
+            <a:bodyPr rtlCol="0" anchor="ctr"/>
+            <a:lstStyle/>
+            <a:p>
+              <a:pPr algn="ctr"/>
+              <a:endParaRPr lang="en-US"/>
+            </a:p>
+          </p:txBody>
+        </p:sp>
+        <p:sp>
+          <p:nvSpPr>
+            <p:cNvPr id="96" name="Rectangle 95"/>
+            <p:cNvSpPr/>
+            <p:nvPr/>
+          </p:nvSpPr>
+          <p:spPr>
+            <a:xfrm>
+              <a:off x="47009" y="1339473"/>
+              <a:ext cx="430933" cy="450600"/>
+            </a:xfrm>
+            <a:prstGeom prst="rect">
+              <a:avLst/>
+            </a:prstGeom>
+            <a:solidFill>
+              <a:srgbClr val="800000"/>
+            </a:solidFill>
+            <a:ln>
+              <a:solidFill>
+                <a:srgbClr val="000000"/>
+              </a:solidFill>
+            </a:ln>
+          </p:spPr>
+          <p:style>
+            <a:lnRef idx="1">
+              <a:schemeClr val="accent1"/>
+            </a:lnRef>
+            <a:fillRef idx="3">
+              <a:schemeClr val="accent1"/>
+            </a:fillRef>
+            <a:effectRef idx="2">
+              <a:schemeClr val="accent1"/>
+            </a:effectRef>
+            <a:fontRef idx="minor">
+              <a:schemeClr val="lt1"/>
+            </a:fontRef>
+          </p:style>
+          <p:txBody>
+            <a:bodyPr rtlCol="0" anchor="ctr"/>
+            <a:lstStyle/>
+            <a:p>
+              <a:pPr algn="ctr"/>
+              <a:endParaRPr lang="en-US"/>
+            </a:p>
+          </p:txBody>
+        </p:sp>
+        <p:sp>
+          <p:nvSpPr>
+            <p:cNvPr id="97" name="Rectangle 96"/>
+            <p:cNvSpPr/>
+            <p:nvPr/>
+          </p:nvSpPr>
+          <p:spPr>
+            <a:xfrm>
+              <a:off x="1216531" y="1339473"/>
+              <a:ext cx="430933" cy="450600"/>
+            </a:xfrm>
+            <a:prstGeom prst="rect">
+              <a:avLst/>
+            </a:prstGeom>
+            <a:solidFill>
+              <a:srgbClr val="800000"/>
+            </a:solidFill>
+            <a:ln>
+              <a:solidFill>
+                <a:srgbClr val="000000"/>
+              </a:solidFill>
+            </a:ln>
+          </p:spPr>
+          <p:style>
+            <a:lnRef idx="1">
+              <a:schemeClr val="accent1"/>
+            </a:lnRef>
+            <a:fillRef idx="3">
+              <a:schemeClr val="accent1"/>
+            </a:fillRef>
+            <a:effectRef idx="2">
+              <a:schemeClr val="accent1"/>
+            </a:effectRef>
+            <a:fontRef idx="minor">
+              <a:schemeClr val="lt1"/>
+            </a:fontRef>
+          </p:style>
+          <p:txBody>
+            <a:bodyPr rtlCol="0" anchor="ctr"/>
+            <a:lstStyle/>
+            <a:p>
+              <a:pPr algn="ctr"/>
+              <a:endParaRPr lang="en-US"/>
+            </a:p>
+          </p:txBody>
+        </p:sp>
+        <p:pic>
+          <p:nvPicPr>
+            <p:cNvPr id="98" name="Picture 97"/>
+            <p:cNvPicPr>
+              <a:picLocks noChangeAspect="1"/>
+            </p:cNvPicPr>
+            <p:nvPr/>
+          </p:nvPicPr>
+          <p:blipFill>
+            <a:blip r:embed="rId3"/>
+            <a:stretch>
+              <a:fillRect/>
+            </a:stretch>
+          </p:blipFill>
+          <p:spPr>
+            <a:xfrm>
+              <a:off x="573105" y="1281441"/>
+              <a:ext cx="534702" cy="508632"/>
+            </a:xfrm>
+            <a:prstGeom prst="rect">
+              <a:avLst/>
+            </a:prstGeom>
+          </p:spPr>
+        </p:pic>
+      </p:grpSp>
+      <p:grpSp>
+        <p:nvGrpSpPr>
+          <p:cNvPr id="100" name="Group 99"/>
+          <p:cNvGrpSpPr/>
+          <p:nvPr/>
+        </p:nvGrpSpPr>
+        <p:grpSpPr>
+          <a:xfrm>
+            <a:off x="7502071" y="1648630"/>
+            <a:ext cx="1681579" cy="461665"/>
+            <a:chOff x="7349671" y="1496230"/>
+            <a:chExt cx="1681579" cy="461665"/>
+          </a:xfrm>
+        </p:grpSpPr>
+        <p:sp>
+          <p:nvSpPr>
+            <p:cNvPr id="101" name="Rectangle 100"/>
+            <p:cNvSpPr>
+              <a:spLocks noChangeAspect="1"/>
+            </p:cNvSpPr>
+            <p:nvPr/>
+          </p:nvSpPr>
+          <p:spPr>
+            <a:xfrm>
+              <a:off x="7740173" y="1649613"/>
+              <a:ext cx="215467" cy="225300"/>
+            </a:xfrm>
+            <a:prstGeom prst="rect">
+              <a:avLst/>
+            </a:prstGeom>
+            <a:solidFill>
+              <a:srgbClr val="800000"/>
+            </a:solidFill>
+            <a:ln>
+              <a:solidFill>
+                <a:srgbClr val="000000"/>
+              </a:solidFill>
+            </a:ln>
+          </p:spPr>
+          <p:style>
+            <a:lnRef idx="1">
+              <a:schemeClr val="accent1"/>
+            </a:lnRef>
+            <a:fillRef idx="3">
+              <a:schemeClr val="accent1"/>
+            </a:fillRef>
+            <a:effectRef idx="2">
+              <a:schemeClr val="accent1"/>
+            </a:effectRef>
+            <a:fontRef idx="minor">
+              <a:schemeClr val="lt1"/>
+            </a:fontRef>
+          </p:style>
+          <p:txBody>
+            <a:bodyPr rtlCol="0" anchor="ctr"/>
+            <a:lstStyle/>
+            <a:p>
+              <a:pPr algn="ctr"/>
+              <a:endParaRPr lang="en-US"/>
+            </a:p>
+          </p:txBody>
+        </p:sp>
+        <p:sp>
+          <p:nvSpPr>
+            <p:cNvPr id="102" name="TextBox 101"/>
+            <p:cNvSpPr txBox="1"/>
+            <p:nvPr/>
+          </p:nvSpPr>
+          <p:spPr>
+            <a:xfrm>
+              <a:off x="7349671" y="1496230"/>
+              <a:ext cx="1681579" cy="461665"/>
+            </a:xfrm>
+            <a:prstGeom prst="rect">
+              <a:avLst/>
+            </a:prstGeom>
+            <a:noFill/>
+          </p:spPr>
+          <p:txBody>
+            <a:bodyPr wrap="square" rtlCol="0">
+              <a:spAutoFit/>
+            </a:bodyPr>
+            <a:lstStyle/>
+            <a:p>
+              <a:pPr algn="ctr"/>
+              <a:r>
+                <a:rPr lang="en-US" sz="2400" dirty="0" smtClean="0"/>
+                <a:t>(        , </a:t>
+              </a:r>
+              <a:r>
+                <a:rPr lang="en-US" sz="2400" dirty="0" smtClean="0"/>
+                <a:t> 8  </a:t>
+              </a:r>
+              <a:r>
+                <a:rPr lang="en-US" sz="2400" dirty="0" smtClean="0"/>
+                <a:t>)</a:t>
+              </a:r>
+              <a:endParaRPr lang="en-US" sz="2400" dirty="0"/>
+            </a:p>
+          </p:txBody>
+        </p:sp>
+      </p:grpSp>
+      <p:grpSp>
+        <p:nvGrpSpPr>
+          <p:cNvPr id="103" name="Group 102"/>
+          <p:cNvGrpSpPr/>
+          <p:nvPr/>
+        </p:nvGrpSpPr>
+        <p:grpSpPr>
+          <a:xfrm>
+            <a:off x="4084215" y="1474618"/>
+            <a:ext cx="1681579" cy="461665"/>
+            <a:chOff x="7317277" y="1953594"/>
+            <a:chExt cx="1681579" cy="461665"/>
+          </a:xfrm>
+        </p:grpSpPr>
+        <p:pic>
+          <p:nvPicPr>
+            <p:cNvPr id="104" name="Picture 103"/>
+            <p:cNvPicPr>
+              <a:picLocks noChangeAspect="1"/>
+            </p:cNvPicPr>
+            <p:nvPr/>
+          </p:nvPicPr>
+          <p:blipFill>
+            <a:blip r:embed="rId3"/>
+            <a:stretch>
+              <a:fillRect/>
+            </a:stretch>
+          </p:blipFill>
+          <p:spPr>
+            <a:xfrm>
+              <a:off x="7701944" y="2066470"/>
+              <a:ext cx="267351" cy="254316"/>
+            </a:xfrm>
+            <a:prstGeom prst="rect">
+              <a:avLst/>
+            </a:prstGeom>
+          </p:spPr>
+        </p:pic>
+        <p:sp>
+          <p:nvSpPr>
+            <p:cNvPr id="105" name="TextBox 104"/>
+            <p:cNvSpPr txBox="1"/>
+            <p:nvPr/>
+          </p:nvSpPr>
+          <p:spPr>
+            <a:xfrm>
+              <a:off x="7317277" y="1953594"/>
+              <a:ext cx="1681579" cy="461665"/>
+            </a:xfrm>
+            <a:prstGeom prst="rect">
+              <a:avLst/>
+            </a:prstGeom>
+            <a:noFill/>
+          </p:spPr>
+          <p:txBody>
+            <a:bodyPr wrap="square" rtlCol="0">
+              <a:spAutoFit/>
+            </a:bodyPr>
+            <a:lstStyle/>
+            <a:p>
+              <a:pPr algn="ctr"/>
+              <a:r>
+                <a:rPr lang="en-US" sz="2400" dirty="0" smtClean="0"/>
+                <a:t>(        ,  </a:t>
+              </a:r>
+              <a:r>
+                <a:rPr lang="en-US" sz="2400" dirty="0"/>
+                <a:t>1</a:t>
+              </a:r>
+              <a:r>
+                <a:rPr lang="en-US" sz="2400" dirty="0" smtClean="0"/>
+                <a:t>  </a:t>
+              </a:r>
+              <a:r>
+                <a:rPr lang="en-US" sz="2400" dirty="0" smtClean="0"/>
+                <a:t>)</a:t>
+              </a:r>
+              <a:endParaRPr lang="en-US" sz="2400" dirty="0"/>
+            </a:p>
+          </p:txBody>
+        </p:sp>
+      </p:grpSp>
+      <p:grpSp>
+        <p:nvGrpSpPr>
+          <p:cNvPr id="106" name="Group 105"/>
+          <p:cNvGrpSpPr/>
+          <p:nvPr/>
+        </p:nvGrpSpPr>
+        <p:grpSpPr>
+          <a:xfrm>
+            <a:off x="4021853" y="1759837"/>
+            <a:ext cx="1681579" cy="461665"/>
+            <a:chOff x="7317277" y="2347334"/>
+            <a:chExt cx="1681579" cy="461665"/>
+          </a:xfrm>
+        </p:grpSpPr>
+        <p:sp>
+          <p:nvSpPr>
+            <p:cNvPr id="107" name="Oval 106"/>
+            <p:cNvSpPr>
+              <a:spLocks noChangeAspect="1"/>
+            </p:cNvSpPr>
+            <p:nvPr/>
+          </p:nvSpPr>
+          <p:spPr>
+            <a:xfrm>
+              <a:off x="7740173" y="2481278"/>
+              <a:ext cx="252626" cy="245554"/>
+            </a:xfrm>
+            <a:prstGeom prst="ellipse">
+              <a:avLst/>
+            </a:prstGeom>
+            <a:solidFill>
+              <a:srgbClr val="0000FF"/>
+            </a:solidFill>
+            <a:ln>
+              <a:solidFill>
+                <a:schemeClr val="tx1"/>
+              </a:solidFill>
+            </a:ln>
+          </p:spPr>
+          <p:style>
+            <a:lnRef idx="1">
+              <a:schemeClr val="accent1"/>
+            </a:lnRef>
+            <a:fillRef idx="3">
+              <a:schemeClr val="accent1"/>
+            </a:fillRef>
+            <a:effectRef idx="2">
+              <a:schemeClr val="accent1"/>
+            </a:effectRef>
+            <a:fontRef idx="minor">
+              <a:schemeClr val="lt1"/>
+            </a:fontRef>
+          </p:style>
+          <p:txBody>
+            <a:bodyPr rtlCol="0" anchor="ctr"/>
+            <a:lstStyle/>
+            <a:p>
+              <a:pPr algn="ctr"/>
+              <a:endParaRPr lang="en-US"/>
+            </a:p>
+          </p:txBody>
+        </p:sp>
+        <p:sp>
+          <p:nvSpPr>
+            <p:cNvPr id="108" name="TextBox 107"/>
+            <p:cNvSpPr txBox="1"/>
+            <p:nvPr/>
+          </p:nvSpPr>
+          <p:spPr>
+            <a:xfrm>
+              <a:off x="7317277" y="2347334"/>
+              <a:ext cx="1681579" cy="461665"/>
+            </a:xfrm>
+            <a:prstGeom prst="rect">
+              <a:avLst/>
+            </a:prstGeom>
+            <a:noFill/>
+          </p:spPr>
+          <p:txBody>
+            <a:bodyPr wrap="square" rtlCol="0">
+              <a:spAutoFit/>
+            </a:bodyPr>
+            <a:lstStyle/>
+            <a:p>
+              <a:pPr algn="ctr"/>
+              <a:r>
+                <a:rPr lang="en-US" sz="2400" dirty="0" smtClean="0"/>
+                <a:t>(        , </a:t>
+              </a:r>
+              <a:r>
+                <a:rPr lang="en-US" sz="2400" dirty="0" smtClean="0"/>
+                <a:t> 1  </a:t>
+              </a:r>
+              <a:r>
+                <a:rPr lang="en-US" sz="2400" dirty="0" smtClean="0"/>
+                <a:t>)</a:t>
+              </a:r>
+              <a:endParaRPr lang="en-US" sz="2400" dirty="0"/>
+            </a:p>
+          </p:txBody>
+        </p:sp>
+      </p:grpSp>
+      <p:grpSp>
+        <p:nvGrpSpPr>
+          <p:cNvPr id="109" name="Group 108"/>
+          <p:cNvGrpSpPr/>
+          <p:nvPr/>
+        </p:nvGrpSpPr>
+        <p:grpSpPr>
+          <a:xfrm>
+            <a:off x="4095104" y="2087481"/>
+            <a:ext cx="1622459" cy="461665"/>
+            <a:chOff x="7317277" y="2805943"/>
+            <a:chExt cx="1681579" cy="544789"/>
+          </a:xfrm>
+        </p:grpSpPr>
+        <p:sp>
+          <p:nvSpPr>
+            <p:cNvPr id="111" name="Heart 110"/>
+            <p:cNvSpPr>
+              <a:spLocks noChangeAspect="1"/>
+            </p:cNvSpPr>
+            <p:nvPr/>
+          </p:nvSpPr>
+          <p:spPr>
+            <a:xfrm>
+              <a:off x="7729144" y="2917574"/>
+              <a:ext cx="252626" cy="231900"/>
+            </a:xfrm>
+            <a:prstGeom prst="heart">
+              <a:avLst/>
+            </a:prstGeom>
+            <a:solidFill>
+              <a:srgbClr val="008000"/>
+            </a:solidFill>
+            <a:ln>
+              <a:solidFill>
+                <a:srgbClr val="000000"/>
+              </a:solidFill>
+            </a:ln>
+          </p:spPr>
+          <p:style>
+            <a:lnRef idx="1">
+              <a:schemeClr val="accent1"/>
+            </a:lnRef>
+            <a:fillRef idx="3">
+              <a:schemeClr val="accent1"/>
+            </a:fillRef>
+            <a:effectRef idx="2">
+              <a:schemeClr val="accent1"/>
+            </a:effectRef>
+            <a:fontRef idx="minor">
+              <a:schemeClr val="lt1"/>
+            </a:fontRef>
+          </p:style>
+          <p:txBody>
+            <a:bodyPr rtlCol="0" anchor="ctr"/>
+            <a:lstStyle/>
+            <a:p>
+              <a:pPr algn="ctr"/>
+              <a:endParaRPr lang="en-US"/>
+            </a:p>
+          </p:txBody>
+        </p:sp>
+        <p:sp>
+          <p:nvSpPr>
+            <p:cNvPr id="112" name="TextBox 111"/>
+            <p:cNvSpPr txBox="1"/>
+            <p:nvPr/>
+          </p:nvSpPr>
+          <p:spPr>
+            <a:xfrm>
+              <a:off x="7317277" y="2805943"/>
+              <a:ext cx="1681579" cy="544789"/>
+            </a:xfrm>
+            <a:prstGeom prst="rect">
+              <a:avLst/>
+            </a:prstGeom>
+            <a:noFill/>
+          </p:spPr>
+          <p:txBody>
+            <a:bodyPr wrap="square" rtlCol="0">
+              <a:spAutoFit/>
+            </a:bodyPr>
+            <a:lstStyle/>
+            <a:p>
+              <a:pPr algn="ctr"/>
+              <a:r>
+                <a:rPr lang="en-US" sz="2400" dirty="0" smtClean="0"/>
+                <a:t>(        ,  </a:t>
+              </a:r>
+              <a:r>
+                <a:rPr lang="en-US" sz="2400" dirty="0"/>
+                <a:t>1</a:t>
+              </a:r>
+              <a:r>
+                <a:rPr lang="en-US" sz="2400" dirty="0" smtClean="0"/>
+                <a:t>  </a:t>
+              </a:r>
+              <a:r>
+                <a:rPr lang="en-US" sz="2400" dirty="0" smtClean="0"/>
+                <a:t>)</a:t>
+              </a:r>
+              <a:endParaRPr lang="en-US" sz="2400" dirty="0"/>
+            </a:p>
+          </p:txBody>
+        </p:sp>
+      </p:grpSp>
+      <p:grpSp>
+        <p:nvGrpSpPr>
+          <p:cNvPr id="116" name="Group 115"/>
+          <p:cNvGrpSpPr/>
+          <p:nvPr/>
+        </p:nvGrpSpPr>
+        <p:grpSpPr>
+          <a:xfrm>
+            <a:off x="4062737" y="946658"/>
+            <a:ext cx="1765415" cy="461665"/>
+            <a:chOff x="7349671" y="1496230"/>
+            <a:chExt cx="1765415" cy="461665"/>
+          </a:xfrm>
+        </p:grpSpPr>
+        <p:sp>
+          <p:nvSpPr>
+            <p:cNvPr id="117" name="Rectangle 116"/>
+            <p:cNvSpPr>
+              <a:spLocks noChangeAspect="1"/>
+            </p:cNvSpPr>
+            <p:nvPr/>
+          </p:nvSpPr>
+          <p:spPr>
+            <a:xfrm>
+              <a:off x="7740173" y="1649613"/>
+              <a:ext cx="215467" cy="225300"/>
+            </a:xfrm>
+            <a:prstGeom prst="rect">
+              <a:avLst/>
+            </a:prstGeom>
+            <a:solidFill>
+              <a:srgbClr val="800000"/>
+            </a:solidFill>
+            <a:ln>
+              <a:solidFill>
+                <a:srgbClr val="000000"/>
+              </a:solidFill>
+            </a:ln>
+          </p:spPr>
+          <p:style>
+            <a:lnRef idx="1">
+              <a:schemeClr val="accent1"/>
+            </a:lnRef>
+            <a:fillRef idx="3">
+              <a:schemeClr val="accent1"/>
+            </a:fillRef>
+            <a:effectRef idx="2">
+              <a:schemeClr val="accent1"/>
+            </a:effectRef>
+            <a:fontRef idx="minor">
+              <a:schemeClr val="lt1"/>
+            </a:fontRef>
+          </p:style>
+          <p:txBody>
+            <a:bodyPr rtlCol="0" anchor="ctr"/>
+            <a:lstStyle/>
+            <a:p>
+              <a:pPr algn="ctr"/>
+              <a:endParaRPr lang="en-US"/>
+            </a:p>
+          </p:txBody>
+        </p:sp>
+        <p:sp>
+          <p:nvSpPr>
+            <p:cNvPr id="118" name="TextBox 117"/>
+            <p:cNvSpPr txBox="1"/>
+            <p:nvPr/>
+          </p:nvSpPr>
+          <p:spPr>
+            <a:xfrm>
+              <a:off x="7349671" y="1496230"/>
+              <a:ext cx="1765415" cy="461665"/>
+            </a:xfrm>
+            <a:prstGeom prst="rect">
+              <a:avLst/>
+            </a:prstGeom>
+            <a:noFill/>
+          </p:spPr>
+          <p:txBody>
+            <a:bodyPr wrap="square" rtlCol="0">
+              <a:spAutoFit/>
+            </a:bodyPr>
+            <a:lstStyle/>
+            <a:p>
+              <a:pPr algn="ctr"/>
+              <a:r>
+                <a:rPr lang="en-US" sz="2400" dirty="0" smtClean="0"/>
+                <a:t>(        ,  </a:t>
+              </a:r>
+              <a:r>
+                <a:rPr lang="en-US" sz="2400" dirty="0" smtClean="0"/>
+                <a:t>1  </a:t>
+              </a:r>
+              <a:r>
+                <a:rPr lang="en-US" sz="2400" dirty="0" smtClean="0"/>
+                <a:t>)</a:t>
+              </a:r>
+              <a:endParaRPr lang="en-US" sz="2400" dirty="0"/>
+            </a:p>
+          </p:txBody>
+        </p:sp>
+      </p:grpSp>
+      <p:grpSp>
+        <p:nvGrpSpPr>
+          <p:cNvPr id="136" name="Group 135"/>
+          <p:cNvGrpSpPr/>
+          <p:nvPr/>
+        </p:nvGrpSpPr>
+        <p:grpSpPr>
+          <a:xfrm>
+            <a:off x="4065831" y="1239196"/>
+            <a:ext cx="1681579" cy="461665"/>
+            <a:chOff x="7317277" y="1953594"/>
+            <a:chExt cx="1681579" cy="461665"/>
+          </a:xfrm>
+        </p:grpSpPr>
+        <p:pic>
+          <p:nvPicPr>
+            <p:cNvPr id="137" name="Picture 136"/>
+            <p:cNvPicPr>
+              <a:picLocks noChangeAspect="1"/>
+            </p:cNvPicPr>
+            <p:nvPr/>
+          </p:nvPicPr>
+          <p:blipFill>
+            <a:blip r:embed="rId3"/>
+            <a:stretch>
+              <a:fillRect/>
+            </a:stretch>
+          </p:blipFill>
+          <p:spPr>
+            <a:xfrm>
+              <a:off x="7701944" y="2066470"/>
+              <a:ext cx="267351" cy="254316"/>
+            </a:xfrm>
+            <a:prstGeom prst="rect">
+              <a:avLst/>
+            </a:prstGeom>
+          </p:spPr>
+        </p:pic>
+        <p:sp>
+          <p:nvSpPr>
+            <p:cNvPr id="138" name="TextBox 137"/>
+            <p:cNvSpPr txBox="1"/>
+            <p:nvPr/>
+          </p:nvSpPr>
+          <p:spPr>
+            <a:xfrm>
+              <a:off x="7317277" y="1953594"/>
+              <a:ext cx="1681579" cy="461665"/>
+            </a:xfrm>
+            <a:prstGeom prst="rect">
+              <a:avLst/>
+            </a:prstGeom>
+            <a:noFill/>
+          </p:spPr>
+          <p:txBody>
+            <a:bodyPr wrap="square" rtlCol="0">
+              <a:spAutoFit/>
+            </a:bodyPr>
+            <a:lstStyle/>
+            <a:p>
+              <a:pPr algn="ctr"/>
+              <a:r>
+                <a:rPr lang="en-US" sz="2400" dirty="0" smtClean="0"/>
+                <a:t>(        ,  </a:t>
+              </a:r>
+              <a:r>
+                <a:rPr lang="en-US" sz="2400" dirty="0"/>
+                <a:t>1</a:t>
+              </a:r>
+              <a:r>
+                <a:rPr lang="en-US" sz="2400" dirty="0" smtClean="0"/>
+                <a:t>  </a:t>
+              </a:r>
+              <a:r>
+                <a:rPr lang="en-US" sz="2400" dirty="0" smtClean="0"/>
+                <a:t>)</a:t>
+              </a:r>
+              <a:endParaRPr lang="en-US" sz="2400" dirty="0"/>
+            </a:p>
+          </p:txBody>
+        </p:sp>
+      </p:grpSp>
+      <p:grpSp>
+        <p:nvGrpSpPr>
+          <p:cNvPr id="139" name="Group 138"/>
+          <p:cNvGrpSpPr/>
+          <p:nvPr/>
+        </p:nvGrpSpPr>
+        <p:grpSpPr>
+          <a:xfrm>
+            <a:off x="4021948" y="2405915"/>
+            <a:ext cx="1765415" cy="461665"/>
+            <a:chOff x="7349671" y="1496230"/>
+            <a:chExt cx="1765415" cy="461665"/>
+          </a:xfrm>
+        </p:grpSpPr>
+        <p:sp>
+          <p:nvSpPr>
+            <p:cNvPr id="140" name="Rectangle 139"/>
+            <p:cNvSpPr>
+              <a:spLocks noChangeAspect="1"/>
+            </p:cNvSpPr>
+            <p:nvPr/>
+          </p:nvSpPr>
+          <p:spPr>
+            <a:xfrm>
+              <a:off x="7740173" y="1649613"/>
+              <a:ext cx="215467" cy="225300"/>
+            </a:xfrm>
+            <a:prstGeom prst="rect">
+              <a:avLst/>
+            </a:prstGeom>
+            <a:solidFill>
+              <a:srgbClr val="800000"/>
+            </a:solidFill>
+            <a:ln>
+              <a:solidFill>
+                <a:srgbClr val="000000"/>
+              </a:solidFill>
+            </a:ln>
+          </p:spPr>
+          <p:style>
+            <a:lnRef idx="1">
+              <a:schemeClr val="accent1"/>
+            </a:lnRef>
+            <a:fillRef idx="3">
+              <a:schemeClr val="accent1"/>
+            </a:fillRef>
+            <a:effectRef idx="2">
+              <a:schemeClr val="accent1"/>
+            </a:effectRef>
+            <a:fontRef idx="minor">
+              <a:schemeClr val="lt1"/>
+            </a:fontRef>
+          </p:style>
+          <p:txBody>
+            <a:bodyPr rtlCol="0" anchor="ctr"/>
+            <a:lstStyle/>
+            <a:p>
+              <a:pPr algn="ctr"/>
+              <a:endParaRPr lang="en-US"/>
+            </a:p>
+          </p:txBody>
+        </p:sp>
+        <p:sp>
+          <p:nvSpPr>
+            <p:cNvPr id="141" name="TextBox 140"/>
+            <p:cNvSpPr txBox="1"/>
+            <p:nvPr/>
+          </p:nvSpPr>
+          <p:spPr>
+            <a:xfrm>
+              <a:off x="7349671" y="1496230"/>
+              <a:ext cx="1765415" cy="461665"/>
+            </a:xfrm>
+            <a:prstGeom prst="rect">
+              <a:avLst/>
+            </a:prstGeom>
+            <a:noFill/>
+          </p:spPr>
+          <p:txBody>
+            <a:bodyPr wrap="square" rtlCol="0">
+              <a:spAutoFit/>
+            </a:bodyPr>
+            <a:lstStyle/>
+            <a:p>
+              <a:pPr algn="ctr"/>
+              <a:r>
+                <a:rPr lang="en-US" sz="2400" dirty="0" smtClean="0"/>
+                <a:t>(        ,  </a:t>
+              </a:r>
+              <a:r>
+                <a:rPr lang="en-US" sz="2400" dirty="0" smtClean="0"/>
+                <a:t>1  </a:t>
+              </a:r>
+              <a:r>
+                <a:rPr lang="en-US" sz="2400" dirty="0" smtClean="0"/>
+                <a:t>)</a:t>
+              </a:r>
+              <a:endParaRPr lang="en-US" sz="2400" dirty="0"/>
+            </a:p>
+          </p:txBody>
+        </p:sp>
+      </p:grpSp>
+      <p:grpSp>
+        <p:nvGrpSpPr>
+          <p:cNvPr id="142" name="Group 141"/>
+          <p:cNvGrpSpPr/>
+          <p:nvPr/>
+        </p:nvGrpSpPr>
+        <p:grpSpPr>
+          <a:xfrm>
+            <a:off x="3992890" y="2647265"/>
+            <a:ext cx="1765415" cy="461665"/>
+            <a:chOff x="7349671" y="1496230"/>
+            <a:chExt cx="1765415" cy="461665"/>
+          </a:xfrm>
+        </p:grpSpPr>
+        <p:sp>
+          <p:nvSpPr>
+            <p:cNvPr id="143" name="Rectangle 142"/>
+            <p:cNvSpPr>
+              <a:spLocks noChangeAspect="1"/>
+            </p:cNvSpPr>
+            <p:nvPr/>
+          </p:nvSpPr>
+          <p:spPr>
+            <a:xfrm>
+              <a:off x="7740173" y="1649613"/>
+              <a:ext cx="215467" cy="225300"/>
+            </a:xfrm>
+            <a:prstGeom prst="rect">
+              <a:avLst/>
+            </a:prstGeom>
+            <a:solidFill>
+              <a:srgbClr val="800000"/>
+            </a:solidFill>
+            <a:ln>
+              <a:solidFill>
+                <a:srgbClr val="000000"/>
+              </a:solidFill>
+            </a:ln>
+          </p:spPr>
+          <p:style>
+            <a:lnRef idx="1">
+              <a:schemeClr val="accent1"/>
+            </a:lnRef>
+            <a:fillRef idx="3">
+              <a:schemeClr val="accent1"/>
+            </a:fillRef>
+            <a:effectRef idx="2">
+              <a:schemeClr val="accent1"/>
+            </a:effectRef>
+            <a:fontRef idx="minor">
+              <a:schemeClr val="lt1"/>
+            </a:fontRef>
+          </p:style>
+          <p:txBody>
+            <a:bodyPr rtlCol="0" anchor="ctr"/>
+            <a:lstStyle/>
+            <a:p>
+              <a:pPr algn="ctr"/>
+              <a:endParaRPr lang="en-US"/>
+            </a:p>
+          </p:txBody>
+        </p:sp>
+        <p:sp>
+          <p:nvSpPr>
+            <p:cNvPr id="144" name="TextBox 143"/>
+            <p:cNvSpPr txBox="1"/>
+            <p:nvPr/>
+          </p:nvSpPr>
+          <p:spPr>
+            <a:xfrm>
+              <a:off x="7349671" y="1496230"/>
+              <a:ext cx="1765415" cy="461665"/>
+            </a:xfrm>
+            <a:prstGeom prst="rect">
+              <a:avLst/>
+            </a:prstGeom>
+            <a:noFill/>
+          </p:spPr>
+          <p:txBody>
+            <a:bodyPr wrap="square" rtlCol="0">
+              <a:spAutoFit/>
+            </a:bodyPr>
+            <a:lstStyle/>
+            <a:p>
+              <a:pPr algn="ctr"/>
+              <a:r>
+                <a:rPr lang="en-US" sz="2400" dirty="0" smtClean="0"/>
+                <a:t>(        ,  </a:t>
+              </a:r>
+              <a:r>
+                <a:rPr lang="en-US" sz="2400" dirty="0" smtClean="0"/>
+                <a:t>1  </a:t>
+              </a:r>
+              <a:r>
+                <a:rPr lang="en-US" sz="2400" dirty="0" smtClean="0"/>
+                <a:t>)</a:t>
+              </a:r>
+              <a:endParaRPr lang="en-US" sz="2400" dirty="0"/>
+            </a:p>
+          </p:txBody>
+        </p:sp>
+      </p:grpSp>
+      <p:grpSp>
+        <p:nvGrpSpPr>
+          <p:cNvPr id="146" name="Group 145"/>
+          <p:cNvGrpSpPr/>
+          <p:nvPr/>
+        </p:nvGrpSpPr>
+        <p:grpSpPr>
+          <a:xfrm>
+            <a:off x="3989285" y="2931203"/>
+            <a:ext cx="1765415" cy="461665"/>
+            <a:chOff x="7349671" y="1496230"/>
+            <a:chExt cx="1765415" cy="461665"/>
+          </a:xfrm>
+        </p:grpSpPr>
+        <p:sp>
+          <p:nvSpPr>
+            <p:cNvPr id="147" name="Rectangle 146"/>
+            <p:cNvSpPr>
+              <a:spLocks noChangeAspect="1"/>
+            </p:cNvSpPr>
+            <p:nvPr/>
+          </p:nvSpPr>
+          <p:spPr>
+            <a:xfrm>
+              <a:off x="7740173" y="1649613"/>
+              <a:ext cx="215467" cy="225300"/>
+            </a:xfrm>
+            <a:prstGeom prst="rect">
+              <a:avLst/>
+            </a:prstGeom>
+            <a:solidFill>
+              <a:srgbClr val="800000"/>
+            </a:solidFill>
+            <a:ln>
+              <a:solidFill>
+                <a:srgbClr val="000000"/>
+              </a:solidFill>
+            </a:ln>
+          </p:spPr>
+          <p:style>
+            <a:lnRef idx="1">
+              <a:schemeClr val="accent1"/>
+            </a:lnRef>
+            <a:fillRef idx="3">
+              <a:schemeClr val="accent1"/>
+            </a:fillRef>
+            <a:effectRef idx="2">
+              <a:schemeClr val="accent1"/>
+            </a:effectRef>
+            <a:fontRef idx="minor">
+              <a:schemeClr val="lt1"/>
+            </a:fontRef>
+          </p:style>
+          <p:txBody>
+            <a:bodyPr rtlCol="0" anchor="ctr"/>
+            <a:lstStyle/>
+            <a:p>
+              <a:pPr algn="ctr"/>
+              <a:endParaRPr lang="en-US"/>
+            </a:p>
+          </p:txBody>
+        </p:sp>
+        <p:sp>
+          <p:nvSpPr>
+            <p:cNvPr id="148" name="TextBox 147"/>
+            <p:cNvSpPr txBox="1"/>
+            <p:nvPr/>
+          </p:nvSpPr>
+          <p:spPr>
+            <a:xfrm>
+              <a:off x="7349671" y="1496230"/>
+              <a:ext cx="1765415" cy="461665"/>
+            </a:xfrm>
+            <a:prstGeom prst="rect">
+              <a:avLst/>
+            </a:prstGeom>
+            <a:noFill/>
+          </p:spPr>
+          <p:txBody>
+            <a:bodyPr wrap="square" rtlCol="0">
+              <a:spAutoFit/>
+            </a:bodyPr>
+            <a:lstStyle/>
+            <a:p>
+              <a:pPr algn="ctr"/>
+              <a:r>
+                <a:rPr lang="en-US" sz="2400" dirty="0" smtClean="0"/>
+                <a:t>(        ,  </a:t>
+              </a:r>
+              <a:r>
+                <a:rPr lang="en-US" sz="2400" dirty="0" smtClean="0"/>
+                <a:t>1  </a:t>
+              </a:r>
+              <a:r>
+                <a:rPr lang="en-US" sz="2400" dirty="0" smtClean="0"/>
+                <a:t>)</a:t>
+              </a:r>
+              <a:endParaRPr lang="en-US" sz="2400" dirty="0"/>
+            </a:p>
+          </p:txBody>
+        </p:sp>
+      </p:grpSp>
+      <p:grpSp>
+        <p:nvGrpSpPr>
+          <p:cNvPr id="149" name="Group 148"/>
+          <p:cNvGrpSpPr/>
+          <p:nvPr/>
+        </p:nvGrpSpPr>
+        <p:grpSpPr>
+          <a:xfrm>
+            <a:off x="4125877" y="3397672"/>
+            <a:ext cx="1440990" cy="409575"/>
+            <a:chOff x="7317277" y="2347334"/>
+            <a:chExt cx="1681579" cy="461665"/>
+          </a:xfrm>
+        </p:grpSpPr>
+        <p:sp>
+          <p:nvSpPr>
+            <p:cNvPr id="150" name="Oval 149"/>
+            <p:cNvSpPr>
+              <a:spLocks noChangeAspect="1"/>
+            </p:cNvSpPr>
+            <p:nvPr/>
+          </p:nvSpPr>
+          <p:spPr>
+            <a:xfrm>
+              <a:off x="7740173" y="2481278"/>
+              <a:ext cx="252626" cy="245554"/>
+            </a:xfrm>
+            <a:prstGeom prst="ellipse">
+              <a:avLst/>
+            </a:prstGeom>
+            <a:solidFill>
+              <a:srgbClr val="0000FF"/>
+            </a:solidFill>
+            <a:ln>
+              <a:solidFill>
+                <a:schemeClr val="tx1"/>
+              </a:solidFill>
+            </a:ln>
+          </p:spPr>
+          <p:style>
+            <a:lnRef idx="1">
+              <a:schemeClr val="accent1"/>
+            </a:lnRef>
+            <a:fillRef idx="3">
+              <a:schemeClr val="accent1"/>
+            </a:fillRef>
+            <a:effectRef idx="2">
+              <a:schemeClr val="accent1"/>
+            </a:effectRef>
+            <a:fontRef idx="minor">
+              <a:schemeClr val="lt1"/>
+            </a:fontRef>
+          </p:style>
+          <p:txBody>
+            <a:bodyPr rtlCol="0" anchor="ctr"/>
+            <a:lstStyle/>
+            <a:p>
+              <a:pPr algn="ctr"/>
+              <a:endParaRPr lang="en-US"/>
+            </a:p>
+          </p:txBody>
+        </p:sp>
+        <p:sp>
+          <p:nvSpPr>
+            <p:cNvPr id="151" name="TextBox 150"/>
+            <p:cNvSpPr txBox="1"/>
+            <p:nvPr/>
+          </p:nvSpPr>
+          <p:spPr>
+            <a:xfrm>
+              <a:off x="7317277" y="2347334"/>
+              <a:ext cx="1681579" cy="461665"/>
+            </a:xfrm>
+            <a:prstGeom prst="rect">
+              <a:avLst/>
+            </a:prstGeom>
+            <a:noFill/>
+          </p:spPr>
+          <p:txBody>
+            <a:bodyPr wrap="square" rtlCol="0">
+              <a:spAutoFit/>
+            </a:bodyPr>
+            <a:lstStyle/>
+            <a:p>
+              <a:pPr algn="ctr"/>
+              <a:r>
+                <a:rPr lang="en-US" sz="2400" dirty="0" smtClean="0"/>
+                <a:t>(        , </a:t>
+              </a:r>
+              <a:r>
+                <a:rPr lang="en-US" sz="2400" dirty="0" smtClean="0"/>
+                <a:t> 1  </a:t>
+              </a:r>
+              <a:r>
+                <a:rPr lang="en-US" sz="2400" dirty="0" smtClean="0"/>
+                <a:t>)</a:t>
+              </a:r>
+              <a:endParaRPr lang="en-US" sz="2400" dirty="0"/>
+            </a:p>
+          </p:txBody>
+        </p:sp>
+      </p:grpSp>
+      <p:grpSp>
+        <p:nvGrpSpPr>
+          <p:cNvPr id="158" name="Group 157"/>
+          <p:cNvGrpSpPr/>
+          <p:nvPr/>
+        </p:nvGrpSpPr>
+        <p:grpSpPr>
+          <a:xfrm>
+            <a:off x="4007328" y="3198167"/>
+            <a:ext cx="1681579" cy="461665"/>
+            <a:chOff x="7317277" y="2347334"/>
+            <a:chExt cx="1681579" cy="461665"/>
+          </a:xfrm>
+        </p:grpSpPr>
+        <p:sp>
+          <p:nvSpPr>
+            <p:cNvPr id="159" name="Oval 158"/>
+            <p:cNvSpPr>
+              <a:spLocks noChangeAspect="1"/>
+            </p:cNvSpPr>
+            <p:nvPr/>
+          </p:nvSpPr>
+          <p:spPr>
+            <a:xfrm>
+              <a:off x="7740173" y="2481278"/>
+              <a:ext cx="252626" cy="245554"/>
+            </a:xfrm>
+            <a:prstGeom prst="ellipse">
+              <a:avLst/>
+            </a:prstGeom>
+            <a:solidFill>
+              <a:srgbClr val="0000FF"/>
+            </a:solidFill>
+            <a:ln>
+              <a:solidFill>
+                <a:schemeClr val="tx1"/>
+              </a:solidFill>
+            </a:ln>
+          </p:spPr>
+          <p:style>
+            <a:lnRef idx="1">
+              <a:schemeClr val="accent1"/>
+            </a:lnRef>
+            <a:fillRef idx="3">
+              <a:schemeClr val="accent1"/>
+            </a:fillRef>
+            <a:effectRef idx="2">
+              <a:schemeClr val="accent1"/>
+            </a:effectRef>
+            <a:fontRef idx="minor">
+              <a:schemeClr val="lt1"/>
+            </a:fontRef>
+          </p:style>
+          <p:txBody>
+            <a:bodyPr rtlCol="0" anchor="ctr"/>
+            <a:lstStyle/>
+            <a:p>
+              <a:pPr algn="ctr"/>
+              <a:endParaRPr lang="en-US"/>
+            </a:p>
+          </p:txBody>
+        </p:sp>
+        <p:sp>
+          <p:nvSpPr>
+            <p:cNvPr id="160" name="TextBox 159"/>
+            <p:cNvSpPr txBox="1"/>
+            <p:nvPr/>
+          </p:nvSpPr>
+          <p:spPr>
+            <a:xfrm>
+              <a:off x="7317277" y="2347334"/>
+              <a:ext cx="1681579" cy="461665"/>
+            </a:xfrm>
+            <a:prstGeom prst="rect">
+              <a:avLst/>
+            </a:prstGeom>
+            <a:noFill/>
+          </p:spPr>
+          <p:txBody>
+            <a:bodyPr wrap="square" rtlCol="0">
+              <a:spAutoFit/>
+            </a:bodyPr>
+            <a:lstStyle/>
+            <a:p>
+              <a:pPr algn="ctr"/>
+              <a:r>
+                <a:rPr lang="en-US" sz="2400" dirty="0" smtClean="0"/>
+                <a:t>(        , </a:t>
+              </a:r>
+              <a:r>
+                <a:rPr lang="en-US" sz="2400" dirty="0" smtClean="0"/>
+                <a:t> 1  </a:t>
+              </a:r>
+              <a:r>
+                <a:rPr lang="en-US" sz="2400" dirty="0" smtClean="0"/>
+                <a:t>)</a:t>
+              </a:r>
+              <a:endParaRPr lang="en-US" sz="2400" dirty="0"/>
+            </a:p>
+          </p:txBody>
+        </p:sp>
+      </p:grpSp>
+      <p:grpSp>
+        <p:nvGrpSpPr>
+          <p:cNvPr id="162" name="Group 161"/>
+          <p:cNvGrpSpPr/>
+          <p:nvPr/>
+        </p:nvGrpSpPr>
+        <p:grpSpPr>
+          <a:xfrm>
+            <a:off x="4125089" y="3523891"/>
+            <a:ext cx="1681579" cy="461665"/>
+            <a:chOff x="7317277" y="3203213"/>
+            <a:chExt cx="1681579" cy="461665"/>
+          </a:xfrm>
+        </p:grpSpPr>
+        <p:sp>
+          <p:nvSpPr>
+            <p:cNvPr id="163" name="Isosceles Triangle 128"/>
+            <p:cNvSpPr>
+              <a:spLocks noChangeAspect="1"/>
+            </p:cNvSpPr>
+            <p:nvPr/>
+          </p:nvSpPr>
+          <p:spPr>
+            <a:xfrm>
+              <a:off x="7740173" y="3322030"/>
+              <a:ext cx="279936" cy="204591"/>
+            </a:xfrm>
+            <a:prstGeom prst="triangle">
+              <a:avLst/>
+            </a:prstGeom>
+            <a:solidFill>
+              <a:schemeClr val="accent6">
+                <a:lumMod val="75000"/>
+              </a:schemeClr>
+            </a:solidFill>
+            <a:ln>
+              <a:solidFill>
+                <a:srgbClr val="000000"/>
+              </a:solidFill>
+            </a:ln>
+          </p:spPr>
+          <p:style>
+            <a:lnRef idx="1">
+              <a:schemeClr val="accent1"/>
+            </a:lnRef>
+            <a:fillRef idx="3">
+              <a:schemeClr val="accent1"/>
+            </a:fillRef>
+            <a:effectRef idx="2">
+              <a:schemeClr val="accent1"/>
+            </a:effectRef>
+            <a:fontRef idx="minor">
+              <a:schemeClr val="lt1"/>
+            </a:fontRef>
+          </p:style>
+          <p:txBody>
+            <a:bodyPr rtlCol="0" anchor="ctr"/>
+            <a:lstStyle/>
+            <a:p>
+              <a:pPr algn="ctr"/>
+              <a:endParaRPr lang="en-US"/>
+            </a:p>
+          </p:txBody>
+        </p:sp>
+        <p:sp>
+          <p:nvSpPr>
+            <p:cNvPr id="164" name="TextBox 163"/>
+            <p:cNvSpPr txBox="1"/>
+            <p:nvPr/>
+          </p:nvSpPr>
+          <p:spPr>
+            <a:xfrm>
+              <a:off x="7317277" y="3203213"/>
+              <a:ext cx="1681579" cy="461665"/>
+            </a:xfrm>
+            <a:prstGeom prst="rect">
+              <a:avLst/>
+            </a:prstGeom>
+            <a:noFill/>
+          </p:spPr>
+          <p:txBody>
+            <a:bodyPr wrap="square" rtlCol="0">
+              <a:spAutoFit/>
+            </a:bodyPr>
+            <a:lstStyle/>
+            <a:p>
+              <a:pPr algn="ctr"/>
+              <a:r>
+                <a:rPr lang="en-US" sz="2400" dirty="0" smtClean="0"/>
+                <a:t>(        ,  </a:t>
+              </a:r>
+              <a:r>
+                <a:rPr lang="en-US" sz="2400" dirty="0"/>
+                <a:t>1</a:t>
+              </a:r>
+              <a:r>
+                <a:rPr lang="en-US" sz="2400" dirty="0" smtClean="0"/>
+                <a:t>  </a:t>
+              </a:r>
+              <a:r>
+                <a:rPr lang="en-US" sz="2400" dirty="0" smtClean="0"/>
+                <a:t>)</a:t>
+              </a:r>
+              <a:endParaRPr lang="en-US" sz="2400" dirty="0"/>
+            </a:p>
+          </p:txBody>
+        </p:sp>
+      </p:grpSp>
+      <p:grpSp>
+        <p:nvGrpSpPr>
+          <p:cNvPr id="165" name="Group 164"/>
+          <p:cNvGrpSpPr/>
+          <p:nvPr/>
+        </p:nvGrpSpPr>
+        <p:grpSpPr>
+          <a:xfrm>
+            <a:off x="4021649" y="3885746"/>
+            <a:ext cx="1681579" cy="461665"/>
+            <a:chOff x="7317277" y="2347334"/>
+            <a:chExt cx="1681579" cy="461665"/>
+          </a:xfrm>
+        </p:grpSpPr>
+        <p:sp>
+          <p:nvSpPr>
+            <p:cNvPr id="166" name="Oval 165"/>
+            <p:cNvSpPr>
+              <a:spLocks noChangeAspect="1"/>
+            </p:cNvSpPr>
+            <p:nvPr/>
+          </p:nvSpPr>
+          <p:spPr>
+            <a:xfrm>
+              <a:off x="7740173" y="2481278"/>
+              <a:ext cx="252626" cy="245554"/>
+            </a:xfrm>
+            <a:prstGeom prst="ellipse">
+              <a:avLst/>
+            </a:prstGeom>
+            <a:solidFill>
+              <a:srgbClr val="0000FF"/>
+            </a:solidFill>
+            <a:ln>
+              <a:solidFill>
+                <a:schemeClr val="tx1"/>
+              </a:solidFill>
+            </a:ln>
+          </p:spPr>
+          <p:style>
+            <a:lnRef idx="1">
+              <a:schemeClr val="accent1"/>
+            </a:lnRef>
+            <a:fillRef idx="3">
+              <a:schemeClr val="accent1"/>
+            </a:fillRef>
+            <a:effectRef idx="2">
+              <a:schemeClr val="accent1"/>
+            </a:effectRef>
+            <a:fontRef idx="minor">
+              <a:schemeClr val="lt1"/>
+            </a:fontRef>
+          </p:style>
+          <p:txBody>
+            <a:bodyPr rtlCol="0" anchor="ctr"/>
+            <a:lstStyle/>
+            <a:p>
+              <a:pPr algn="ctr"/>
+              <a:endParaRPr lang="en-US"/>
+            </a:p>
+          </p:txBody>
+        </p:sp>
+        <p:sp>
+          <p:nvSpPr>
+            <p:cNvPr id="167" name="TextBox 166"/>
+            <p:cNvSpPr txBox="1"/>
+            <p:nvPr/>
+          </p:nvSpPr>
+          <p:spPr>
+            <a:xfrm>
+              <a:off x="7317277" y="2347334"/>
+              <a:ext cx="1681579" cy="461665"/>
+            </a:xfrm>
+            <a:prstGeom prst="rect">
+              <a:avLst/>
+            </a:prstGeom>
+            <a:noFill/>
+          </p:spPr>
+          <p:txBody>
+            <a:bodyPr wrap="square" rtlCol="0">
+              <a:spAutoFit/>
+            </a:bodyPr>
+            <a:lstStyle/>
+            <a:p>
+              <a:pPr algn="ctr"/>
+              <a:r>
+                <a:rPr lang="en-US" sz="2400" dirty="0" smtClean="0"/>
+                <a:t>(        , </a:t>
+              </a:r>
+              <a:r>
+                <a:rPr lang="en-US" sz="2400" dirty="0" smtClean="0"/>
+                <a:t> 1  </a:t>
+              </a:r>
+              <a:r>
+                <a:rPr lang="en-US" sz="2400" dirty="0" smtClean="0"/>
+                <a:t>)</a:t>
+              </a:r>
+              <a:endParaRPr lang="en-US" sz="2400" dirty="0"/>
+            </a:p>
+          </p:txBody>
+        </p:sp>
+      </p:grpSp>
+      <p:grpSp>
+        <p:nvGrpSpPr>
+          <p:cNvPr id="168" name="Group 167"/>
+          <p:cNvGrpSpPr/>
+          <p:nvPr/>
+        </p:nvGrpSpPr>
+        <p:grpSpPr>
+          <a:xfrm>
+            <a:off x="4056620" y="4104373"/>
+            <a:ext cx="1681579" cy="461665"/>
+            <a:chOff x="7317277" y="2347334"/>
+            <a:chExt cx="1681579" cy="461665"/>
+          </a:xfrm>
+        </p:grpSpPr>
+        <p:sp>
+          <p:nvSpPr>
+            <p:cNvPr id="169" name="Oval 168"/>
+            <p:cNvSpPr>
+              <a:spLocks noChangeAspect="1"/>
+            </p:cNvSpPr>
+            <p:nvPr/>
+          </p:nvSpPr>
+          <p:spPr>
+            <a:xfrm>
+              <a:off x="7740173" y="2481278"/>
+              <a:ext cx="252626" cy="245554"/>
+            </a:xfrm>
+            <a:prstGeom prst="ellipse">
+              <a:avLst/>
+            </a:prstGeom>
+            <a:solidFill>
+              <a:srgbClr val="0000FF"/>
+            </a:solidFill>
+            <a:ln>
+              <a:solidFill>
+                <a:schemeClr val="tx1"/>
+              </a:solidFill>
+            </a:ln>
+          </p:spPr>
+          <p:style>
+            <a:lnRef idx="1">
+              <a:schemeClr val="accent1"/>
+            </a:lnRef>
+            <a:fillRef idx="3">
+              <a:schemeClr val="accent1"/>
+            </a:fillRef>
+            <a:effectRef idx="2">
+              <a:schemeClr val="accent1"/>
+            </a:effectRef>
+            <a:fontRef idx="minor">
+              <a:schemeClr val="lt1"/>
+            </a:fontRef>
+          </p:style>
+          <p:txBody>
+            <a:bodyPr rtlCol="0" anchor="ctr"/>
+            <a:lstStyle/>
+            <a:p>
+              <a:pPr algn="ctr"/>
+              <a:endParaRPr lang="en-US"/>
+            </a:p>
+          </p:txBody>
+        </p:sp>
+        <p:sp>
+          <p:nvSpPr>
+            <p:cNvPr id="170" name="TextBox 169"/>
+            <p:cNvSpPr txBox="1"/>
+            <p:nvPr/>
+          </p:nvSpPr>
+          <p:spPr>
+            <a:xfrm>
+              <a:off x="7317277" y="2347334"/>
+              <a:ext cx="1681579" cy="461665"/>
+            </a:xfrm>
+            <a:prstGeom prst="rect">
+              <a:avLst/>
+            </a:prstGeom>
+            <a:noFill/>
+          </p:spPr>
+          <p:txBody>
+            <a:bodyPr wrap="square" rtlCol="0">
+              <a:spAutoFit/>
+            </a:bodyPr>
+            <a:lstStyle/>
+            <a:p>
+              <a:pPr algn="ctr"/>
+              <a:r>
+                <a:rPr lang="en-US" sz="2400" dirty="0" smtClean="0"/>
+                <a:t>(        , </a:t>
+              </a:r>
+              <a:r>
+                <a:rPr lang="en-US" sz="2400" dirty="0" smtClean="0"/>
+                <a:t> 1  </a:t>
+              </a:r>
+              <a:r>
+                <a:rPr lang="en-US" sz="2400" dirty="0" smtClean="0"/>
+                <a:t>)</a:t>
+              </a:r>
+              <a:endParaRPr lang="en-US" sz="2400" dirty="0"/>
+            </a:p>
+          </p:txBody>
+        </p:sp>
+      </p:grpSp>
+      <p:grpSp>
+        <p:nvGrpSpPr>
+          <p:cNvPr id="171" name="Group 170"/>
+          <p:cNvGrpSpPr/>
+          <p:nvPr/>
+        </p:nvGrpSpPr>
+        <p:grpSpPr>
+          <a:xfrm>
+            <a:off x="4052444" y="4594529"/>
+            <a:ext cx="1681579" cy="461665"/>
+            <a:chOff x="7317277" y="3203213"/>
+            <a:chExt cx="1681579" cy="461665"/>
+          </a:xfrm>
+        </p:grpSpPr>
+        <p:sp>
+          <p:nvSpPr>
+            <p:cNvPr id="172" name="Isosceles Triangle 128"/>
+            <p:cNvSpPr>
+              <a:spLocks noChangeAspect="1"/>
+            </p:cNvSpPr>
+            <p:nvPr/>
+          </p:nvSpPr>
+          <p:spPr>
+            <a:xfrm>
+              <a:off x="7740173" y="3322030"/>
+              <a:ext cx="279936" cy="204591"/>
+            </a:xfrm>
+            <a:prstGeom prst="triangle">
+              <a:avLst/>
+            </a:prstGeom>
+            <a:solidFill>
+              <a:schemeClr val="accent6">
+                <a:lumMod val="75000"/>
+              </a:schemeClr>
+            </a:solidFill>
+            <a:ln>
+              <a:solidFill>
+                <a:srgbClr val="000000"/>
+              </a:solidFill>
+            </a:ln>
+          </p:spPr>
+          <p:style>
+            <a:lnRef idx="1">
+              <a:schemeClr val="accent1"/>
+            </a:lnRef>
+            <a:fillRef idx="3">
+              <a:schemeClr val="accent1"/>
+            </a:fillRef>
+            <a:effectRef idx="2">
+              <a:schemeClr val="accent1"/>
+            </a:effectRef>
+            <a:fontRef idx="minor">
+              <a:schemeClr val="lt1"/>
+            </a:fontRef>
+          </p:style>
+          <p:txBody>
+            <a:bodyPr rtlCol="0" anchor="ctr"/>
+            <a:lstStyle/>
+            <a:p>
+              <a:pPr algn="ctr"/>
+              <a:endParaRPr lang="en-US"/>
+            </a:p>
+          </p:txBody>
+        </p:sp>
+        <p:sp>
+          <p:nvSpPr>
+            <p:cNvPr id="173" name="TextBox 172"/>
+            <p:cNvSpPr txBox="1"/>
+            <p:nvPr/>
+          </p:nvSpPr>
+          <p:spPr>
+            <a:xfrm>
+              <a:off x="7317277" y="3203213"/>
+              <a:ext cx="1681579" cy="461665"/>
+            </a:xfrm>
+            <a:prstGeom prst="rect">
+              <a:avLst/>
+            </a:prstGeom>
+            <a:noFill/>
+          </p:spPr>
+          <p:txBody>
+            <a:bodyPr wrap="square" rtlCol="0">
+              <a:spAutoFit/>
+            </a:bodyPr>
+            <a:lstStyle/>
+            <a:p>
+              <a:pPr algn="ctr"/>
+              <a:r>
+                <a:rPr lang="en-US" sz="2400" dirty="0" smtClean="0"/>
+                <a:t>(        ,  </a:t>
+              </a:r>
+              <a:r>
+                <a:rPr lang="en-US" sz="2400" dirty="0"/>
+                <a:t>1</a:t>
+              </a:r>
+              <a:r>
+                <a:rPr lang="en-US" sz="2400" dirty="0" smtClean="0"/>
+                <a:t>  </a:t>
+              </a:r>
+              <a:r>
+                <a:rPr lang="en-US" sz="2400" dirty="0" smtClean="0"/>
+                <a:t>)</a:t>
+              </a:r>
+              <a:endParaRPr lang="en-US" sz="2400" dirty="0"/>
+            </a:p>
+          </p:txBody>
+        </p:sp>
+      </p:grpSp>
+      <p:grpSp>
+        <p:nvGrpSpPr>
+          <p:cNvPr id="174" name="Group 173"/>
+          <p:cNvGrpSpPr/>
+          <p:nvPr/>
+        </p:nvGrpSpPr>
+        <p:grpSpPr>
+          <a:xfrm>
+            <a:off x="4066448" y="5031314"/>
+            <a:ext cx="1622459" cy="461665"/>
+            <a:chOff x="7317277" y="2805943"/>
+            <a:chExt cx="1681579" cy="544789"/>
+          </a:xfrm>
+        </p:grpSpPr>
+        <p:sp>
+          <p:nvSpPr>
+            <p:cNvPr id="175" name="Heart 174"/>
+            <p:cNvSpPr>
+              <a:spLocks noChangeAspect="1"/>
+            </p:cNvSpPr>
+            <p:nvPr/>
+          </p:nvSpPr>
+          <p:spPr>
+            <a:xfrm>
+              <a:off x="7729144" y="2917574"/>
+              <a:ext cx="252626" cy="231900"/>
+            </a:xfrm>
+            <a:prstGeom prst="heart">
+              <a:avLst/>
+            </a:prstGeom>
+            <a:solidFill>
+              <a:srgbClr val="008000"/>
+            </a:solidFill>
+            <a:ln>
+              <a:solidFill>
+                <a:srgbClr val="000000"/>
+              </a:solidFill>
+            </a:ln>
+          </p:spPr>
+          <p:style>
+            <a:lnRef idx="1">
+              <a:schemeClr val="accent1"/>
+            </a:lnRef>
+            <a:fillRef idx="3">
+              <a:schemeClr val="accent1"/>
+            </a:fillRef>
+            <a:effectRef idx="2">
+              <a:schemeClr val="accent1"/>
+            </a:effectRef>
+            <a:fontRef idx="minor">
+              <a:schemeClr val="lt1"/>
+            </a:fontRef>
+          </p:style>
+          <p:txBody>
+            <a:bodyPr rtlCol="0" anchor="ctr"/>
+            <a:lstStyle/>
+            <a:p>
+              <a:pPr algn="ctr"/>
+              <a:endParaRPr lang="en-US"/>
+            </a:p>
+          </p:txBody>
+        </p:sp>
+        <p:sp>
+          <p:nvSpPr>
+            <p:cNvPr id="176" name="TextBox 175"/>
+            <p:cNvSpPr txBox="1"/>
+            <p:nvPr/>
+          </p:nvSpPr>
+          <p:spPr>
+            <a:xfrm>
+              <a:off x="7317277" y="2805943"/>
+              <a:ext cx="1681579" cy="544789"/>
+            </a:xfrm>
+            <a:prstGeom prst="rect">
+              <a:avLst/>
+            </a:prstGeom>
+            <a:noFill/>
+          </p:spPr>
+          <p:txBody>
+            <a:bodyPr wrap="square" rtlCol="0">
+              <a:spAutoFit/>
+            </a:bodyPr>
+            <a:lstStyle/>
+            <a:p>
+              <a:pPr algn="ctr"/>
+              <a:r>
+                <a:rPr lang="en-US" sz="2400" dirty="0" smtClean="0"/>
+                <a:t>(        ,  </a:t>
+              </a:r>
+              <a:r>
+                <a:rPr lang="en-US" sz="2400" dirty="0"/>
+                <a:t>1</a:t>
+              </a:r>
+              <a:r>
+                <a:rPr lang="en-US" sz="2400" dirty="0" smtClean="0"/>
+                <a:t>  </a:t>
+              </a:r>
+              <a:r>
+                <a:rPr lang="en-US" sz="2400" dirty="0" smtClean="0"/>
+                <a:t>)</a:t>
+              </a:r>
+              <a:endParaRPr lang="en-US" sz="2400" dirty="0"/>
+            </a:p>
+          </p:txBody>
+        </p:sp>
+      </p:grpSp>
+      <p:grpSp>
+        <p:nvGrpSpPr>
+          <p:cNvPr id="177" name="Group 176"/>
+          <p:cNvGrpSpPr/>
+          <p:nvPr/>
+        </p:nvGrpSpPr>
+        <p:grpSpPr>
+          <a:xfrm>
+            <a:off x="4172710" y="4866207"/>
+            <a:ext cx="1622459" cy="461665"/>
+            <a:chOff x="7317277" y="2805943"/>
+            <a:chExt cx="1681579" cy="544789"/>
+          </a:xfrm>
+        </p:grpSpPr>
+        <p:sp>
+          <p:nvSpPr>
+            <p:cNvPr id="178" name="Heart 177"/>
+            <p:cNvSpPr>
+              <a:spLocks noChangeAspect="1"/>
+            </p:cNvSpPr>
+            <p:nvPr/>
+          </p:nvSpPr>
+          <p:spPr>
+            <a:xfrm>
+              <a:off x="7729144" y="2917574"/>
+              <a:ext cx="252626" cy="231900"/>
+            </a:xfrm>
+            <a:prstGeom prst="heart">
+              <a:avLst/>
+            </a:prstGeom>
+            <a:solidFill>
+              <a:srgbClr val="008000"/>
+            </a:solidFill>
+            <a:ln>
+              <a:solidFill>
+                <a:srgbClr val="000000"/>
+              </a:solidFill>
+            </a:ln>
+          </p:spPr>
+          <p:style>
+            <a:lnRef idx="1">
+              <a:schemeClr val="accent1"/>
+            </a:lnRef>
+            <a:fillRef idx="3">
+              <a:schemeClr val="accent1"/>
+            </a:fillRef>
+            <a:effectRef idx="2">
+              <a:schemeClr val="accent1"/>
+            </a:effectRef>
+            <a:fontRef idx="minor">
+              <a:schemeClr val="lt1"/>
+            </a:fontRef>
+          </p:style>
+          <p:txBody>
+            <a:bodyPr rtlCol="0" anchor="ctr"/>
+            <a:lstStyle/>
+            <a:p>
+              <a:pPr algn="ctr"/>
+              <a:endParaRPr lang="en-US"/>
+            </a:p>
+          </p:txBody>
+        </p:sp>
+        <p:sp>
+          <p:nvSpPr>
+            <p:cNvPr id="179" name="TextBox 178"/>
+            <p:cNvSpPr txBox="1"/>
+            <p:nvPr/>
+          </p:nvSpPr>
+          <p:spPr>
+            <a:xfrm>
+              <a:off x="7317277" y="2805943"/>
+              <a:ext cx="1681579" cy="544789"/>
+            </a:xfrm>
+            <a:prstGeom prst="rect">
+              <a:avLst/>
+            </a:prstGeom>
+            <a:noFill/>
+          </p:spPr>
+          <p:txBody>
+            <a:bodyPr wrap="square" rtlCol="0">
+              <a:spAutoFit/>
+            </a:bodyPr>
+            <a:lstStyle/>
+            <a:p>
+              <a:pPr algn="ctr"/>
+              <a:r>
+                <a:rPr lang="en-US" sz="2400" dirty="0" smtClean="0"/>
+                <a:t>(        ,  </a:t>
+              </a:r>
+              <a:r>
+                <a:rPr lang="en-US" sz="2400" dirty="0"/>
+                <a:t>1</a:t>
+              </a:r>
+              <a:r>
+                <a:rPr lang="en-US" sz="2400" dirty="0" smtClean="0"/>
+                <a:t>  </a:t>
+              </a:r>
+              <a:r>
+                <a:rPr lang="en-US" sz="2400" dirty="0" smtClean="0"/>
+                <a:t>)</a:t>
+              </a:r>
+              <a:endParaRPr lang="en-US" sz="2400" dirty="0"/>
+            </a:p>
+          </p:txBody>
+        </p:sp>
+      </p:grpSp>
+      <p:grpSp>
+        <p:nvGrpSpPr>
+          <p:cNvPr id="180" name="Group 179"/>
+          <p:cNvGrpSpPr/>
+          <p:nvPr/>
+        </p:nvGrpSpPr>
+        <p:grpSpPr>
+          <a:xfrm>
+            <a:off x="4146530" y="4348856"/>
+            <a:ext cx="1765415" cy="461665"/>
+            <a:chOff x="7349671" y="1496230"/>
+            <a:chExt cx="1765415" cy="461665"/>
+          </a:xfrm>
+        </p:grpSpPr>
+        <p:sp>
+          <p:nvSpPr>
+            <p:cNvPr id="181" name="Rectangle 180"/>
+            <p:cNvSpPr>
+              <a:spLocks noChangeAspect="1"/>
+            </p:cNvSpPr>
+            <p:nvPr/>
+          </p:nvSpPr>
+          <p:spPr>
+            <a:xfrm>
+              <a:off x="7740173" y="1649613"/>
+              <a:ext cx="215467" cy="225300"/>
+            </a:xfrm>
+            <a:prstGeom prst="rect">
+              <a:avLst/>
+            </a:prstGeom>
+            <a:solidFill>
+              <a:srgbClr val="800000"/>
+            </a:solidFill>
+            <a:ln>
+              <a:solidFill>
+                <a:srgbClr val="000000"/>
+              </a:solidFill>
+            </a:ln>
+          </p:spPr>
+          <p:style>
+            <a:lnRef idx="1">
+              <a:schemeClr val="accent1"/>
+            </a:lnRef>
+            <a:fillRef idx="3">
+              <a:schemeClr val="accent1"/>
+            </a:fillRef>
+            <a:effectRef idx="2">
+              <a:schemeClr val="accent1"/>
+            </a:effectRef>
+            <a:fontRef idx="minor">
+              <a:schemeClr val="lt1"/>
+            </a:fontRef>
+          </p:style>
+          <p:txBody>
+            <a:bodyPr rtlCol="0" anchor="ctr"/>
+            <a:lstStyle/>
+            <a:p>
+              <a:pPr algn="ctr"/>
+              <a:endParaRPr lang="en-US"/>
+            </a:p>
+          </p:txBody>
+        </p:sp>
+        <p:sp>
+          <p:nvSpPr>
+            <p:cNvPr id="182" name="TextBox 181"/>
+            <p:cNvSpPr txBox="1"/>
+            <p:nvPr/>
+          </p:nvSpPr>
+          <p:spPr>
+            <a:xfrm>
+              <a:off x="7349671" y="1496230"/>
+              <a:ext cx="1765415" cy="461665"/>
+            </a:xfrm>
+            <a:prstGeom prst="rect">
+              <a:avLst/>
+            </a:prstGeom>
+            <a:noFill/>
+          </p:spPr>
+          <p:txBody>
+            <a:bodyPr wrap="square" rtlCol="0">
+              <a:spAutoFit/>
+            </a:bodyPr>
+            <a:lstStyle/>
+            <a:p>
+              <a:pPr algn="ctr"/>
+              <a:r>
+                <a:rPr lang="en-US" sz="2400" dirty="0" smtClean="0"/>
+                <a:t>(        ,  </a:t>
+              </a:r>
+              <a:r>
+                <a:rPr lang="en-US" sz="2400" dirty="0" smtClean="0"/>
+                <a:t>1  </a:t>
+              </a:r>
+              <a:r>
+                <a:rPr lang="en-US" sz="2400" dirty="0" smtClean="0"/>
+                <a:t>)</a:t>
+              </a:r>
+              <a:endParaRPr lang="en-US" sz="2400" dirty="0"/>
+            </a:p>
+          </p:txBody>
+        </p:sp>
+      </p:grpSp>
+      <p:grpSp>
+        <p:nvGrpSpPr>
+          <p:cNvPr id="183" name="Group 182"/>
+          <p:cNvGrpSpPr/>
+          <p:nvPr/>
+        </p:nvGrpSpPr>
+        <p:grpSpPr>
+          <a:xfrm>
+            <a:off x="4153011" y="6234697"/>
+            <a:ext cx="1681579" cy="461665"/>
+            <a:chOff x="7317277" y="3203213"/>
+            <a:chExt cx="1681579" cy="461665"/>
+          </a:xfrm>
+        </p:grpSpPr>
+        <p:sp>
+          <p:nvSpPr>
+            <p:cNvPr id="184" name="Isosceles Triangle 128"/>
+            <p:cNvSpPr>
+              <a:spLocks noChangeAspect="1"/>
+            </p:cNvSpPr>
+            <p:nvPr/>
+          </p:nvSpPr>
+          <p:spPr>
+            <a:xfrm>
+              <a:off x="7740173" y="3322030"/>
+              <a:ext cx="279936" cy="204591"/>
+            </a:xfrm>
+            <a:prstGeom prst="triangle">
+              <a:avLst/>
+            </a:prstGeom>
+            <a:solidFill>
+              <a:schemeClr val="accent6">
+                <a:lumMod val="75000"/>
+              </a:schemeClr>
+            </a:solidFill>
+            <a:ln>
+              <a:solidFill>
+                <a:srgbClr val="000000"/>
+              </a:solidFill>
+            </a:ln>
+          </p:spPr>
+          <p:style>
+            <a:lnRef idx="1">
+              <a:schemeClr val="accent1"/>
+            </a:lnRef>
+            <a:fillRef idx="3">
+              <a:schemeClr val="accent1"/>
+            </a:fillRef>
+            <a:effectRef idx="2">
+              <a:schemeClr val="accent1"/>
+            </a:effectRef>
+            <a:fontRef idx="minor">
+              <a:schemeClr val="lt1"/>
+            </a:fontRef>
+          </p:style>
+          <p:txBody>
+            <a:bodyPr rtlCol="0" anchor="ctr"/>
+            <a:lstStyle/>
+            <a:p>
+              <a:pPr algn="ctr"/>
+              <a:endParaRPr lang="en-US"/>
+            </a:p>
+          </p:txBody>
+        </p:sp>
+        <p:sp>
+          <p:nvSpPr>
+            <p:cNvPr id="185" name="TextBox 184"/>
+            <p:cNvSpPr txBox="1"/>
+            <p:nvPr/>
+          </p:nvSpPr>
+          <p:spPr>
+            <a:xfrm>
+              <a:off x="7317277" y="3203213"/>
+              <a:ext cx="1681579" cy="461665"/>
+            </a:xfrm>
+            <a:prstGeom prst="rect">
+              <a:avLst/>
+            </a:prstGeom>
+            <a:noFill/>
+          </p:spPr>
+          <p:txBody>
+            <a:bodyPr wrap="square" rtlCol="0">
+              <a:spAutoFit/>
+            </a:bodyPr>
+            <a:lstStyle/>
+            <a:p>
+              <a:pPr algn="ctr"/>
+              <a:r>
+                <a:rPr lang="en-US" sz="2400" dirty="0" smtClean="0"/>
+                <a:t>(        ,  </a:t>
+              </a:r>
+              <a:r>
+                <a:rPr lang="en-US" sz="2400" dirty="0"/>
+                <a:t>1</a:t>
+              </a:r>
+              <a:r>
+                <a:rPr lang="en-US" sz="2400" dirty="0" smtClean="0"/>
+                <a:t>  </a:t>
+              </a:r>
+              <a:r>
+                <a:rPr lang="en-US" sz="2400" dirty="0" smtClean="0"/>
+                <a:t>)</a:t>
+              </a:r>
+              <a:endParaRPr lang="en-US" sz="2400" dirty="0"/>
+            </a:p>
+          </p:txBody>
+        </p:sp>
+      </p:grpSp>
+      <p:grpSp>
+        <p:nvGrpSpPr>
+          <p:cNvPr id="186" name="Group 185"/>
+          <p:cNvGrpSpPr/>
+          <p:nvPr/>
+        </p:nvGrpSpPr>
+        <p:grpSpPr>
+          <a:xfrm>
+            <a:off x="4172418" y="5781842"/>
+            <a:ext cx="1681579" cy="461665"/>
+            <a:chOff x="7317277" y="1953594"/>
+            <a:chExt cx="1681579" cy="461665"/>
+          </a:xfrm>
+        </p:grpSpPr>
+        <p:pic>
+          <p:nvPicPr>
+            <p:cNvPr id="187" name="Picture 186"/>
+            <p:cNvPicPr>
+              <a:picLocks noChangeAspect="1"/>
+            </p:cNvPicPr>
+            <p:nvPr/>
+          </p:nvPicPr>
+          <p:blipFill>
+            <a:blip r:embed="rId3"/>
+            <a:stretch>
+              <a:fillRect/>
+            </a:stretch>
+          </p:blipFill>
+          <p:spPr>
+            <a:xfrm>
+              <a:off x="7701944" y="2066470"/>
+              <a:ext cx="267351" cy="254316"/>
+            </a:xfrm>
+            <a:prstGeom prst="rect">
+              <a:avLst/>
+            </a:prstGeom>
+          </p:spPr>
+        </p:pic>
+        <p:sp>
+          <p:nvSpPr>
+            <p:cNvPr id="188" name="TextBox 187"/>
+            <p:cNvSpPr txBox="1"/>
+            <p:nvPr/>
+          </p:nvSpPr>
+          <p:spPr>
+            <a:xfrm>
+              <a:off x="7317277" y="1953594"/>
+              <a:ext cx="1681579" cy="461665"/>
+            </a:xfrm>
+            <a:prstGeom prst="rect">
+              <a:avLst/>
+            </a:prstGeom>
+            <a:noFill/>
+          </p:spPr>
+          <p:txBody>
+            <a:bodyPr wrap="square" rtlCol="0">
+              <a:spAutoFit/>
+            </a:bodyPr>
+            <a:lstStyle/>
+            <a:p>
+              <a:pPr algn="ctr"/>
+              <a:r>
+                <a:rPr lang="en-US" sz="2400" dirty="0" smtClean="0"/>
+                <a:t>(        ,  </a:t>
+              </a:r>
+              <a:r>
+                <a:rPr lang="en-US" sz="2400" dirty="0"/>
+                <a:t>1</a:t>
+              </a:r>
+              <a:r>
+                <a:rPr lang="en-US" sz="2400" dirty="0" smtClean="0"/>
+                <a:t>  </a:t>
+              </a:r>
+              <a:r>
+                <a:rPr lang="en-US" sz="2400" dirty="0" smtClean="0"/>
+                <a:t>)</a:t>
+              </a:r>
+              <a:endParaRPr lang="en-US" sz="2400" dirty="0"/>
+            </a:p>
+          </p:txBody>
+        </p:sp>
+      </p:grpSp>
+      <p:grpSp>
+        <p:nvGrpSpPr>
+          <p:cNvPr id="189" name="Group 188"/>
+          <p:cNvGrpSpPr/>
+          <p:nvPr/>
+        </p:nvGrpSpPr>
+        <p:grpSpPr>
+          <a:xfrm>
+            <a:off x="4045565" y="6027515"/>
+            <a:ext cx="1681579" cy="461665"/>
+            <a:chOff x="7317277" y="1953594"/>
+            <a:chExt cx="1681579" cy="461665"/>
+          </a:xfrm>
+        </p:grpSpPr>
+        <p:pic>
+          <p:nvPicPr>
+            <p:cNvPr id="190" name="Picture 189"/>
+            <p:cNvPicPr>
+              <a:picLocks noChangeAspect="1"/>
+            </p:cNvPicPr>
+            <p:nvPr/>
+          </p:nvPicPr>
+          <p:blipFill>
+            <a:blip r:embed="rId3"/>
+            <a:stretch>
+              <a:fillRect/>
+            </a:stretch>
+          </p:blipFill>
+          <p:spPr>
+            <a:xfrm>
+              <a:off x="7701944" y="2066470"/>
+              <a:ext cx="267351" cy="254316"/>
+            </a:xfrm>
+            <a:prstGeom prst="rect">
+              <a:avLst/>
+            </a:prstGeom>
+          </p:spPr>
+        </p:pic>
+        <p:sp>
+          <p:nvSpPr>
+            <p:cNvPr id="191" name="TextBox 190"/>
+            <p:cNvSpPr txBox="1"/>
+            <p:nvPr/>
+          </p:nvSpPr>
+          <p:spPr>
+            <a:xfrm>
+              <a:off x="7317277" y="1953594"/>
+              <a:ext cx="1681579" cy="461665"/>
+            </a:xfrm>
+            <a:prstGeom prst="rect">
+              <a:avLst/>
+            </a:prstGeom>
+            <a:noFill/>
+          </p:spPr>
+          <p:txBody>
+            <a:bodyPr wrap="square" rtlCol="0">
+              <a:spAutoFit/>
+            </a:bodyPr>
+            <a:lstStyle/>
+            <a:p>
+              <a:pPr algn="ctr"/>
+              <a:r>
+                <a:rPr lang="en-US" sz="2400" dirty="0" smtClean="0"/>
+                <a:t>(        ,  </a:t>
+              </a:r>
+              <a:r>
+                <a:rPr lang="en-US" sz="2400" dirty="0"/>
+                <a:t>1</a:t>
+              </a:r>
+              <a:r>
+                <a:rPr lang="en-US" sz="2400" dirty="0" smtClean="0"/>
+                <a:t>  </a:t>
+              </a:r>
+              <a:r>
+                <a:rPr lang="en-US" sz="2400" dirty="0" smtClean="0"/>
+                <a:t>)</a:t>
+              </a:r>
+              <a:endParaRPr lang="en-US" sz="2400" dirty="0"/>
+            </a:p>
+          </p:txBody>
+        </p:sp>
+      </p:grpSp>
+      <p:grpSp>
+        <p:nvGrpSpPr>
+          <p:cNvPr id="192" name="Group 191"/>
+          <p:cNvGrpSpPr/>
+          <p:nvPr/>
+        </p:nvGrpSpPr>
+        <p:grpSpPr>
+          <a:xfrm>
+            <a:off x="4161555" y="6492931"/>
+            <a:ext cx="1622459" cy="461665"/>
+            <a:chOff x="7317277" y="2805943"/>
+            <a:chExt cx="1681579" cy="544789"/>
+          </a:xfrm>
+        </p:grpSpPr>
+        <p:sp>
+          <p:nvSpPr>
+            <p:cNvPr id="193" name="Heart 192"/>
+            <p:cNvSpPr>
+              <a:spLocks noChangeAspect="1"/>
+            </p:cNvSpPr>
+            <p:nvPr/>
+          </p:nvSpPr>
+          <p:spPr>
+            <a:xfrm>
+              <a:off x="7729144" y="2917574"/>
+              <a:ext cx="252626" cy="231900"/>
+            </a:xfrm>
+            <a:prstGeom prst="heart">
+              <a:avLst/>
+            </a:prstGeom>
+            <a:solidFill>
+              <a:srgbClr val="008000"/>
+            </a:solidFill>
+            <a:ln>
+              <a:solidFill>
+                <a:srgbClr val="000000"/>
+              </a:solidFill>
+            </a:ln>
+          </p:spPr>
+          <p:style>
+            <a:lnRef idx="1">
+              <a:schemeClr val="accent1"/>
+            </a:lnRef>
+            <a:fillRef idx="3">
+              <a:schemeClr val="accent1"/>
+            </a:fillRef>
+            <a:effectRef idx="2">
+              <a:schemeClr val="accent1"/>
+            </a:effectRef>
+            <a:fontRef idx="minor">
+              <a:schemeClr val="lt1"/>
+            </a:fontRef>
+          </p:style>
+          <p:txBody>
+            <a:bodyPr rtlCol="0" anchor="ctr"/>
+            <a:lstStyle/>
+            <a:p>
+              <a:pPr algn="ctr"/>
+              <a:endParaRPr lang="en-US"/>
+            </a:p>
+          </p:txBody>
+        </p:sp>
+        <p:sp>
+          <p:nvSpPr>
+            <p:cNvPr id="194" name="TextBox 193"/>
+            <p:cNvSpPr txBox="1"/>
+            <p:nvPr/>
+          </p:nvSpPr>
+          <p:spPr>
+            <a:xfrm>
+              <a:off x="7317277" y="2805943"/>
+              <a:ext cx="1681579" cy="544789"/>
+            </a:xfrm>
+            <a:prstGeom prst="rect">
+              <a:avLst/>
+            </a:prstGeom>
+            <a:noFill/>
+          </p:spPr>
+          <p:txBody>
+            <a:bodyPr wrap="square" rtlCol="0">
+              <a:spAutoFit/>
+            </a:bodyPr>
+            <a:lstStyle/>
+            <a:p>
+              <a:pPr algn="ctr"/>
+              <a:r>
+                <a:rPr lang="en-US" sz="2400" dirty="0" smtClean="0"/>
+                <a:t>(        ,  </a:t>
+              </a:r>
+              <a:r>
+                <a:rPr lang="en-US" sz="2400" dirty="0"/>
+                <a:t>1</a:t>
+              </a:r>
+              <a:r>
+                <a:rPr lang="en-US" sz="2400" dirty="0" smtClean="0"/>
+                <a:t>  </a:t>
+              </a:r>
+              <a:r>
+                <a:rPr lang="en-US" sz="2400" dirty="0" smtClean="0"/>
+                <a:t>)</a:t>
+              </a:r>
+              <a:endParaRPr lang="en-US" sz="2400" dirty="0"/>
+            </a:p>
+          </p:txBody>
+        </p:sp>
+      </p:grpSp>
+      <p:grpSp>
+        <p:nvGrpSpPr>
+          <p:cNvPr id="195" name="Group 194"/>
+          <p:cNvGrpSpPr/>
+          <p:nvPr/>
+        </p:nvGrpSpPr>
+        <p:grpSpPr>
+          <a:xfrm>
+            <a:off x="4257140" y="5546914"/>
+            <a:ext cx="1765415" cy="461665"/>
+            <a:chOff x="7349671" y="1496230"/>
+            <a:chExt cx="1765415" cy="461665"/>
+          </a:xfrm>
+        </p:grpSpPr>
+        <p:sp>
+          <p:nvSpPr>
+            <p:cNvPr id="196" name="Rectangle 195"/>
+            <p:cNvSpPr>
+              <a:spLocks noChangeAspect="1"/>
+            </p:cNvSpPr>
+            <p:nvPr/>
+          </p:nvSpPr>
+          <p:spPr>
+            <a:xfrm>
+              <a:off x="7740173" y="1649613"/>
+              <a:ext cx="215467" cy="225300"/>
+            </a:xfrm>
+            <a:prstGeom prst="rect">
+              <a:avLst/>
+            </a:prstGeom>
+            <a:solidFill>
+              <a:srgbClr val="800000"/>
+            </a:solidFill>
+            <a:ln>
+              <a:solidFill>
+                <a:srgbClr val="000000"/>
+              </a:solidFill>
+            </a:ln>
+          </p:spPr>
+          <p:style>
+            <a:lnRef idx="1">
+              <a:schemeClr val="accent1"/>
+            </a:lnRef>
+            <a:fillRef idx="3">
+              <a:schemeClr val="accent1"/>
+            </a:fillRef>
+            <a:effectRef idx="2">
+              <a:schemeClr val="accent1"/>
+            </a:effectRef>
+            <a:fontRef idx="minor">
+              <a:schemeClr val="lt1"/>
+            </a:fontRef>
+          </p:style>
+          <p:txBody>
+            <a:bodyPr rtlCol="0" anchor="ctr"/>
+            <a:lstStyle/>
+            <a:p>
+              <a:pPr algn="ctr"/>
+              <a:endParaRPr lang="en-US"/>
+            </a:p>
+          </p:txBody>
+        </p:sp>
+        <p:sp>
+          <p:nvSpPr>
+            <p:cNvPr id="197" name="TextBox 196"/>
+            <p:cNvSpPr txBox="1"/>
+            <p:nvPr/>
+          </p:nvSpPr>
+          <p:spPr>
+            <a:xfrm>
+              <a:off x="7349671" y="1496230"/>
+              <a:ext cx="1765415" cy="461665"/>
+            </a:xfrm>
+            <a:prstGeom prst="rect">
+              <a:avLst/>
+            </a:prstGeom>
+            <a:noFill/>
+          </p:spPr>
+          <p:txBody>
+            <a:bodyPr wrap="square" rtlCol="0">
+              <a:spAutoFit/>
+            </a:bodyPr>
+            <a:lstStyle/>
+            <a:p>
+              <a:pPr algn="ctr"/>
+              <a:r>
+                <a:rPr lang="en-US" sz="2400" dirty="0" smtClean="0"/>
+                <a:t>(        ,  </a:t>
+              </a:r>
+              <a:r>
+                <a:rPr lang="en-US" sz="2400" dirty="0" smtClean="0"/>
+                <a:t>1  </a:t>
+              </a:r>
+              <a:r>
+                <a:rPr lang="en-US" sz="2400" dirty="0" smtClean="0"/>
+                <a:t>)</a:t>
+              </a:r>
+              <a:endParaRPr lang="en-US" sz="2400" dirty="0"/>
+            </a:p>
+          </p:txBody>
+        </p:sp>
+      </p:grpSp>
+      <p:grpSp>
+        <p:nvGrpSpPr>
+          <p:cNvPr id="198" name="Group 197"/>
+          <p:cNvGrpSpPr/>
+          <p:nvPr/>
+        </p:nvGrpSpPr>
+        <p:grpSpPr>
+          <a:xfrm>
+            <a:off x="4017617" y="5346628"/>
+            <a:ext cx="1765415" cy="461665"/>
+            <a:chOff x="7349671" y="1496230"/>
+            <a:chExt cx="1765415" cy="461665"/>
+          </a:xfrm>
+        </p:grpSpPr>
+        <p:sp>
+          <p:nvSpPr>
+            <p:cNvPr id="199" name="Rectangle 198"/>
+            <p:cNvSpPr>
+              <a:spLocks noChangeAspect="1"/>
+            </p:cNvSpPr>
+            <p:nvPr/>
+          </p:nvSpPr>
+          <p:spPr>
+            <a:xfrm>
+              <a:off x="7740173" y="1649613"/>
+              <a:ext cx="215467" cy="225300"/>
+            </a:xfrm>
+            <a:prstGeom prst="rect">
+              <a:avLst/>
+            </a:prstGeom>
+            <a:solidFill>
+              <a:srgbClr val="800000"/>
+            </a:solidFill>
+            <a:ln>
+              <a:solidFill>
+                <a:srgbClr val="000000"/>
+              </a:solidFill>
+            </a:ln>
+          </p:spPr>
+          <p:style>
+            <a:lnRef idx="1">
+              <a:schemeClr val="accent1"/>
+            </a:lnRef>
+            <a:fillRef idx="3">
+              <a:schemeClr val="accent1"/>
+            </a:fillRef>
+            <a:effectRef idx="2">
+              <a:schemeClr val="accent1"/>
+            </a:effectRef>
+            <a:fontRef idx="minor">
+              <a:schemeClr val="lt1"/>
+            </a:fontRef>
+          </p:style>
+          <p:txBody>
+            <a:bodyPr rtlCol="0" anchor="ctr"/>
+            <a:lstStyle/>
+            <a:p>
+              <a:pPr algn="ctr"/>
+              <a:endParaRPr lang="en-US"/>
+            </a:p>
+          </p:txBody>
+        </p:sp>
+        <p:sp>
+          <p:nvSpPr>
+            <p:cNvPr id="200" name="TextBox 199"/>
+            <p:cNvSpPr txBox="1"/>
+            <p:nvPr/>
+          </p:nvSpPr>
+          <p:spPr>
+            <a:xfrm>
+              <a:off x="7349671" y="1496230"/>
+              <a:ext cx="1765415" cy="461665"/>
+            </a:xfrm>
+            <a:prstGeom prst="rect">
+              <a:avLst/>
+            </a:prstGeom>
+            <a:noFill/>
+          </p:spPr>
+          <p:txBody>
+            <a:bodyPr wrap="square" rtlCol="0">
+              <a:spAutoFit/>
+            </a:bodyPr>
+            <a:lstStyle/>
+            <a:p>
+              <a:pPr algn="ctr"/>
+              <a:r>
+                <a:rPr lang="en-US" sz="2400" dirty="0" smtClean="0"/>
+                <a:t>(        ,  </a:t>
+              </a:r>
+              <a:r>
+                <a:rPr lang="en-US" sz="2400" dirty="0" smtClean="0"/>
+                <a:t>1  </a:t>
+              </a:r>
+              <a:r>
+                <a:rPr lang="en-US" sz="2400" dirty="0" smtClean="0"/>
+                <a:t>)</a:t>
+              </a:r>
+              <a:endParaRPr lang="en-US" sz="2400" dirty="0"/>
+            </a:p>
+          </p:txBody>
+        </p:sp>
+      </p:grpSp>
+      <p:grpSp>
+        <p:nvGrpSpPr>
+          <p:cNvPr id="211" name="Group 210"/>
+          <p:cNvGrpSpPr/>
+          <p:nvPr/>
+        </p:nvGrpSpPr>
+        <p:grpSpPr>
+          <a:xfrm>
+            <a:off x="5851011" y="1877599"/>
+            <a:ext cx="1655682" cy="442963"/>
+            <a:chOff x="7349671" y="1496230"/>
+            <a:chExt cx="1765415" cy="461665"/>
+          </a:xfrm>
+        </p:grpSpPr>
+        <p:sp>
+          <p:nvSpPr>
+            <p:cNvPr id="212" name="Rectangle 211"/>
+            <p:cNvSpPr>
+              <a:spLocks noChangeAspect="1"/>
+            </p:cNvSpPr>
+            <p:nvPr/>
+          </p:nvSpPr>
+          <p:spPr>
+            <a:xfrm>
+              <a:off x="7740173" y="1649613"/>
+              <a:ext cx="215467" cy="225300"/>
+            </a:xfrm>
+            <a:prstGeom prst="rect">
+              <a:avLst/>
+            </a:prstGeom>
+            <a:solidFill>
+              <a:srgbClr val="800000"/>
+            </a:solidFill>
+            <a:ln>
+              <a:solidFill>
+                <a:srgbClr val="000000"/>
+              </a:solidFill>
+            </a:ln>
+          </p:spPr>
+          <p:style>
+            <a:lnRef idx="1">
+              <a:schemeClr val="accent1"/>
+            </a:lnRef>
+            <a:fillRef idx="3">
+              <a:schemeClr val="accent1"/>
+            </a:fillRef>
+            <a:effectRef idx="2">
+              <a:schemeClr val="accent1"/>
+            </a:effectRef>
+            <a:fontRef idx="minor">
+              <a:schemeClr val="lt1"/>
+            </a:fontRef>
+          </p:style>
+          <p:txBody>
+            <a:bodyPr rtlCol="0" anchor="ctr"/>
+            <a:lstStyle/>
+            <a:p>
+              <a:pPr algn="ctr"/>
+              <a:endParaRPr lang="en-US"/>
+            </a:p>
+          </p:txBody>
+        </p:sp>
+        <p:sp>
+          <p:nvSpPr>
+            <p:cNvPr id="213" name="TextBox 212"/>
+            <p:cNvSpPr txBox="1"/>
+            <p:nvPr/>
+          </p:nvSpPr>
+          <p:spPr>
+            <a:xfrm>
+              <a:off x="7349671" y="1496230"/>
+              <a:ext cx="1765415" cy="461665"/>
+            </a:xfrm>
+            <a:prstGeom prst="rect">
+              <a:avLst/>
+            </a:prstGeom>
+            <a:noFill/>
+          </p:spPr>
+          <p:txBody>
+            <a:bodyPr wrap="square" rtlCol="0">
+              <a:spAutoFit/>
+            </a:bodyPr>
+            <a:lstStyle/>
+            <a:p>
+              <a:pPr algn="ctr"/>
+              <a:r>
+                <a:rPr lang="en-US" sz="2400" dirty="0" smtClean="0"/>
+                <a:t>(        ,  </a:t>
+              </a:r>
+              <a:r>
+                <a:rPr lang="en-US" sz="2400" dirty="0" smtClean="0"/>
+                <a:t>1  </a:t>
+              </a:r>
+              <a:r>
+                <a:rPr lang="en-US" sz="2400" dirty="0" smtClean="0"/>
+                <a:t>)</a:t>
+              </a:r>
+              <a:endParaRPr lang="en-US" sz="2400" dirty="0"/>
+            </a:p>
+          </p:txBody>
+        </p:sp>
+      </p:grpSp>
+      <p:grpSp>
+        <p:nvGrpSpPr>
+          <p:cNvPr id="223" name="Group 222"/>
+          <p:cNvGrpSpPr/>
+          <p:nvPr/>
+        </p:nvGrpSpPr>
+        <p:grpSpPr>
+          <a:xfrm>
+            <a:off x="5856838" y="928362"/>
+            <a:ext cx="1655682" cy="442963"/>
+            <a:chOff x="7349671" y="1496230"/>
+            <a:chExt cx="1765415" cy="461665"/>
+          </a:xfrm>
+        </p:grpSpPr>
+        <p:sp>
+          <p:nvSpPr>
+            <p:cNvPr id="224" name="Rectangle 223"/>
+            <p:cNvSpPr>
+              <a:spLocks noChangeAspect="1"/>
+            </p:cNvSpPr>
+            <p:nvPr/>
+          </p:nvSpPr>
+          <p:spPr>
+            <a:xfrm>
+              <a:off x="7740173" y="1649613"/>
+              <a:ext cx="215467" cy="225300"/>
+            </a:xfrm>
+            <a:prstGeom prst="rect">
+              <a:avLst/>
+            </a:prstGeom>
+            <a:solidFill>
+              <a:srgbClr val="800000"/>
+            </a:solidFill>
+            <a:ln>
+              <a:solidFill>
+                <a:srgbClr val="000000"/>
+              </a:solidFill>
+            </a:ln>
+          </p:spPr>
+          <p:style>
+            <a:lnRef idx="1">
+              <a:schemeClr val="accent1"/>
+            </a:lnRef>
+            <a:fillRef idx="3">
+              <a:schemeClr val="accent1"/>
+            </a:fillRef>
+            <a:effectRef idx="2">
+              <a:schemeClr val="accent1"/>
+            </a:effectRef>
+            <a:fontRef idx="minor">
+              <a:schemeClr val="lt1"/>
+            </a:fontRef>
+          </p:style>
+          <p:txBody>
+            <a:bodyPr rtlCol="0" anchor="ctr"/>
+            <a:lstStyle/>
+            <a:p>
+              <a:pPr algn="ctr"/>
+              <a:endParaRPr lang="en-US"/>
+            </a:p>
+          </p:txBody>
+        </p:sp>
+        <p:sp>
+          <p:nvSpPr>
+            <p:cNvPr id="225" name="TextBox 224"/>
+            <p:cNvSpPr txBox="1"/>
+            <p:nvPr/>
+          </p:nvSpPr>
+          <p:spPr>
+            <a:xfrm>
+              <a:off x="7349671" y="1496230"/>
+              <a:ext cx="1765415" cy="461665"/>
+            </a:xfrm>
+            <a:prstGeom prst="rect">
+              <a:avLst/>
+            </a:prstGeom>
+            <a:noFill/>
+          </p:spPr>
+          <p:txBody>
+            <a:bodyPr wrap="square" rtlCol="0">
+              <a:spAutoFit/>
+            </a:bodyPr>
+            <a:lstStyle/>
+            <a:p>
+              <a:pPr algn="ctr"/>
+              <a:r>
+                <a:rPr lang="en-US" sz="2400" dirty="0" smtClean="0"/>
+                <a:t>(        ,  </a:t>
+              </a:r>
+              <a:r>
+                <a:rPr lang="en-US" sz="2400" dirty="0" smtClean="0"/>
+                <a:t>1  </a:t>
+              </a:r>
+              <a:r>
+                <a:rPr lang="en-US" sz="2400" dirty="0" smtClean="0"/>
+                <a:t>)</a:t>
+              </a:r>
+              <a:endParaRPr lang="en-US" sz="2400" dirty="0"/>
+            </a:p>
+          </p:txBody>
+        </p:sp>
+      </p:grpSp>
+      <p:grpSp>
+        <p:nvGrpSpPr>
+          <p:cNvPr id="232" name="Group 231"/>
+          <p:cNvGrpSpPr/>
+          <p:nvPr/>
+        </p:nvGrpSpPr>
+        <p:grpSpPr>
+          <a:xfrm>
+            <a:off x="5863399" y="1170630"/>
+            <a:ext cx="1655682" cy="442963"/>
+            <a:chOff x="7349671" y="1496230"/>
+            <a:chExt cx="1765415" cy="461665"/>
+          </a:xfrm>
+        </p:grpSpPr>
+        <p:sp>
+          <p:nvSpPr>
+            <p:cNvPr id="233" name="Rectangle 232"/>
+            <p:cNvSpPr>
+              <a:spLocks noChangeAspect="1"/>
+            </p:cNvSpPr>
+            <p:nvPr/>
+          </p:nvSpPr>
+          <p:spPr>
+            <a:xfrm>
+              <a:off x="7740173" y="1649613"/>
+              <a:ext cx="215467" cy="225300"/>
+            </a:xfrm>
+            <a:prstGeom prst="rect">
+              <a:avLst/>
+            </a:prstGeom>
+            <a:solidFill>
+              <a:srgbClr val="800000"/>
+            </a:solidFill>
+            <a:ln>
+              <a:solidFill>
+                <a:srgbClr val="000000"/>
+              </a:solidFill>
+            </a:ln>
+          </p:spPr>
+          <p:style>
+            <a:lnRef idx="1">
+              <a:schemeClr val="accent1"/>
+            </a:lnRef>
+            <a:fillRef idx="3">
+              <a:schemeClr val="accent1"/>
+            </a:fillRef>
+            <a:effectRef idx="2">
+              <a:schemeClr val="accent1"/>
+            </a:effectRef>
+            <a:fontRef idx="minor">
+              <a:schemeClr val="lt1"/>
+            </a:fontRef>
+          </p:style>
+          <p:txBody>
+            <a:bodyPr rtlCol="0" anchor="ctr"/>
+            <a:lstStyle/>
+            <a:p>
+              <a:pPr algn="ctr"/>
+              <a:endParaRPr lang="en-US"/>
+            </a:p>
+          </p:txBody>
+        </p:sp>
+        <p:sp>
+          <p:nvSpPr>
+            <p:cNvPr id="234" name="TextBox 233"/>
+            <p:cNvSpPr txBox="1"/>
+            <p:nvPr/>
+          </p:nvSpPr>
+          <p:spPr>
+            <a:xfrm>
+              <a:off x="7349671" y="1496230"/>
+              <a:ext cx="1765415" cy="461665"/>
+            </a:xfrm>
+            <a:prstGeom prst="rect">
+              <a:avLst/>
+            </a:prstGeom>
+            <a:noFill/>
+          </p:spPr>
+          <p:txBody>
+            <a:bodyPr wrap="square" rtlCol="0">
+              <a:spAutoFit/>
+            </a:bodyPr>
+            <a:lstStyle/>
+            <a:p>
+              <a:pPr algn="ctr"/>
+              <a:r>
+                <a:rPr lang="en-US" sz="2400" dirty="0" smtClean="0"/>
+                <a:t>(        ,  </a:t>
+              </a:r>
+              <a:r>
+                <a:rPr lang="en-US" sz="2400" dirty="0" smtClean="0"/>
+                <a:t>1  </a:t>
+              </a:r>
+              <a:r>
+                <a:rPr lang="en-US" sz="2400" dirty="0" smtClean="0"/>
+                <a:t>)</a:t>
+              </a:r>
+              <a:endParaRPr lang="en-US" sz="2400" dirty="0"/>
+            </a:p>
+          </p:txBody>
+        </p:sp>
+      </p:grpSp>
+      <p:grpSp>
+        <p:nvGrpSpPr>
+          <p:cNvPr id="235" name="Group 234"/>
+          <p:cNvGrpSpPr/>
+          <p:nvPr/>
+        </p:nvGrpSpPr>
+        <p:grpSpPr>
+          <a:xfrm>
+            <a:off x="5855335" y="1393063"/>
+            <a:ext cx="1655682" cy="442963"/>
+            <a:chOff x="7349671" y="1496230"/>
+            <a:chExt cx="1765415" cy="461665"/>
+          </a:xfrm>
+        </p:grpSpPr>
+        <p:sp>
+          <p:nvSpPr>
+            <p:cNvPr id="236" name="Rectangle 235"/>
+            <p:cNvSpPr>
+              <a:spLocks noChangeAspect="1"/>
+            </p:cNvSpPr>
+            <p:nvPr/>
+          </p:nvSpPr>
+          <p:spPr>
+            <a:xfrm>
+              <a:off x="7740173" y="1649613"/>
+              <a:ext cx="215467" cy="225300"/>
+            </a:xfrm>
+            <a:prstGeom prst="rect">
+              <a:avLst/>
+            </a:prstGeom>
+            <a:solidFill>
+              <a:srgbClr val="800000"/>
+            </a:solidFill>
+            <a:ln>
+              <a:solidFill>
+                <a:srgbClr val="000000"/>
+              </a:solidFill>
+            </a:ln>
+          </p:spPr>
+          <p:style>
+            <a:lnRef idx="1">
+              <a:schemeClr val="accent1"/>
+            </a:lnRef>
+            <a:fillRef idx="3">
+              <a:schemeClr val="accent1"/>
+            </a:fillRef>
+            <a:effectRef idx="2">
+              <a:schemeClr val="accent1"/>
+            </a:effectRef>
+            <a:fontRef idx="minor">
+              <a:schemeClr val="lt1"/>
+            </a:fontRef>
+          </p:style>
+          <p:txBody>
+            <a:bodyPr rtlCol="0" anchor="ctr"/>
+            <a:lstStyle/>
+            <a:p>
+              <a:pPr algn="ctr"/>
+              <a:endParaRPr lang="en-US"/>
+            </a:p>
+          </p:txBody>
+        </p:sp>
+        <p:sp>
+          <p:nvSpPr>
+            <p:cNvPr id="237" name="TextBox 236"/>
+            <p:cNvSpPr txBox="1"/>
+            <p:nvPr/>
+          </p:nvSpPr>
+          <p:spPr>
+            <a:xfrm>
+              <a:off x="7349671" y="1496230"/>
+              <a:ext cx="1765415" cy="461665"/>
+            </a:xfrm>
+            <a:prstGeom prst="rect">
+              <a:avLst/>
+            </a:prstGeom>
+            <a:noFill/>
+          </p:spPr>
+          <p:txBody>
+            <a:bodyPr wrap="square" rtlCol="0">
+              <a:spAutoFit/>
+            </a:bodyPr>
+            <a:lstStyle/>
+            <a:p>
+              <a:pPr algn="ctr"/>
+              <a:r>
+                <a:rPr lang="en-US" sz="2400" dirty="0" smtClean="0"/>
+                <a:t>(        ,  </a:t>
+              </a:r>
+              <a:r>
+                <a:rPr lang="en-US" sz="2400" dirty="0" smtClean="0"/>
+                <a:t>1  </a:t>
+              </a:r>
+              <a:r>
+                <a:rPr lang="en-US" sz="2400" dirty="0" smtClean="0"/>
+                <a:t>)</a:t>
+              </a:r>
+              <a:endParaRPr lang="en-US" sz="2400" dirty="0"/>
+            </a:p>
+          </p:txBody>
+        </p:sp>
+      </p:grpSp>
+      <p:grpSp>
+        <p:nvGrpSpPr>
+          <p:cNvPr id="238" name="Group 237"/>
+          <p:cNvGrpSpPr/>
+          <p:nvPr/>
+        </p:nvGrpSpPr>
+        <p:grpSpPr>
+          <a:xfrm>
+            <a:off x="5847142" y="1648987"/>
+            <a:ext cx="1655682" cy="442963"/>
+            <a:chOff x="7349671" y="1496230"/>
+            <a:chExt cx="1765415" cy="461665"/>
+          </a:xfrm>
+        </p:grpSpPr>
+        <p:sp>
+          <p:nvSpPr>
+            <p:cNvPr id="239" name="Rectangle 238"/>
+            <p:cNvSpPr>
+              <a:spLocks noChangeAspect="1"/>
+            </p:cNvSpPr>
+            <p:nvPr/>
+          </p:nvSpPr>
+          <p:spPr>
+            <a:xfrm>
+              <a:off x="7740173" y="1649613"/>
+              <a:ext cx="215467" cy="225300"/>
+            </a:xfrm>
+            <a:prstGeom prst="rect">
+              <a:avLst/>
+            </a:prstGeom>
+            <a:solidFill>
+              <a:srgbClr val="800000"/>
+            </a:solidFill>
+            <a:ln>
+              <a:solidFill>
+                <a:srgbClr val="000000"/>
+              </a:solidFill>
+            </a:ln>
+          </p:spPr>
+          <p:style>
+            <a:lnRef idx="1">
+              <a:schemeClr val="accent1"/>
+            </a:lnRef>
+            <a:fillRef idx="3">
+              <a:schemeClr val="accent1"/>
+            </a:fillRef>
+            <a:effectRef idx="2">
+              <a:schemeClr val="accent1"/>
+            </a:effectRef>
+            <a:fontRef idx="minor">
+              <a:schemeClr val="lt1"/>
+            </a:fontRef>
+          </p:style>
+          <p:txBody>
+            <a:bodyPr rtlCol="0" anchor="ctr"/>
+            <a:lstStyle/>
+            <a:p>
+              <a:pPr algn="ctr"/>
+              <a:endParaRPr lang="en-US"/>
+            </a:p>
+          </p:txBody>
+        </p:sp>
+        <p:sp>
+          <p:nvSpPr>
+            <p:cNvPr id="240" name="TextBox 239"/>
+            <p:cNvSpPr txBox="1"/>
+            <p:nvPr/>
+          </p:nvSpPr>
+          <p:spPr>
+            <a:xfrm>
+              <a:off x="7349671" y="1496230"/>
+              <a:ext cx="1765415" cy="461665"/>
+            </a:xfrm>
+            <a:prstGeom prst="rect">
+              <a:avLst/>
+            </a:prstGeom>
+            <a:noFill/>
+          </p:spPr>
+          <p:txBody>
+            <a:bodyPr wrap="square" rtlCol="0">
+              <a:spAutoFit/>
+            </a:bodyPr>
+            <a:lstStyle/>
+            <a:p>
+              <a:pPr algn="ctr"/>
+              <a:r>
+                <a:rPr lang="en-US" sz="2400" dirty="0" smtClean="0"/>
+                <a:t>(        ,  </a:t>
+              </a:r>
+              <a:r>
+                <a:rPr lang="en-US" sz="2400" dirty="0" smtClean="0"/>
+                <a:t>1  </a:t>
+              </a:r>
+              <a:r>
+                <a:rPr lang="en-US" sz="2400" dirty="0" smtClean="0"/>
+                <a:t>)</a:t>
+              </a:r>
+              <a:endParaRPr lang="en-US" sz="2400" dirty="0"/>
+            </a:p>
+          </p:txBody>
+        </p:sp>
+      </p:grpSp>
+      <p:grpSp>
+        <p:nvGrpSpPr>
+          <p:cNvPr id="241" name="Group 240"/>
+          <p:cNvGrpSpPr/>
+          <p:nvPr/>
+        </p:nvGrpSpPr>
+        <p:grpSpPr>
+          <a:xfrm>
+            <a:off x="5843530" y="2524679"/>
+            <a:ext cx="1655682" cy="442963"/>
+            <a:chOff x="7349671" y="1496230"/>
+            <a:chExt cx="1765415" cy="461665"/>
+          </a:xfrm>
+        </p:grpSpPr>
+        <p:sp>
+          <p:nvSpPr>
+            <p:cNvPr id="242" name="Rectangle 241"/>
+            <p:cNvSpPr>
+              <a:spLocks noChangeAspect="1"/>
+            </p:cNvSpPr>
+            <p:nvPr/>
+          </p:nvSpPr>
+          <p:spPr>
+            <a:xfrm>
+              <a:off x="7740173" y="1649613"/>
+              <a:ext cx="215467" cy="225300"/>
+            </a:xfrm>
+            <a:prstGeom prst="rect">
+              <a:avLst/>
+            </a:prstGeom>
+            <a:solidFill>
+              <a:srgbClr val="800000"/>
+            </a:solidFill>
+            <a:ln>
+              <a:solidFill>
+                <a:srgbClr val="000000"/>
+              </a:solidFill>
+            </a:ln>
+          </p:spPr>
+          <p:style>
+            <a:lnRef idx="1">
+              <a:schemeClr val="accent1"/>
+            </a:lnRef>
+            <a:fillRef idx="3">
+              <a:schemeClr val="accent1"/>
+            </a:fillRef>
+            <a:effectRef idx="2">
+              <a:schemeClr val="accent1"/>
+            </a:effectRef>
+            <a:fontRef idx="minor">
+              <a:schemeClr val="lt1"/>
+            </a:fontRef>
+          </p:style>
+          <p:txBody>
+            <a:bodyPr rtlCol="0" anchor="ctr"/>
+            <a:lstStyle/>
+            <a:p>
+              <a:pPr algn="ctr"/>
+              <a:endParaRPr lang="en-US"/>
+            </a:p>
+          </p:txBody>
+        </p:sp>
+        <p:sp>
+          <p:nvSpPr>
+            <p:cNvPr id="243" name="TextBox 242"/>
+            <p:cNvSpPr txBox="1"/>
+            <p:nvPr/>
+          </p:nvSpPr>
+          <p:spPr>
+            <a:xfrm>
+              <a:off x="7349671" y="1496230"/>
+              <a:ext cx="1765415" cy="461665"/>
+            </a:xfrm>
+            <a:prstGeom prst="rect">
+              <a:avLst/>
+            </a:prstGeom>
+            <a:noFill/>
+          </p:spPr>
+          <p:txBody>
+            <a:bodyPr wrap="square" rtlCol="0">
+              <a:spAutoFit/>
+            </a:bodyPr>
+            <a:lstStyle/>
+            <a:p>
+              <a:pPr algn="ctr"/>
+              <a:r>
+                <a:rPr lang="en-US" sz="2400" dirty="0" smtClean="0"/>
+                <a:t>(        ,  </a:t>
+              </a:r>
+              <a:r>
+                <a:rPr lang="en-US" sz="2400" dirty="0" smtClean="0"/>
+                <a:t>1  </a:t>
+              </a:r>
+              <a:r>
+                <a:rPr lang="en-US" sz="2400" dirty="0" smtClean="0"/>
+                <a:t>)</a:t>
+              </a:r>
+              <a:endParaRPr lang="en-US" sz="2400" dirty="0"/>
+            </a:p>
+          </p:txBody>
+        </p:sp>
+      </p:grpSp>
+      <p:grpSp>
+        <p:nvGrpSpPr>
+          <p:cNvPr id="244" name="Group 243"/>
+          <p:cNvGrpSpPr/>
+          <p:nvPr/>
+        </p:nvGrpSpPr>
+        <p:grpSpPr>
+          <a:xfrm>
+            <a:off x="5852078" y="2317990"/>
+            <a:ext cx="1655682" cy="442963"/>
+            <a:chOff x="7349671" y="1496230"/>
+            <a:chExt cx="1765415" cy="461665"/>
+          </a:xfrm>
+        </p:grpSpPr>
+        <p:sp>
+          <p:nvSpPr>
+            <p:cNvPr id="245" name="Rectangle 244"/>
+            <p:cNvSpPr>
+              <a:spLocks noChangeAspect="1"/>
+            </p:cNvSpPr>
+            <p:nvPr/>
+          </p:nvSpPr>
+          <p:spPr>
+            <a:xfrm>
+              <a:off x="7740173" y="1649613"/>
+              <a:ext cx="215467" cy="225300"/>
+            </a:xfrm>
+            <a:prstGeom prst="rect">
+              <a:avLst/>
+            </a:prstGeom>
+            <a:solidFill>
+              <a:srgbClr val="800000"/>
+            </a:solidFill>
+            <a:ln>
+              <a:solidFill>
+                <a:srgbClr val="000000"/>
+              </a:solidFill>
+            </a:ln>
+          </p:spPr>
+          <p:style>
+            <a:lnRef idx="1">
+              <a:schemeClr val="accent1"/>
+            </a:lnRef>
+            <a:fillRef idx="3">
+              <a:schemeClr val="accent1"/>
+            </a:fillRef>
+            <a:effectRef idx="2">
+              <a:schemeClr val="accent1"/>
+            </a:effectRef>
+            <a:fontRef idx="minor">
+              <a:schemeClr val="lt1"/>
+            </a:fontRef>
+          </p:style>
+          <p:txBody>
+            <a:bodyPr rtlCol="0" anchor="ctr"/>
+            <a:lstStyle/>
+            <a:p>
+              <a:pPr algn="ctr"/>
+              <a:endParaRPr lang="en-US"/>
+            </a:p>
+          </p:txBody>
+        </p:sp>
+        <p:sp>
+          <p:nvSpPr>
+            <p:cNvPr id="246" name="TextBox 245"/>
+            <p:cNvSpPr txBox="1"/>
+            <p:nvPr/>
+          </p:nvSpPr>
+          <p:spPr>
+            <a:xfrm>
+              <a:off x="7349671" y="1496230"/>
+              <a:ext cx="1765415" cy="461665"/>
+            </a:xfrm>
+            <a:prstGeom prst="rect">
+              <a:avLst/>
+            </a:prstGeom>
+            <a:noFill/>
+          </p:spPr>
+          <p:txBody>
+            <a:bodyPr wrap="square" rtlCol="0">
+              <a:spAutoFit/>
+            </a:bodyPr>
+            <a:lstStyle/>
+            <a:p>
+              <a:pPr algn="ctr"/>
+              <a:r>
+                <a:rPr lang="en-US" sz="2400" dirty="0" smtClean="0"/>
+                <a:t>(        ,  </a:t>
+              </a:r>
+              <a:r>
+                <a:rPr lang="en-US" sz="2400" dirty="0" smtClean="0"/>
+                <a:t>1  </a:t>
+              </a:r>
+              <a:r>
+                <a:rPr lang="en-US" sz="2400" dirty="0" smtClean="0"/>
+                <a:t>)</a:t>
+              </a:r>
+              <a:endParaRPr lang="en-US" sz="2400" dirty="0"/>
+            </a:p>
+          </p:txBody>
+        </p:sp>
+      </p:grpSp>
+      <p:grpSp>
+        <p:nvGrpSpPr>
+          <p:cNvPr id="247" name="Group 246"/>
+          <p:cNvGrpSpPr/>
+          <p:nvPr/>
+        </p:nvGrpSpPr>
+        <p:grpSpPr>
+          <a:xfrm>
+            <a:off x="5860626" y="2103365"/>
+            <a:ext cx="1655682" cy="442963"/>
+            <a:chOff x="7349671" y="1496230"/>
+            <a:chExt cx="1765415" cy="461665"/>
+          </a:xfrm>
+        </p:grpSpPr>
+        <p:sp>
+          <p:nvSpPr>
+            <p:cNvPr id="248" name="Rectangle 247"/>
+            <p:cNvSpPr>
+              <a:spLocks noChangeAspect="1"/>
+            </p:cNvSpPr>
+            <p:nvPr/>
+          </p:nvSpPr>
+          <p:spPr>
+            <a:xfrm>
+              <a:off x="7740173" y="1649613"/>
+              <a:ext cx="215467" cy="225300"/>
+            </a:xfrm>
+            <a:prstGeom prst="rect">
+              <a:avLst/>
+            </a:prstGeom>
+            <a:solidFill>
+              <a:srgbClr val="800000"/>
+            </a:solidFill>
+            <a:ln>
+              <a:solidFill>
+                <a:srgbClr val="000000"/>
+              </a:solidFill>
+            </a:ln>
+          </p:spPr>
+          <p:style>
+            <a:lnRef idx="1">
+              <a:schemeClr val="accent1"/>
+            </a:lnRef>
+            <a:fillRef idx="3">
+              <a:schemeClr val="accent1"/>
+            </a:fillRef>
+            <a:effectRef idx="2">
+              <a:schemeClr val="accent1"/>
+            </a:effectRef>
+            <a:fontRef idx="minor">
+              <a:schemeClr val="lt1"/>
+            </a:fontRef>
+          </p:style>
+          <p:txBody>
+            <a:bodyPr rtlCol="0" anchor="ctr"/>
+            <a:lstStyle/>
+            <a:p>
+              <a:pPr algn="ctr"/>
+              <a:endParaRPr lang="en-US"/>
+            </a:p>
+          </p:txBody>
+        </p:sp>
+        <p:sp>
+          <p:nvSpPr>
+            <p:cNvPr id="249" name="TextBox 248"/>
+            <p:cNvSpPr txBox="1"/>
+            <p:nvPr/>
+          </p:nvSpPr>
+          <p:spPr>
+            <a:xfrm>
+              <a:off x="7349671" y="1496230"/>
+              <a:ext cx="1765415" cy="461665"/>
+            </a:xfrm>
+            <a:prstGeom prst="rect">
+              <a:avLst/>
+            </a:prstGeom>
+            <a:noFill/>
+          </p:spPr>
+          <p:txBody>
+            <a:bodyPr wrap="square" rtlCol="0">
+              <a:spAutoFit/>
+            </a:bodyPr>
+            <a:lstStyle/>
+            <a:p>
+              <a:pPr algn="ctr"/>
+              <a:r>
+                <a:rPr lang="en-US" sz="2400" dirty="0" smtClean="0"/>
+                <a:t>(        ,  </a:t>
+              </a:r>
+              <a:r>
+                <a:rPr lang="en-US" sz="2400" dirty="0" smtClean="0"/>
+                <a:t>1  </a:t>
+              </a:r>
+              <a:r>
+                <a:rPr lang="en-US" sz="2400" dirty="0" smtClean="0"/>
+                <a:t>)</a:t>
+              </a:r>
+              <a:endParaRPr lang="en-US" sz="2400" dirty="0"/>
+            </a:p>
+          </p:txBody>
+        </p:sp>
+      </p:grpSp>
+      <p:grpSp>
+        <p:nvGrpSpPr>
+          <p:cNvPr id="250" name="Group 249"/>
+          <p:cNvGrpSpPr/>
+          <p:nvPr/>
+        </p:nvGrpSpPr>
+        <p:grpSpPr>
+          <a:xfrm>
+            <a:off x="5769983" y="4567898"/>
+            <a:ext cx="1681579" cy="461665"/>
+            <a:chOff x="7317277" y="1953594"/>
+            <a:chExt cx="1681579" cy="461665"/>
+          </a:xfrm>
+        </p:grpSpPr>
+        <p:pic>
+          <p:nvPicPr>
+            <p:cNvPr id="251" name="Picture 250"/>
+            <p:cNvPicPr>
+              <a:picLocks noChangeAspect="1"/>
+            </p:cNvPicPr>
+            <p:nvPr/>
+          </p:nvPicPr>
+          <p:blipFill>
+            <a:blip r:embed="rId3"/>
+            <a:stretch>
+              <a:fillRect/>
+            </a:stretch>
+          </p:blipFill>
+          <p:spPr>
+            <a:xfrm>
+              <a:off x="7701944" y="2066470"/>
+              <a:ext cx="267351" cy="254316"/>
+            </a:xfrm>
+            <a:prstGeom prst="rect">
+              <a:avLst/>
+            </a:prstGeom>
+          </p:spPr>
+        </p:pic>
+        <p:sp>
+          <p:nvSpPr>
+            <p:cNvPr id="252" name="TextBox 251"/>
+            <p:cNvSpPr txBox="1"/>
+            <p:nvPr/>
+          </p:nvSpPr>
+          <p:spPr>
+            <a:xfrm>
+              <a:off x="7317277" y="1953594"/>
+              <a:ext cx="1681579" cy="461665"/>
+            </a:xfrm>
+            <a:prstGeom prst="rect">
+              <a:avLst/>
+            </a:prstGeom>
+            <a:noFill/>
+          </p:spPr>
+          <p:txBody>
+            <a:bodyPr wrap="square" rtlCol="0">
+              <a:spAutoFit/>
+            </a:bodyPr>
+            <a:lstStyle/>
+            <a:p>
+              <a:pPr algn="ctr"/>
+              <a:r>
+                <a:rPr lang="en-US" sz="2400" dirty="0" smtClean="0"/>
+                <a:t>(        ,  </a:t>
+              </a:r>
+              <a:r>
+                <a:rPr lang="en-US" sz="2400" dirty="0"/>
+                <a:t>1</a:t>
+              </a:r>
+              <a:r>
+                <a:rPr lang="en-US" sz="2400" dirty="0" smtClean="0"/>
+                <a:t>  </a:t>
+              </a:r>
+              <a:r>
+                <a:rPr lang="en-US" sz="2400" dirty="0" smtClean="0"/>
+                <a:t>)</a:t>
+              </a:r>
+              <a:endParaRPr lang="en-US" sz="2400" dirty="0"/>
+            </a:p>
+          </p:txBody>
+        </p:sp>
+      </p:grpSp>
+      <p:grpSp>
+        <p:nvGrpSpPr>
+          <p:cNvPr id="253" name="Group 252"/>
+          <p:cNvGrpSpPr/>
+          <p:nvPr/>
+        </p:nvGrpSpPr>
+        <p:grpSpPr>
+          <a:xfrm>
+            <a:off x="5765831" y="4332476"/>
+            <a:ext cx="1681579" cy="461665"/>
+            <a:chOff x="7317277" y="1953594"/>
+            <a:chExt cx="1681579" cy="461665"/>
+          </a:xfrm>
+        </p:grpSpPr>
+        <p:pic>
+          <p:nvPicPr>
+            <p:cNvPr id="254" name="Picture 253"/>
+            <p:cNvPicPr>
+              <a:picLocks noChangeAspect="1"/>
+            </p:cNvPicPr>
+            <p:nvPr/>
+          </p:nvPicPr>
+          <p:blipFill>
+            <a:blip r:embed="rId3"/>
+            <a:stretch>
+              <a:fillRect/>
+            </a:stretch>
+          </p:blipFill>
+          <p:spPr>
+            <a:xfrm>
+              <a:off x="7701944" y="2066470"/>
+              <a:ext cx="267351" cy="254316"/>
+            </a:xfrm>
+            <a:prstGeom prst="rect">
+              <a:avLst/>
+            </a:prstGeom>
+          </p:spPr>
+        </p:pic>
+        <p:sp>
+          <p:nvSpPr>
+            <p:cNvPr id="255" name="TextBox 254"/>
+            <p:cNvSpPr txBox="1"/>
+            <p:nvPr/>
+          </p:nvSpPr>
+          <p:spPr>
+            <a:xfrm>
+              <a:off x="7317277" y="1953594"/>
+              <a:ext cx="1681579" cy="461665"/>
+            </a:xfrm>
+            <a:prstGeom prst="rect">
+              <a:avLst/>
+            </a:prstGeom>
+            <a:noFill/>
+          </p:spPr>
+          <p:txBody>
+            <a:bodyPr wrap="square" rtlCol="0">
+              <a:spAutoFit/>
+            </a:bodyPr>
+            <a:lstStyle/>
+            <a:p>
+              <a:pPr algn="ctr"/>
+              <a:r>
+                <a:rPr lang="en-US" sz="2400" dirty="0" smtClean="0"/>
+                <a:t>(        ,  </a:t>
+              </a:r>
+              <a:r>
+                <a:rPr lang="en-US" sz="2400" dirty="0"/>
+                <a:t>1</a:t>
+              </a:r>
+              <a:r>
+                <a:rPr lang="en-US" sz="2400" dirty="0" smtClean="0"/>
+                <a:t>  </a:t>
+              </a:r>
+              <a:r>
+                <a:rPr lang="en-US" sz="2400" dirty="0" smtClean="0"/>
+                <a:t>)</a:t>
+              </a:r>
+              <a:endParaRPr lang="en-US" sz="2400" dirty="0"/>
+            </a:p>
+          </p:txBody>
+        </p:sp>
+      </p:grpSp>
+      <p:grpSp>
+        <p:nvGrpSpPr>
+          <p:cNvPr id="256" name="Group 255"/>
+          <p:cNvGrpSpPr/>
+          <p:nvPr/>
+        </p:nvGrpSpPr>
+        <p:grpSpPr>
+          <a:xfrm>
+            <a:off x="5768807" y="4117843"/>
+            <a:ext cx="1681579" cy="461665"/>
+            <a:chOff x="7317277" y="1953594"/>
+            <a:chExt cx="1681579" cy="461665"/>
+          </a:xfrm>
+        </p:grpSpPr>
+        <p:pic>
+          <p:nvPicPr>
+            <p:cNvPr id="257" name="Picture 256"/>
+            <p:cNvPicPr>
+              <a:picLocks noChangeAspect="1"/>
+            </p:cNvPicPr>
+            <p:nvPr/>
+          </p:nvPicPr>
+          <p:blipFill>
+            <a:blip r:embed="rId3"/>
+            <a:stretch>
+              <a:fillRect/>
+            </a:stretch>
+          </p:blipFill>
+          <p:spPr>
+            <a:xfrm>
+              <a:off x="7701944" y="2066470"/>
+              <a:ext cx="267351" cy="254316"/>
+            </a:xfrm>
+            <a:prstGeom prst="rect">
+              <a:avLst/>
+            </a:prstGeom>
+          </p:spPr>
+        </p:pic>
+        <p:sp>
+          <p:nvSpPr>
+            <p:cNvPr id="258" name="TextBox 257"/>
+            <p:cNvSpPr txBox="1"/>
+            <p:nvPr/>
+          </p:nvSpPr>
+          <p:spPr>
+            <a:xfrm>
+              <a:off x="7317277" y="1953594"/>
+              <a:ext cx="1681579" cy="461665"/>
+            </a:xfrm>
+            <a:prstGeom prst="rect">
+              <a:avLst/>
+            </a:prstGeom>
+            <a:noFill/>
+          </p:spPr>
+          <p:txBody>
+            <a:bodyPr wrap="square" rtlCol="0">
+              <a:spAutoFit/>
+            </a:bodyPr>
+            <a:lstStyle/>
+            <a:p>
+              <a:pPr algn="ctr"/>
+              <a:r>
+                <a:rPr lang="en-US" sz="2400" dirty="0" smtClean="0"/>
+                <a:t>(        ,  </a:t>
+              </a:r>
+              <a:r>
+                <a:rPr lang="en-US" sz="2400" dirty="0"/>
+                <a:t>1</a:t>
+              </a:r>
+              <a:r>
+                <a:rPr lang="en-US" sz="2400" dirty="0" smtClean="0"/>
+                <a:t>  </a:t>
+              </a:r>
+              <a:r>
+                <a:rPr lang="en-US" sz="2400" dirty="0" smtClean="0"/>
+                <a:t>)</a:t>
+              </a:r>
+              <a:endParaRPr lang="en-US" sz="2400" dirty="0"/>
+            </a:p>
+          </p:txBody>
+        </p:sp>
+      </p:grpSp>
+      <p:grpSp>
+        <p:nvGrpSpPr>
+          <p:cNvPr id="259" name="Group 258"/>
+          <p:cNvGrpSpPr/>
+          <p:nvPr/>
+        </p:nvGrpSpPr>
+        <p:grpSpPr>
+          <a:xfrm>
+            <a:off x="5775033" y="3898620"/>
+            <a:ext cx="1681579" cy="461665"/>
+            <a:chOff x="7317277" y="1953594"/>
+            <a:chExt cx="1681579" cy="461665"/>
+          </a:xfrm>
+        </p:grpSpPr>
+        <p:pic>
+          <p:nvPicPr>
+            <p:cNvPr id="260" name="Picture 259"/>
+            <p:cNvPicPr>
+              <a:picLocks noChangeAspect="1"/>
+            </p:cNvPicPr>
+            <p:nvPr/>
+          </p:nvPicPr>
+          <p:blipFill>
+            <a:blip r:embed="rId3"/>
+            <a:stretch>
+              <a:fillRect/>
+            </a:stretch>
+          </p:blipFill>
+          <p:spPr>
+            <a:xfrm>
+              <a:off x="7701944" y="2066470"/>
+              <a:ext cx="267351" cy="254316"/>
+            </a:xfrm>
+            <a:prstGeom prst="rect">
+              <a:avLst/>
+            </a:prstGeom>
+          </p:spPr>
+        </p:pic>
+        <p:sp>
+          <p:nvSpPr>
+            <p:cNvPr id="261" name="TextBox 260"/>
+            <p:cNvSpPr txBox="1"/>
+            <p:nvPr/>
+          </p:nvSpPr>
+          <p:spPr>
+            <a:xfrm>
+              <a:off x="7317277" y="1953594"/>
+              <a:ext cx="1681579" cy="461665"/>
+            </a:xfrm>
+            <a:prstGeom prst="rect">
+              <a:avLst/>
+            </a:prstGeom>
+            <a:noFill/>
+          </p:spPr>
+          <p:txBody>
+            <a:bodyPr wrap="square" rtlCol="0">
+              <a:spAutoFit/>
+            </a:bodyPr>
+            <a:lstStyle/>
+            <a:p>
+              <a:pPr algn="ctr"/>
+              <a:r>
+                <a:rPr lang="en-US" sz="2400" dirty="0" smtClean="0"/>
+                <a:t>(        ,  </a:t>
+              </a:r>
+              <a:r>
+                <a:rPr lang="en-US" sz="2400" dirty="0"/>
+                <a:t>1</a:t>
+              </a:r>
+              <a:r>
+                <a:rPr lang="en-US" sz="2400" dirty="0" smtClean="0"/>
+                <a:t>  </a:t>
+              </a:r>
+              <a:r>
+                <a:rPr lang="en-US" sz="2400" dirty="0" smtClean="0"/>
+                <a:t>)</a:t>
+              </a:r>
+              <a:endParaRPr lang="en-US" sz="2400" dirty="0"/>
+            </a:p>
+          </p:txBody>
+        </p:sp>
+      </p:grpSp>
+      <p:grpSp>
+        <p:nvGrpSpPr>
+          <p:cNvPr id="262" name="Group 261"/>
+          <p:cNvGrpSpPr/>
+          <p:nvPr/>
+        </p:nvGrpSpPr>
+        <p:grpSpPr>
+          <a:xfrm>
+            <a:off x="5789791" y="3719148"/>
+            <a:ext cx="1622459" cy="461665"/>
+            <a:chOff x="7317277" y="2805943"/>
+            <a:chExt cx="1681579" cy="544789"/>
+          </a:xfrm>
+        </p:grpSpPr>
+        <p:sp>
+          <p:nvSpPr>
+            <p:cNvPr id="263" name="Heart 262"/>
+            <p:cNvSpPr>
+              <a:spLocks noChangeAspect="1"/>
+            </p:cNvSpPr>
+            <p:nvPr/>
+          </p:nvSpPr>
+          <p:spPr>
+            <a:xfrm>
+              <a:off x="7729144" y="2917574"/>
+              <a:ext cx="252626" cy="231900"/>
+            </a:xfrm>
+            <a:prstGeom prst="heart">
+              <a:avLst/>
+            </a:prstGeom>
+            <a:solidFill>
+              <a:srgbClr val="008000"/>
+            </a:solidFill>
+            <a:ln>
+              <a:solidFill>
+                <a:srgbClr val="000000"/>
+              </a:solidFill>
+            </a:ln>
+          </p:spPr>
+          <p:style>
+            <a:lnRef idx="1">
+              <a:schemeClr val="accent1"/>
+            </a:lnRef>
+            <a:fillRef idx="3">
+              <a:schemeClr val="accent1"/>
+            </a:fillRef>
+            <a:effectRef idx="2">
+              <a:schemeClr val="accent1"/>
+            </a:effectRef>
+            <a:fontRef idx="minor">
+              <a:schemeClr val="lt1"/>
+            </a:fontRef>
+          </p:style>
+          <p:txBody>
+            <a:bodyPr rtlCol="0" anchor="ctr"/>
+            <a:lstStyle/>
+            <a:p>
+              <a:pPr algn="ctr"/>
+              <a:endParaRPr lang="en-US"/>
+            </a:p>
+          </p:txBody>
+        </p:sp>
+        <p:sp>
+          <p:nvSpPr>
+            <p:cNvPr id="264" name="TextBox 263"/>
+            <p:cNvSpPr txBox="1"/>
+            <p:nvPr/>
+          </p:nvSpPr>
+          <p:spPr>
+            <a:xfrm>
+              <a:off x="7317277" y="2805943"/>
+              <a:ext cx="1681579" cy="544789"/>
+            </a:xfrm>
+            <a:prstGeom prst="rect">
+              <a:avLst/>
+            </a:prstGeom>
+            <a:noFill/>
+          </p:spPr>
+          <p:txBody>
+            <a:bodyPr wrap="square" rtlCol="0">
+              <a:spAutoFit/>
+            </a:bodyPr>
+            <a:lstStyle/>
+            <a:p>
+              <a:pPr algn="ctr"/>
+              <a:r>
+                <a:rPr lang="en-US" sz="2400" dirty="0" smtClean="0"/>
+                <a:t>(        ,  </a:t>
+              </a:r>
+              <a:r>
+                <a:rPr lang="en-US" sz="2400" dirty="0"/>
+                <a:t>1</a:t>
+              </a:r>
+              <a:r>
+                <a:rPr lang="en-US" sz="2400" dirty="0" smtClean="0"/>
+                <a:t>  </a:t>
+              </a:r>
+              <a:r>
+                <a:rPr lang="en-US" sz="2400" dirty="0" smtClean="0"/>
+                <a:t>)</a:t>
+              </a:r>
+              <a:endParaRPr lang="en-US" sz="2400" dirty="0"/>
+            </a:p>
+          </p:txBody>
+        </p:sp>
+      </p:grpSp>
+      <p:grpSp>
+        <p:nvGrpSpPr>
+          <p:cNvPr id="265" name="Group 264"/>
+          <p:cNvGrpSpPr/>
+          <p:nvPr/>
+        </p:nvGrpSpPr>
+        <p:grpSpPr>
+          <a:xfrm>
+            <a:off x="5783301" y="3541625"/>
+            <a:ext cx="1622459" cy="461665"/>
+            <a:chOff x="7317277" y="2805943"/>
+            <a:chExt cx="1681579" cy="544789"/>
+          </a:xfrm>
+        </p:grpSpPr>
+        <p:sp>
+          <p:nvSpPr>
+            <p:cNvPr id="266" name="Heart 265"/>
+            <p:cNvSpPr>
+              <a:spLocks noChangeAspect="1"/>
+            </p:cNvSpPr>
+            <p:nvPr/>
+          </p:nvSpPr>
+          <p:spPr>
+            <a:xfrm>
+              <a:off x="7729144" y="2917574"/>
+              <a:ext cx="252626" cy="231900"/>
+            </a:xfrm>
+            <a:prstGeom prst="heart">
+              <a:avLst/>
+            </a:prstGeom>
+            <a:solidFill>
+              <a:srgbClr val="008000"/>
+            </a:solidFill>
+            <a:ln>
+              <a:solidFill>
+                <a:srgbClr val="000000"/>
+              </a:solidFill>
+            </a:ln>
+          </p:spPr>
+          <p:style>
+            <a:lnRef idx="1">
+              <a:schemeClr val="accent1"/>
+            </a:lnRef>
+            <a:fillRef idx="3">
+              <a:schemeClr val="accent1"/>
+            </a:fillRef>
+            <a:effectRef idx="2">
+              <a:schemeClr val="accent1"/>
+            </a:effectRef>
+            <a:fontRef idx="minor">
+              <a:schemeClr val="lt1"/>
+            </a:fontRef>
+          </p:style>
+          <p:txBody>
+            <a:bodyPr rtlCol="0" anchor="ctr"/>
+            <a:lstStyle/>
+            <a:p>
+              <a:pPr algn="ctr"/>
+              <a:endParaRPr lang="en-US"/>
+            </a:p>
+          </p:txBody>
+        </p:sp>
+        <p:sp>
+          <p:nvSpPr>
+            <p:cNvPr id="267" name="TextBox 266"/>
+            <p:cNvSpPr txBox="1"/>
+            <p:nvPr/>
+          </p:nvSpPr>
+          <p:spPr>
+            <a:xfrm>
+              <a:off x="7317277" y="2805943"/>
+              <a:ext cx="1681579" cy="544789"/>
+            </a:xfrm>
+            <a:prstGeom prst="rect">
+              <a:avLst/>
+            </a:prstGeom>
+            <a:noFill/>
+          </p:spPr>
+          <p:txBody>
+            <a:bodyPr wrap="square" rtlCol="0">
+              <a:spAutoFit/>
+            </a:bodyPr>
+            <a:lstStyle/>
+            <a:p>
+              <a:pPr algn="ctr"/>
+              <a:r>
+                <a:rPr lang="en-US" sz="2400" dirty="0" smtClean="0"/>
+                <a:t>(        ,  </a:t>
+              </a:r>
+              <a:r>
+                <a:rPr lang="en-US" sz="2400" dirty="0"/>
+                <a:t>1</a:t>
+              </a:r>
+              <a:r>
+                <a:rPr lang="en-US" sz="2400" dirty="0" smtClean="0"/>
+                <a:t>  </a:t>
+              </a:r>
+              <a:r>
+                <a:rPr lang="en-US" sz="2400" dirty="0" smtClean="0"/>
+                <a:t>)</a:t>
+              </a:r>
+              <a:endParaRPr lang="en-US" sz="2400" dirty="0"/>
+            </a:p>
+          </p:txBody>
+        </p:sp>
+      </p:grpSp>
+      <p:grpSp>
+        <p:nvGrpSpPr>
+          <p:cNvPr id="268" name="Group 267"/>
+          <p:cNvGrpSpPr/>
+          <p:nvPr/>
+        </p:nvGrpSpPr>
+        <p:grpSpPr>
+          <a:xfrm>
+            <a:off x="5771285" y="3356067"/>
+            <a:ext cx="1622459" cy="461665"/>
+            <a:chOff x="7317277" y="2805943"/>
+            <a:chExt cx="1681579" cy="544789"/>
+          </a:xfrm>
+        </p:grpSpPr>
+        <p:sp>
+          <p:nvSpPr>
+            <p:cNvPr id="269" name="Heart 268"/>
+            <p:cNvSpPr>
+              <a:spLocks noChangeAspect="1"/>
+            </p:cNvSpPr>
+            <p:nvPr/>
+          </p:nvSpPr>
+          <p:spPr>
+            <a:xfrm>
+              <a:off x="7729144" y="2917574"/>
+              <a:ext cx="252626" cy="231900"/>
+            </a:xfrm>
+            <a:prstGeom prst="heart">
+              <a:avLst/>
+            </a:prstGeom>
+            <a:solidFill>
+              <a:srgbClr val="008000"/>
+            </a:solidFill>
+            <a:ln>
+              <a:solidFill>
+                <a:srgbClr val="000000"/>
+              </a:solidFill>
+            </a:ln>
+          </p:spPr>
+          <p:style>
+            <a:lnRef idx="1">
+              <a:schemeClr val="accent1"/>
+            </a:lnRef>
+            <a:fillRef idx="3">
+              <a:schemeClr val="accent1"/>
+            </a:fillRef>
+            <a:effectRef idx="2">
+              <a:schemeClr val="accent1"/>
+            </a:effectRef>
+            <a:fontRef idx="minor">
+              <a:schemeClr val="lt1"/>
+            </a:fontRef>
+          </p:style>
+          <p:txBody>
+            <a:bodyPr rtlCol="0" anchor="ctr"/>
+            <a:lstStyle/>
+            <a:p>
+              <a:pPr algn="ctr"/>
+              <a:endParaRPr lang="en-US"/>
+            </a:p>
+          </p:txBody>
+        </p:sp>
+        <p:sp>
+          <p:nvSpPr>
+            <p:cNvPr id="270" name="TextBox 269"/>
+            <p:cNvSpPr txBox="1"/>
+            <p:nvPr/>
+          </p:nvSpPr>
+          <p:spPr>
+            <a:xfrm>
+              <a:off x="7317277" y="2805943"/>
+              <a:ext cx="1681579" cy="544789"/>
+            </a:xfrm>
+            <a:prstGeom prst="rect">
+              <a:avLst/>
+            </a:prstGeom>
+            <a:noFill/>
+          </p:spPr>
+          <p:txBody>
+            <a:bodyPr wrap="square" rtlCol="0">
+              <a:spAutoFit/>
+            </a:bodyPr>
+            <a:lstStyle/>
+            <a:p>
+              <a:pPr algn="ctr"/>
+              <a:r>
+                <a:rPr lang="en-US" sz="2400" dirty="0" smtClean="0"/>
+                <a:t>(        ,  </a:t>
+              </a:r>
+              <a:r>
+                <a:rPr lang="en-US" sz="2400" dirty="0"/>
+                <a:t>1</a:t>
+              </a:r>
+              <a:r>
+                <a:rPr lang="en-US" sz="2400" dirty="0" smtClean="0"/>
+                <a:t>  </a:t>
+              </a:r>
+              <a:r>
+                <a:rPr lang="en-US" sz="2400" dirty="0" smtClean="0"/>
+                <a:t>)</a:t>
+              </a:r>
+              <a:endParaRPr lang="en-US" sz="2400" dirty="0"/>
+            </a:p>
+          </p:txBody>
+        </p:sp>
+      </p:grpSp>
+      <p:grpSp>
+        <p:nvGrpSpPr>
+          <p:cNvPr id="271" name="Group 270"/>
+          <p:cNvGrpSpPr/>
+          <p:nvPr/>
+        </p:nvGrpSpPr>
+        <p:grpSpPr>
+          <a:xfrm>
+            <a:off x="5745567" y="3145020"/>
+            <a:ext cx="1622459" cy="461665"/>
+            <a:chOff x="7317277" y="2805943"/>
+            <a:chExt cx="1681579" cy="544789"/>
+          </a:xfrm>
+        </p:grpSpPr>
+        <p:sp>
+          <p:nvSpPr>
+            <p:cNvPr id="272" name="Heart 271"/>
+            <p:cNvSpPr>
+              <a:spLocks noChangeAspect="1"/>
+            </p:cNvSpPr>
+            <p:nvPr/>
+          </p:nvSpPr>
+          <p:spPr>
+            <a:xfrm>
+              <a:off x="7729144" y="2917574"/>
+              <a:ext cx="252626" cy="231900"/>
+            </a:xfrm>
+            <a:prstGeom prst="heart">
+              <a:avLst/>
+            </a:prstGeom>
+            <a:solidFill>
+              <a:srgbClr val="008000"/>
+            </a:solidFill>
+            <a:ln>
+              <a:solidFill>
+                <a:srgbClr val="000000"/>
+              </a:solidFill>
+            </a:ln>
+          </p:spPr>
+          <p:style>
+            <a:lnRef idx="1">
+              <a:schemeClr val="accent1"/>
+            </a:lnRef>
+            <a:fillRef idx="3">
+              <a:schemeClr val="accent1"/>
+            </a:fillRef>
+            <a:effectRef idx="2">
+              <a:schemeClr val="accent1"/>
+            </a:effectRef>
+            <a:fontRef idx="minor">
+              <a:schemeClr val="lt1"/>
+            </a:fontRef>
+          </p:style>
+          <p:txBody>
+            <a:bodyPr rtlCol="0" anchor="ctr"/>
+            <a:lstStyle/>
+            <a:p>
+              <a:pPr algn="ctr"/>
+              <a:endParaRPr lang="en-US"/>
+            </a:p>
+          </p:txBody>
+        </p:sp>
+        <p:sp>
+          <p:nvSpPr>
+            <p:cNvPr id="273" name="TextBox 272"/>
+            <p:cNvSpPr txBox="1"/>
+            <p:nvPr/>
+          </p:nvSpPr>
+          <p:spPr>
+            <a:xfrm>
+              <a:off x="7317277" y="2805943"/>
+              <a:ext cx="1681579" cy="544789"/>
+            </a:xfrm>
+            <a:prstGeom prst="rect">
+              <a:avLst/>
+            </a:prstGeom>
+            <a:noFill/>
+          </p:spPr>
+          <p:txBody>
+            <a:bodyPr wrap="square" rtlCol="0">
+              <a:spAutoFit/>
+            </a:bodyPr>
+            <a:lstStyle/>
+            <a:p>
+              <a:pPr algn="ctr"/>
+              <a:r>
+                <a:rPr lang="en-US" sz="2400" dirty="0" smtClean="0"/>
+                <a:t>(        ,  </a:t>
+              </a:r>
+              <a:r>
+                <a:rPr lang="en-US" sz="2400" dirty="0"/>
+                <a:t>1</a:t>
+              </a:r>
+              <a:r>
+                <a:rPr lang="en-US" sz="2400" dirty="0" smtClean="0"/>
+                <a:t>  </a:t>
+              </a:r>
+              <a:r>
+                <a:rPr lang="en-US" sz="2400" dirty="0" smtClean="0"/>
+                <a:t>)</a:t>
+              </a:r>
+              <a:endParaRPr lang="en-US" sz="2400" dirty="0"/>
+            </a:p>
+          </p:txBody>
+        </p:sp>
+      </p:grpSp>
+      <p:grpSp>
+        <p:nvGrpSpPr>
+          <p:cNvPr id="274" name="Group 273"/>
+          <p:cNvGrpSpPr/>
+          <p:nvPr/>
+        </p:nvGrpSpPr>
+        <p:grpSpPr>
+          <a:xfrm>
+            <a:off x="5723971" y="6455119"/>
+            <a:ext cx="1681579" cy="461665"/>
+            <a:chOff x="7317277" y="3203213"/>
+            <a:chExt cx="1681579" cy="461665"/>
+          </a:xfrm>
+        </p:grpSpPr>
+        <p:sp>
+          <p:nvSpPr>
+            <p:cNvPr id="275" name="Isosceles Triangle 128"/>
+            <p:cNvSpPr>
+              <a:spLocks noChangeAspect="1"/>
+            </p:cNvSpPr>
+            <p:nvPr/>
+          </p:nvSpPr>
+          <p:spPr>
+            <a:xfrm>
+              <a:off x="7740173" y="3322030"/>
+              <a:ext cx="279936" cy="204591"/>
+            </a:xfrm>
+            <a:prstGeom prst="triangle">
+              <a:avLst/>
+            </a:prstGeom>
+            <a:solidFill>
+              <a:schemeClr val="accent6">
+                <a:lumMod val="75000"/>
+              </a:schemeClr>
+            </a:solidFill>
+            <a:ln>
+              <a:solidFill>
+                <a:srgbClr val="000000"/>
+              </a:solidFill>
+            </a:ln>
+          </p:spPr>
+          <p:style>
+            <a:lnRef idx="1">
+              <a:schemeClr val="accent1"/>
+            </a:lnRef>
+            <a:fillRef idx="3">
+              <a:schemeClr val="accent1"/>
+            </a:fillRef>
+            <a:effectRef idx="2">
+              <a:schemeClr val="accent1"/>
+            </a:effectRef>
+            <a:fontRef idx="minor">
+              <a:schemeClr val="lt1"/>
+            </a:fontRef>
+          </p:style>
+          <p:txBody>
+            <a:bodyPr rtlCol="0" anchor="ctr"/>
+            <a:lstStyle/>
+            <a:p>
+              <a:pPr algn="ctr"/>
+              <a:endParaRPr lang="en-US"/>
+            </a:p>
+          </p:txBody>
+        </p:sp>
+        <p:sp>
+          <p:nvSpPr>
+            <p:cNvPr id="276" name="TextBox 275"/>
+            <p:cNvSpPr txBox="1"/>
+            <p:nvPr/>
+          </p:nvSpPr>
+          <p:spPr>
+            <a:xfrm>
+              <a:off x="7317277" y="3203213"/>
+              <a:ext cx="1681579" cy="461665"/>
+            </a:xfrm>
+            <a:prstGeom prst="rect">
+              <a:avLst/>
+            </a:prstGeom>
+            <a:noFill/>
+          </p:spPr>
+          <p:txBody>
+            <a:bodyPr wrap="square" rtlCol="0">
+              <a:spAutoFit/>
+            </a:bodyPr>
+            <a:lstStyle/>
+            <a:p>
+              <a:pPr algn="ctr"/>
+              <a:r>
+                <a:rPr lang="en-US" sz="2400" dirty="0" smtClean="0"/>
+                <a:t>(        ,  </a:t>
+              </a:r>
+              <a:r>
+                <a:rPr lang="en-US" sz="2400" dirty="0"/>
+                <a:t>1</a:t>
+              </a:r>
+              <a:r>
+                <a:rPr lang="en-US" sz="2400" dirty="0" smtClean="0"/>
+                <a:t>  </a:t>
+              </a:r>
+              <a:r>
+                <a:rPr lang="en-US" sz="2400" dirty="0" smtClean="0"/>
+                <a:t>)</a:t>
+              </a:r>
+              <a:endParaRPr lang="en-US" sz="2400" dirty="0"/>
+            </a:p>
+          </p:txBody>
+        </p:sp>
+      </p:grpSp>
+      <p:grpSp>
+        <p:nvGrpSpPr>
+          <p:cNvPr id="277" name="Group 276"/>
+          <p:cNvGrpSpPr/>
+          <p:nvPr/>
+        </p:nvGrpSpPr>
+        <p:grpSpPr>
+          <a:xfrm>
+            <a:off x="5732165" y="6060487"/>
+            <a:ext cx="1681579" cy="461665"/>
+            <a:chOff x="7317277" y="3203213"/>
+            <a:chExt cx="1681579" cy="461665"/>
+          </a:xfrm>
+        </p:grpSpPr>
+        <p:sp>
+          <p:nvSpPr>
+            <p:cNvPr id="278" name="Isosceles Triangle 128"/>
+            <p:cNvSpPr>
+              <a:spLocks noChangeAspect="1"/>
+            </p:cNvSpPr>
+            <p:nvPr/>
+          </p:nvSpPr>
+          <p:spPr>
+            <a:xfrm>
+              <a:off x="7740173" y="3322030"/>
+              <a:ext cx="279936" cy="204591"/>
+            </a:xfrm>
+            <a:prstGeom prst="triangle">
+              <a:avLst/>
+            </a:prstGeom>
+            <a:solidFill>
+              <a:schemeClr val="accent6">
+                <a:lumMod val="75000"/>
+              </a:schemeClr>
+            </a:solidFill>
+            <a:ln>
+              <a:solidFill>
+                <a:srgbClr val="000000"/>
+              </a:solidFill>
+            </a:ln>
+          </p:spPr>
+          <p:style>
+            <a:lnRef idx="1">
+              <a:schemeClr val="accent1"/>
+            </a:lnRef>
+            <a:fillRef idx="3">
+              <a:schemeClr val="accent1"/>
+            </a:fillRef>
+            <a:effectRef idx="2">
+              <a:schemeClr val="accent1"/>
+            </a:effectRef>
+            <a:fontRef idx="minor">
+              <a:schemeClr val="lt1"/>
+            </a:fontRef>
+          </p:style>
+          <p:txBody>
+            <a:bodyPr rtlCol="0" anchor="ctr"/>
+            <a:lstStyle/>
+            <a:p>
+              <a:pPr algn="ctr"/>
+              <a:endParaRPr lang="en-US"/>
+            </a:p>
+          </p:txBody>
+        </p:sp>
+        <p:sp>
+          <p:nvSpPr>
+            <p:cNvPr id="279" name="TextBox 278"/>
+            <p:cNvSpPr txBox="1"/>
+            <p:nvPr/>
+          </p:nvSpPr>
+          <p:spPr>
+            <a:xfrm>
+              <a:off x="7317277" y="3203213"/>
+              <a:ext cx="1681579" cy="461665"/>
+            </a:xfrm>
+            <a:prstGeom prst="rect">
+              <a:avLst/>
+            </a:prstGeom>
+            <a:noFill/>
+          </p:spPr>
+          <p:txBody>
+            <a:bodyPr wrap="square" rtlCol="0">
+              <a:spAutoFit/>
+            </a:bodyPr>
+            <a:lstStyle/>
+            <a:p>
+              <a:pPr algn="ctr"/>
+              <a:r>
+                <a:rPr lang="en-US" sz="2400" dirty="0" smtClean="0"/>
+                <a:t>(        ,  </a:t>
+              </a:r>
+              <a:r>
+                <a:rPr lang="en-US" sz="2400" dirty="0"/>
+                <a:t>1</a:t>
+              </a:r>
+              <a:r>
+                <a:rPr lang="en-US" sz="2400" dirty="0" smtClean="0"/>
+                <a:t>  </a:t>
+              </a:r>
+              <a:r>
+                <a:rPr lang="en-US" sz="2400" dirty="0" smtClean="0"/>
+                <a:t>)</a:t>
+              </a:r>
+              <a:endParaRPr lang="en-US" sz="2400" dirty="0"/>
+            </a:p>
+          </p:txBody>
+        </p:sp>
+      </p:grpSp>
+      <p:grpSp>
+        <p:nvGrpSpPr>
+          <p:cNvPr id="280" name="Group 279"/>
+          <p:cNvGrpSpPr/>
+          <p:nvPr/>
+        </p:nvGrpSpPr>
+        <p:grpSpPr>
+          <a:xfrm>
+            <a:off x="5736949" y="6250917"/>
+            <a:ext cx="1681579" cy="461665"/>
+            <a:chOff x="7317277" y="3203213"/>
+            <a:chExt cx="1681579" cy="461665"/>
+          </a:xfrm>
+        </p:grpSpPr>
+        <p:sp>
+          <p:nvSpPr>
+            <p:cNvPr id="281" name="Isosceles Triangle 128"/>
+            <p:cNvSpPr>
+              <a:spLocks noChangeAspect="1"/>
+            </p:cNvSpPr>
+            <p:nvPr/>
+          </p:nvSpPr>
+          <p:spPr>
+            <a:xfrm>
+              <a:off x="7740173" y="3322030"/>
+              <a:ext cx="279936" cy="204591"/>
+            </a:xfrm>
+            <a:prstGeom prst="triangle">
+              <a:avLst/>
+            </a:prstGeom>
+            <a:solidFill>
+              <a:schemeClr val="accent6">
+                <a:lumMod val="75000"/>
+              </a:schemeClr>
+            </a:solidFill>
+            <a:ln>
+              <a:solidFill>
+                <a:srgbClr val="000000"/>
+              </a:solidFill>
+            </a:ln>
+          </p:spPr>
+          <p:style>
+            <a:lnRef idx="1">
+              <a:schemeClr val="accent1"/>
+            </a:lnRef>
+            <a:fillRef idx="3">
+              <a:schemeClr val="accent1"/>
+            </a:fillRef>
+            <a:effectRef idx="2">
+              <a:schemeClr val="accent1"/>
+            </a:effectRef>
+            <a:fontRef idx="minor">
+              <a:schemeClr val="lt1"/>
+            </a:fontRef>
+          </p:style>
+          <p:txBody>
+            <a:bodyPr rtlCol="0" anchor="ctr"/>
+            <a:lstStyle/>
+            <a:p>
+              <a:pPr algn="ctr"/>
+              <a:endParaRPr lang="en-US"/>
+            </a:p>
+          </p:txBody>
+        </p:sp>
+        <p:sp>
+          <p:nvSpPr>
+            <p:cNvPr id="282" name="TextBox 281"/>
+            <p:cNvSpPr txBox="1"/>
+            <p:nvPr/>
+          </p:nvSpPr>
+          <p:spPr>
+            <a:xfrm>
+              <a:off x="7317277" y="3203213"/>
+              <a:ext cx="1681579" cy="461665"/>
+            </a:xfrm>
+            <a:prstGeom prst="rect">
+              <a:avLst/>
+            </a:prstGeom>
+            <a:noFill/>
+          </p:spPr>
+          <p:txBody>
+            <a:bodyPr wrap="square" rtlCol="0">
+              <a:spAutoFit/>
+            </a:bodyPr>
+            <a:lstStyle/>
+            <a:p>
+              <a:pPr algn="ctr"/>
+              <a:r>
+                <a:rPr lang="en-US" sz="2400" dirty="0" smtClean="0"/>
+                <a:t>(        ,  </a:t>
+              </a:r>
+              <a:r>
+                <a:rPr lang="en-US" sz="2400" dirty="0"/>
+                <a:t>1</a:t>
+              </a:r>
+              <a:r>
+                <a:rPr lang="en-US" sz="2400" dirty="0" smtClean="0"/>
+                <a:t>  </a:t>
+              </a:r>
+              <a:r>
+                <a:rPr lang="en-US" sz="2400" dirty="0" smtClean="0"/>
+                <a:t>)</a:t>
+              </a:r>
+              <a:endParaRPr lang="en-US" sz="2400" dirty="0"/>
+            </a:p>
+          </p:txBody>
+        </p:sp>
+      </p:grpSp>
+      <p:grpSp>
+        <p:nvGrpSpPr>
+          <p:cNvPr id="283" name="Group 282"/>
+          <p:cNvGrpSpPr/>
+          <p:nvPr/>
+        </p:nvGrpSpPr>
+        <p:grpSpPr>
+          <a:xfrm>
+            <a:off x="5737186" y="5810970"/>
+            <a:ext cx="1681579" cy="461665"/>
+            <a:chOff x="7317277" y="2347334"/>
+            <a:chExt cx="1681579" cy="461665"/>
+          </a:xfrm>
+        </p:grpSpPr>
+        <p:sp>
+          <p:nvSpPr>
+            <p:cNvPr id="284" name="Oval 283"/>
+            <p:cNvSpPr>
+              <a:spLocks noChangeAspect="1"/>
+            </p:cNvSpPr>
+            <p:nvPr/>
+          </p:nvSpPr>
+          <p:spPr>
+            <a:xfrm>
+              <a:off x="7740173" y="2481278"/>
+              <a:ext cx="252626" cy="245554"/>
+            </a:xfrm>
+            <a:prstGeom prst="ellipse">
+              <a:avLst/>
+            </a:prstGeom>
+            <a:solidFill>
+              <a:srgbClr val="0000FF"/>
+            </a:solidFill>
+            <a:ln>
+              <a:solidFill>
+                <a:schemeClr val="tx1"/>
+              </a:solidFill>
+            </a:ln>
+          </p:spPr>
+          <p:style>
+            <a:lnRef idx="1">
+              <a:schemeClr val="accent1"/>
+            </a:lnRef>
+            <a:fillRef idx="3">
+              <a:schemeClr val="accent1"/>
+            </a:fillRef>
+            <a:effectRef idx="2">
+              <a:schemeClr val="accent1"/>
+            </a:effectRef>
+            <a:fontRef idx="minor">
+              <a:schemeClr val="lt1"/>
+            </a:fontRef>
+          </p:style>
+          <p:txBody>
+            <a:bodyPr rtlCol="0" anchor="ctr"/>
+            <a:lstStyle/>
+            <a:p>
+              <a:pPr algn="ctr"/>
+              <a:endParaRPr lang="en-US"/>
+            </a:p>
+          </p:txBody>
+        </p:sp>
+        <p:sp>
+          <p:nvSpPr>
+            <p:cNvPr id="285" name="TextBox 284"/>
+            <p:cNvSpPr txBox="1"/>
+            <p:nvPr/>
+          </p:nvSpPr>
+          <p:spPr>
+            <a:xfrm>
+              <a:off x="7317277" y="2347334"/>
+              <a:ext cx="1681579" cy="461665"/>
+            </a:xfrm>
+            <a:prstGeom prst="rect">
+              <a:avLst/>
+            </a:prstGeom>
+            <a:noFill/>
+          </p:spPr>
+          <p:txBody>
+            <a:bodyPr wrap="square" rtlCol="0">
+              <a:spAutoFit/>
+            </a:bodyPr>
+            <a:lstStyle/>
+            <a:p>
+              <a:pPr algn="ctr"/>
+              <a:r>
+                <a:rPr lang="en-US" sz="2400" dirty="0" smtClean="0"/>
+                <a:t>(        , </a:t>
+              </a:r>
+              <a:r>
+                <a:rPr lang="en-US" sz="2400" dirty="0" smtClean="0"/>
+                <a:t> 1  </a:t>
+              </a:r>
+              <a:r>
+                <a:rPr lang="en-US" sz="2400" dirty="0" smtClean="0"/>
+                <a:t>)</a:t>
+              </a:r>
+              <a:endParaRPr lang="en-US" sz="2400" dirty="0"/>
+            </a:p>
+          </p:txBody>
+        </p:sp>
+      </p:grpSp>
+      <p:grpSp>
+        <p:nvGrpSpPr>
+          <p:cNvPr id="286" name="Group 285"/>
+          <p:cNvGrpSpPr/>
+          <p:nvPr/>
+        </p:nvGrpSpPr>
+        <p:grpSpPr>
+          <a:xfrm>
+            <a:off x="5744050" y="5603513"/>
+            <a:ext cx="1681579" cy="461665"/>
+            <a:chOff x="7317277" y="2347334"/>
+            <a:chExt cx="1681579" cy="461665"/>
+          </a:xfrm>
+        </p:grpSpPr>
+        <p:sp>
+          <p:nvSpPr>
+            <p:cNvPr id="287" name="Oval 286"/>
+            <p:cNvSpPr>
+              <a:spLocks noChangeAspect="1"/>
+            </p:cNvSpPr>
+            <p:nvPr/>
+          </p:nvSpPr>
+          <p:spPr>
+            <a:xfrm>
+              <a:off x="7740173" y="2481278"/>
+              <a:ext cx="252626" cy="245554"/>
+            </a:xfrm>
+            <a:prstGeom prst="ellipse">
+              <a:avLst/>
+            </a:prstGeom>
+            <a:solidFill>
+              <a:srgbClr val="0000FF"/>
+            </a:solidFill>
+            <a:ln>
+              <a:solidFill>
+                <a:schemeClr val="tx1"/>
+              </a:solidFill>
+            </a:ln>
+          </p:spPr>
+          <p:style>
+            <a:lnRef idx="1">
+              <a:schemeClr val="accent1"/>
+            </a:lnRef>
+            <a:fillRef idx="3">
+              <a:schemeClr val="accent1"/>
+            </a:fillRef>
+            <a:effectRef idx="2">
+              <a:schemeClr val="accent1"/>
+            </a:effectRef>
+            <a:fontRef idx="minor">
+              <a:schemeClr val="lt1"/>
+            </a:fontRef>
+          </p:style>
+          <p:txBody>
+            <a:bodyPr rtlCol="0" anchor="ctr"/>
+            <a:lstStyle/>
+            <a:p>
+              <a:pPr algn="ctr"/>
+              <a:endParaRPr lang="en-US"/>
+            </a:p>
+          </p:txBody>
+        </p:sp>
+        <p:sp>
+          <p:nvSpPr>
+            <p:cNvPr id="288" name="TextBox 287"/>
+            <p:cNvSpPr txBox="1"/>
+            <p:nvPr/>
+          </p:nvSpPr>
+          <p:spPr>
+            <a:xfrm>
+              <a:off x="7317277" y="2347334"/>
+              <a:ext cx="1681579" cy="461665"/>
+            </a:xfrm>
+            <a:prstGeom prst="rect">
+              <a:avLst/>
+            </a:prstGeom>
+            <a:noFill/>
+          </p:spPr>
+          <p:txBody>
+            <a:bodyPr wrap="square" rtlCol="0">
+              <a:spAutoFit/>
+            </a:bodyPr>
+            <a:lstStyle/>
+            <a:p>
+              <a:pPr algn="ctr"/>
+              <a:r>
+                <a:rPr lang="en-US" sz="2400" dirty="0" smtClean="0"/>
+                <a:t>(        , </a:t>
+              </a:r>
+              <a:r>
+                <a:rPr lang="en-US" sz="2400" dirty="0" smtClean="0"/>
+                <a:t> 1  </a:t>
+              </a:r>
+              <a:r>
+                <a:rPr lang="en-US" sz="2400" dirty="0" smtClean="0"/>
+                <a:t>)</a:t>
+              </a:r>
+              <a:endParaRPr lang="en-US" sz="2400" dirty="0"/>
+            </a:p>
+          </p:txBody>
+        </p:sp>
+      </p:grpSp>
+      <p:grpSp>
+        <p:nvGrpSpPr>
+          <p:cNvPr id="289" name="Group 288"/>
+          <p:cNvGrpSpPr/>
+          <p:nvPr/>
+        </p:nvGrpSpPr>
+        <p:grpSpPr>
+          <a:xfrm>
+            <a:off x="5757583" y="5421888"/>
+            <a:ext cx="1681579" cy="461665"/>
+            <a:chOff x="7317277" y="2347334"/>
+            <a:chExt cx="1681579" cy="461665"/>
+          </a:xfrm>
+        </p:grpSpPr>
+        <p:sp>
+          <p:nvSpPr>
+            <p:cNvPr id="290" name="Oval 289"/>
+            <p:cNvSpPr>
+              <a:spLocks noChangeAspect="1"/>
+            </p:cNvSpPr>
+            <p:nvPr/>
+          </p:nvSpPr>
+          <p:spPr>
+            <a:xfrm>
+              <a:off x="7740173" y="2481278"/>
+              <a:ext cx="252626" cy="245554"/>
+            </a:xfrm>
+            <a:prstGeom prst="ellipse">
+              <a:avLst/>
+            </a:prstGeom>
+            <a:solidFill>
+              <a:srgbClr val="0000FF"/>
+            </a:solidFill>
+            <a:ln>
+              <a:solidFill>
+                <a:schemeClr val="tx1"/>
+              </a:solidFill>
+            </a:ln>
+          </p:spPr>
+          <p:style>
+            <a:lnRef idx="1">
+              <a:schemeClr val="accent1"/>
+            </a:lnRef>
+            <a:fillRef idx="3">
+              <a:schemeClr val="accent1"/>
+            </a:fillRef>
+            <a:effectRef idx="2">
+              <a:schemeClr val="accent1"/>
+            </a:effectRef>
+            <a:fontRef idx="minor">
+              <a:schemeClr val="lt1"/>
+            </a:fontRef>
+          </p:style>
+          <p:txBody>
+            <a:bodyPr rtlCol="0" anchor="ctr"/>
+            <a:lstStyle/>
+            <a:p>
+              <a:pPr algn="ctr"/>
+              <a:endParaRPr lang="en-US"/>
+            </a:p>
+          </p:txBody>
+        </p:sp>
+        <p:sp>
+          <p:nvSpPr>
+            <p:cNvPr id="291" name="TextBox 290"/>
+            <p:cNvSpPr txBox="1"/>
+            <p:nvPr/>
+          </p:nvSpPr>
+          <p:spPr>
+            <a:xfrm>
+              <a:off x="7317277" y="2347334"/>
+              <a:ext cx="1681579" cy="461665"/>
+            </a:xfrm>
+            <a:prstGeom prst="rect">
+              <a:avLst/>
+            </a:prstGeom>
+            <a:noFill/>
+          </p:spPr>
+          <p:txBody>
+            <a:bodyPr wrap="square" rtlCol="0">
+              <a:spAutoFit/>
+            </a:bodyPr>
+            <a:lstStyle/>
+            <a:p>
+              <a:pPr algn="ctr"/>
+              <a:r>
+                <a:rPr lang="en-US" sz="2400" dirty="0" smtClean="0"/>
+                <a:t>(        , </a:t>
+              </a:r>
+              <a:r>
+                <a:rPr lang="en-US" sz="2400" dirty="0" smtClean="0"/>
+                <a:t> 1  </a:t>
+              </a:r>
+              <a:r>
+                <a:rPr lang="en-US" sz="2400" dirty="0" smtClean="0"/>
+                <a:t>)</a:t>
+              </a:r>
+              <a:endParaRPr lang="en-US" sz="2400" dirty="0"/>
+            </a:p>
+          </p:txBody>
+        </p:sp>
+      </p:grpSp>
+      <p:grpSp>
+        <p:nvGrpSpPr>
+          <p:cNvPr id="293" name="Group 292"/>
+          <p:cNvGrpSpPr/>
+          <p:nvPr/>
+        </p:nvGrpSpPr>
+        <p:grpSpPr>
+          <a:xfrm>
+            <a:off x="5752544" y="5232369"/>
+            <a:ext cx="1681579" cy="461665"/>
+            <a:chOff x="7317277" y="2347334"/>
+            <a:chExt cx="1681579" cy="461665"/>
+          </a:xfrm>
+        </p:grpSpPr>
+        <p:sp>
+          <p:nvSpPr>
+            <p:cNvPr id="294" name="Oval 293"/>
+            <p:cNvSpPr>
+              <a:spLocks noChangeAspect="1"/>
+            </p:cNvSpPr>
+            <p:nvPr/>
+          </p:nvSpPr>
+          <p:spPr>
+            <a:xfrm>
+              <a:off x="7740173" y="2481278"/>
+              <a:ext cx="252626" cy="245554"/>
+            </a:xfrm>
+            <a:prstGeom prst="ellipse">
+              <a:avLst/>
+            </a:prstGeom>
+            <a:solidFill>
+              <a:srgbClr val="0000FF"/>
+            </a:solidFill>
+            <a:ln>
+              <a:solidFill>
+                <a:schemeClr val="tx1"/>
+              </a:solidFill>
+            </a:ln>
+          </p:spPr>
+          <p:style>
+            <a:lnRef idx="1">
+              <a:schemeClr val="accent1"/>
+            </a:lnRef>
+            <a:fillRef idx="3">
+              <a:schemeClr val="accent1"/>
+            </a:fillRef>
+            <a:effectRef idx="2">
+              <a:schemeClr val="accent1"/>
+            </a:effectRef>
+            <a:fontRef idx="minor">
+              <a:schemeClr val="lt1"/>
+            </a:fontRef>
+          </p:style>
+          <p:txBody>
+            <a:bodyPr rtlCol="0" anchor="ctr"/>
+            <a:lstStyle/>
+            <a:p>
+              <a:pPr algn="ctr"/>
+              <a:endParaRPr lang="en-US"/>
+            </a:p>
+          </p:txBody>
+        </p:sp>
+        <p:sp>
+          <p:nvSpPr>
+            <p:cNvPr id="295" name="TextBox 294"/>
+            <p:cNvSpPr txBox="1"/>
+            <p:nvPr/>
+          </p:nvSpPr>
+          <p:spPr>
+            <a:xfrm>
+              <a:off x="7317277" y="2347334"/>
+              <a:ext cx="1681579" cy="461665"/>
+            </a:xfrm>
+            <a:prstGeom prst="rect">
+              <a:avLst/>
+            </a:prstGeom>
+            <a:noFill/>
+          </p:spPr>
+          <p:txBody>
+            <a:bodyPr wrap="square" rtlCol="0">
+              <a:spAutoFit/>
+            </a:bodyPr>
+            <a:lstStyle/>
+            <a:p>
+              <a:pPr algn="ctr"/>
+              <a:r>
+                <a:rPr lang="en-US" sz="2400" dirty="0" smtClean="0"/>
+                <a:t>(        , </a:t>
+              </a:r>
+              <a:r>
+                <a:rPr lang="en-US" sz="2400" dirty="0" smtClean="0"/>
+                <a:t> 1  </a:t>
+              </a:r>
+              <a:r>
+                <a:rPr lang="en-US" sz="2400" dirty="0" smtClean="0"/>
+                <a:t>)</a:t>
+              </a:r>
+              <a:endParaRPr lang="en-US" sz="2400" dirty="0"/>
+            </a:p>
+          </p:txBody>
+        </p:sp>
+      </p:grpSp>
+      <p:grpSp>
+        <p:nvGrpSpPr>
+          <p:cNvPr id="296" name="Group 295"/>
+          <p:cNvGrpSpPr/>
+          <p:nvPr/>
+        </p:nvGrpSpPr>
+        <p:grpSpPr>
+          <a:xfrm>
+            <a:off x="5757281" y="5010342"/>
+            <a:ext cx="1681579" cy="461665"/>
+            <a:chOff x="7317277" y="2347334"/>
+            <a:chExt cx="1681579" cy="461665"/>
+          </a:xfrm>
+        </p:grpSpPr>
+        <p:sp>
+          <p:nvSpPr>
+            <p:cNvPr id="297" name="Oval 296"/>
+            <p:cNvSpPr>
+              <a:spLocks noChangeAspect="1"/>
+            </p:cNvSpPr>
+            <p:nvPr/>
+          </p:nvSpPr>
+          <p:spPr>
+            <a:xfrm>
+              <a:off x="7740173" y="2481278"/>
+              <a:ext cx="252626" cy="245554"/>
+            </a:xfrm>
+            <a:prstGeom prst="ellipse">
+              <a:avLst/>
+            </a:prstGeom>
+            <a:solidFill>
+              <a:srgbClr val="0000FF"/>
+            </a:solidFill>
+            <a:ln>
+              <a:solidFill>
+                <a:schemeClr val="tx1"/>
+              </a:solidFill>
+            </a:ln>
+          </p:spPr>
+          <p:style>
+            <a:lnRef idx="1">
+              <a:schemeClr val="accent1"/>
+            </a:lnRef>
+            <a:fillRef idx="3">
+              <a:schemeClr val="accent1"/>
+            </a:fillRef>
+            <a:effectRef idx="2">
+              <a:schemeClr val="accent1"/>
+            </a:effectRef>
+            <a:fontRef idx="minor">
+              <a:schemeClr val="lt1"/>
+            </a:fontRef>
+          </p:style>
+          <p:txBody>
+            <a:bodyPr rtlCol="0" anchor="ctr"/>
+            <a:lstStyle/>
+            <a:p>
+              <a:pPr algn="ctr"/>
+              <a:endParaRPr lang="en-US"/>
+            </a:p>
+          </p:txBody>
+        </p:sp>
+        <p:sp>
+          <p:nvSpPr>
+            <p:cNvPr id="298" name="TextBox 297"/>
+            <p:cNvSpPr txBox="1"/>
+            <p:nvPr/>
+          </p:nvSpPr>
+          <p:spPr>
+            <a:xfrm>
+              <a:off x="7317277" y="2347334"/>
+              <a:ext cx="1681579" cy="461665"/>
+            </a:xfrm>
+            <a:prstGeom prst="rect">
+              <a:avLst/>
+            </a:prstGeom>
+            <a:noFill/>
+          </p:spPr>
+          <p:txBody>
+            <a:bodyPr wrap="square" rtlCol="0">
+              <a:spAutoFit/>
+            </a:bodyPr>
+            <a:lstStyle/>
+            <a:p>
+              <a:pPr algn="ctr"/>
+              <a:r>
+                <a:rPr lang="en-US" sz="2400" dirty="0" smtClean="0"/>
+                <a:t>(        , </a:t>
+              </a:r>
+              <a:r>
+                <a:rPr lang="en-US" sz="2400" dirty="0" smtClean="0"/>
+                <a:t> 1  </a:t>
+              </a:r>
+              <a:r>
+                <a:rPr lang="en-US" sz="2400" dirty="0" smtClean="0"/>
+                <a:t>)</a:t>
+              </a:r>
+              <a:endParaRPr lang="en-US" sz="2400" dirty="0"/>
+            </a:p>
+          </p:txBody>
+        </p:sp>
+      </p:grpSp>
     </p:spTree>
     <p:extLst>
       <p:ext uri="{BB962C8B-B14F-4D97-AF65-F5344CB8AC3E}">
